--- a/presentation/nbody - Presentation.pptx
+++ b/presentation/nbody - Presentation.pptx
@@ -10,34 +10,24 @@
     <p:sldMasterId id="2147483697" r:id="rId6"/>
   </p:sldMasterIdLst>
   <p:notesMasterIdLst>
-    <p:notesMasterId r:id="rId29"/>
+    <p:notesMasterId r:id="rId19"/>
   </p:notesMasterIdLst>
   <p:handoutMasterIdLst>
-    <p:handoutMasterId r:id="rId30"/>
+    <p:handoutMasterId r:id="rId20"/>
   </p:handoutMasterIdLst>
   <p:sldIdLst>
     <p:sldId id="355" r:id="rId7"/>
-    <p:sldId id="357" r:id="rId8"/>
-    <p:sldId id="356" r:id="rId9"/>
-    <p:sldId id="369" r:id="rId10"/>
-    <p:sldId id="370" r:id="rId11"/>
-    <p:sldId id="392" r:id="rId12"/>
-    <p:sldId id="371" r:id="rId13"/>
-    <p:sldId id="372" r:id="rId14"/>
-    <p:sldId id="373" r:id="rId15"/>
-    <p:sldId id="375" r:id="rId16"/>
-    <p:sldId id="394" r:id="rId17"/>
-    <p:sldId id="376" r:id="rId18"/>
-    <p:sldId id="393" r:id="rId19"/>
-    <p:sldId id="391" r:id="rId20"/>
-    <p:sldId id="390" r:id="rId21"/>
-    <p:sldId id="378" r:id="rId22"/>
-    <p:sldId id="377" r:id="rId23"/>
-    <p:sldId id="389" r:id="rId24"/>
-    <p:sldId id="379" r:id="rId25"/>
-    <p:sldId id="395" r:id="rId26"/>
-    <p:sldId id="380" r:id="rId27"/>
-    <p:sldId id="381" r:id="rId28"/>
+    <p:sldId id="392" r:id="rId8"/>
+    <p:sldId id="393" r:id="rId9"/>
+    <p:sldId id="394" r:id="rId10"/>
+    <p:sldId id="396" r:id="rId11"/>
+    <p:sldId id="397" r:id="rId12"/>
+    <p:sldId id="398" r:id="rId13"/>
+    <p:sldId id="399" r:id="rId14"/>
+    <p:sldId id="400" r:id="rId15"/>
+    <p:sldId id="401" r:id="rId16"/>
+    <p:sldId id="372" r:id="rId17"/>
+    <p:sldId id="395" r:id="rId18"/>
   </p:sldIdLst>
   <p:sldSz cx="9144000" cy="5143500" type="screen16x9"/>
   <p:notesSz cx="9925050" cy="6665913"/>
@@ -204,803 +194,6 @@
 </p:presentation>
 </file>
 
-<file path=ppt/charts/chart1.xml><?xml version="1.0" encoding="utf-8"?>
-<c:chartSpace xmlns:c="http://schemas.openxmlformats.org/drawingml/2006/chart" xmlns:a="http://schemas.openxmlformats.org/drawingml/2006/main" xmlns:r="http://schemas.openxmlformats.org/officeDocument/2006/relationships" xmlns:c16r2="http://schemas.microsoft.com/office/drawing/2015/06/chart">
-  <c:date1904 val="0"/>
-  <c:lang val="en-US"/>
-  <c:roundedCorners val="0"/>
-  <mc:AlternateContent xmlns:mc="http://schemas.openxmlformats.org/markup-compatibility/2006">
-    <mc:Choice xmlns:c14="http://schemas.microsoft.com/office/drawing/2007/8/2/chart" Requires="c14">
-      <c14:style val="102"/>
-    </mc:Choice>
-    <mc:Fallback>
-      <c:style val="2"/>
-    </mc:Fallback>
-  </mc:AlternateContent>
-  <c:chart>
-    <c:autoTitleDeleted val="0"/>
-    <c:plotArea>
-      <c:layout>
-        <c:manualLayout>
-          <c:layoutTarget val="inner"/>
-          <c:xMode val="edge"/>
-          <c:yMode val="edge"/>
-          <c:x val="0.12486981848787888"/>
-          <c:y val="2.9693859117812735E-3"/>
-          <c:w val="0.4620606955380594"/>
-          <c:h val="0.94046776541596178"/>
-        </c:manualLayout>
-      </c:layout>
-      <c:barChart>
-        <c:barDir val="bar"/>
-        <c:grouping val="clustered"/>
-        <c:varyColors val="0"/>
-        <c:ser>
-          <c:idx val="0"/>
-          <c:order val="0"/>
-          <c:tx>
-            <c:strRef>
-              <c:f>Tabelle1!$B$1</c:f>
-              <c:strCache>
-                <c:ptCount val="1"/>
-                <c:pt idx="0">
-                  <c:v>Datenreihe 1</c:v>
-                </c:pt>
-              </c:strCache>
-            </c:strRef>
-          </c:tx>
-          <c:invertIfNegative val="0"/>
-          <c:cat>
-            <c:strRef>
-              <c:f>Tabelle1!$A$2:$A$5</c:f>
-              <c:strCache>
-                <c:ptCount val="4"/>
-                <c:pt idx="0">
-                  <c:v>Kategorie 1</c:v>
-                </c:pt>
-                <c:pt idx="1">
-                  <c:v>Kategorie 2</c:v>
-                </c:pt>
-                <c:pt idx="2">
-                  <c:v>Kategorie 3</c:v>
-                </c:pt>
-                <c:pt idx="3">
-                  <c:v>Kategorie 4</c:v>
-                </c:pt>
-              </c:strCache>
-            </c:strRef>
-          </c:cat>
-          <c:val>
-            <c:numRef>
-              <c:f>Tabelle1!$B$2:$B$5</c:f>
-              <c:numCache>
-                <c:formatCode>General</c:formatCode>
-                <c:ptCount val="4"/>
-                <c:pt idx="0">
-                  <c:v>4.3</c:v>
-                </c:pt>
-                <c:pt idx="1">
-                  <c:v>2.5</c:v>
-                </c:pt>
-                <c:pt idx="2">
-                  <c:v>3.5</c:v>
-                </c:pt>
-                <c:pt idx="3">
-                  <c:v>4.5</c:v>
-                </c:pt>
-              </c:numCache>
-            </c:numRef>
-          </c:val>
-          <c:extLst>
-            <c:ext xmlns:c16="http://schemas.microsoft.com/office/drawing/2014/chart" uri="{C3380CC4-5D6E-409C-BE32-E72D297353CC}">
-              <c16:uniqueId val="{00000000-A1B8-0F4C-898D-12584B14E9AB}"/>
-            </c:ext>
-          </c:extLst>
-        </c:ser>
-        <c:ser>
-          <c:idx val="1"/>
-          <c:order val="1"/>
-          <c:tx>
-            <c:strRef>
-              <c:f>Tabelle1!$C$1</c:f>
-              <c:strCache>
-                <c:ptCount val="1"/>
-                <c:pt idx="0">
-                  <c:v>Datenreihe 2</c:v>
-                </c:pt>
-              </c:strCache>
-            </c:strRef>
-          </c:tx>
-          <c:invertIfNegative val="0"/>
-          <c:cat>
-            <c:strRef>
-              <c:f>Tabelle1!$A$2:$A$5</c:f>
-              <c:strCache>
-                <c:ptCount val="4"/>
-                <c:pt idx="0">
-                  <c:v>Kategorie 1</c:v>
-                </c:pt>
-                <c:pt idx="1">
-                  <c:v>Kategorie 2</c:v>
-                </c:pt>
-                <c:pt idx="2">
-                  <c:v>Kategorie 3</c:v>
-                </c:pt>
-                <c:pt idx="3">
-                  <c:v>Kategorie 4</c:v>
-                </c:pt>
-              </c:strCache>
-            </c:strRef>
-          </c:cat>
-          <c:val>
-            <c:numRef>
-              <c:f>Tabelle1!$C$2:$C$5</c:f>
-              <c:numCache>
-                <c:formatCode>General</c:formatCode>
-                <c:ptCount val="4"/>
-                <c:pt idx="0">
-                  <c:v>2.4</c:v>
-                </c:pt>
-                <c:pt idx="1">
-                  <c:v>4.4000000000000004</c:v>
-                </c:pt>
-                <c:pt idx="2">
-                  <c:v>1.8</c:v>
-                </c:pt>
-                <c:pt idx="3">
-                  <c:v>2.8</c:v>
-                </c:pt>
-              </c:numCache>
-            </c:numRef>
-          </c:val>
-          <c:extLst>
-            <c:ext xmlns:c16="http://schemas.microsoft.com/office/drawing/2014/chart" uri="{C3380CC4-5D6E-409C-BE32-E72D297353CC}">
-              <c16:uniqueId val="{00000001-A1B8-0F4C-898D-12584B14E9AB}"/>
-            </c:ext>
-          </c:extLst>
-        </c:ser>
-        <c:ser>
-          <c:idx val="2"/>
-          <c:order val="2"/>
-          <c:tx>
-            <c:strRef>
-              <c:f>Tabelle1!$D$1</c:f>
-              <c:strCache>
-                <c:ptCount val="1"/>
-                <c:pt idx="0">
-                  <c:v>Datenreihe 3</c:v>
-                </c:pt>
-              </c:strCache>
-            </c:strRef>
-          </c:tx>
-          <c:invertIfNegative val="0"/>
-          <c:cat>
-            <c:strRef>
-              <c:f>Tabelle1!$A$2:$A$5</c:f>
-              <c:strCache>
-                <c:ptCount val="4"/>
-                <c:pt idx="0">
-                  <c:v>Kategorie 1</c:v>
-                </c:pt>
-                <c:pt idx="1">
-                  <c:v>Kategorie 2</c:v>
-                </c:pt>
-                <c:pt idx="2">
-                  <c:v>Kategorie 3</c:v>
-                </c:pt>
-                <c:pt idx="3">
-                  <c:v>Kategorie 4</c:v>
-                </c:pt>
-              </c:strCache>
-            </c:strRef>
-          </c:cat>
-          <c:val>
-            <c:numRef>
-              <c:f>Tabelle1!$D$2:$D$5</c:f>
-              <c:numCache>
-                <c:formatCode>General</c:formatCode>
-                <c:ptCount val="4"/>
-                <c:pt idx="0">
-                  <c:v>2</c:v>
-                </c:pt>
-                <c:pt idx="1">
-                  <c:v>2</c:v>
-                </c:pt>
-                <c:pt idx="2">
-                  <c:v>3</c:v>
-                </c:pt>
-                <c:pt idx="3">
-                  <c:v>5</c:v>
-                </c:pt>
-              </c:numCache>
-            </c:numRef>
-          </c:val>
-          <c:extLst>
-            <c:ext xmlns:c16="http://schemas.microsoft.com/office/drawing/2014/chart" uri="{C3380CC4-5D6E-409C-BE32-E72D297353CC}">
-              <c16:uniqueId val="{00000002-A1B8-0F4C-898D-12584B14E9AB}"/>
-            </c:ext>
-          </c:extLst>
-        </c:ser>
-        <c:dLbls>
-          <c:showLegendKey val="0"/>
-          <c:showVal val="0"/>
-          <c:showCatName val="0"/>
-          <c:showSerName val="0"/>
-          <c:showPercent val="0"/>
-          <c:showBubbleSize val="0"/>
-        </c:dLbls>
-        <c:gapWidth val="150"/>
-        <c:axId val="55609984"/>
-        <c:axId val="55632256"/>
-      </c:barChart>
-      <c:catAx>
-        <c:axId val="55609984"/>
-        <c:scaling>
-          <c:orientation val="maxMin"/>
-        </c:scaling>
-        <c:delete val="0"/>
-        <c:axPos val="l"/>
-        <c:numFmt formatCode="General" sourceLinked="0"/>
-        <c:majorTickMark val="out"/>
-        <c:minorTickMark val="none"/>
-        <c:tickLblPos val="nextTo"/>
-        <c:spPr>
-          <a:ln>
-            <a:noFill/>
-          </a:ln>
-        </c:spPr>
-        <c:txPr>
-          <a:bodyPr/>
-          <a:lstStyle/>
-          <a:p>
-            <a:pPr>
-              <a:defRPr sz="1200"/>
-            </a:pPr>
-            <a:endParaRPr lang="de-DE"/>
-          </a:p>
-        </c:txPr>
-        <c:crossAx val="55632256"/>
-        <c:crosses val="autoZero"/>
-        <c:auto val="1"/>
-        <c:lblAlgn val="ctr"/>
-        <c:lblOffset val="100"/>
-        <c:noMultiLvlLbl val="0"/>
-      </c:catAx>
-      <c:valAx>
-        <c:axId val="55632256"/>
-        <c:scaling>
-          <c:orientation val="minMax"/>
-        </c:scaling>
-        <c:delete val="1"/>
-        <c:axPos val="t"/>
-        <c:numFmt formatCode="General" sourceLinked="1"/>
-        <c:majorTickMark val="out"/>
-        <c:minorTickMark val="none"/>
-        <c:tickLblPos val="none"/>
-        <c:crossAx val="55609984"/>
-        <c:crosses val="autoZero"/>
-        <c:crossBetween val="between"/>
-      </c:valAx>
-      <c:spPr>
-        <a:noFill/>
-        <a:ln w="25400">
-          <a:noFill/>
-        </a:ln>
-      </c:spPr>
-    </c:plotArea>
-    <c:legend>
-      <c:legendPos val="r"/>
-      <c:legendEntry>
-        <c:idx val="0"/>
-        <c:txPr>
-          <a:bodyPr/>
-          <a:lstStyle/>
-          <a:p>
-            <a:pPr>
-              <a:defRPr sz="1200"/>
-            </a:pPr>
-            <a:endParaRPr lang="de-DE"/>
-          </a:p>
-        </c:txPr>
-      </c:legendEntry>
-      <c:legendEntry>
-        <c:idx val="1"/>
-        <c:txPr>
-          <a:bodyPr/>
-          <a:lstStyle/>
-          <a:p>
-            <a:pPr>
-              <a:defRPr sz="1200"/>
-            </a:pPr>
-            <a:endParaRPr lang="de-DE"/>
-          </a:p>
-        </c:txPr>
-      </c:legendEntry>
-      <c:legendEntry>
-        <c:idx val="2"/>
-        <c:txPr>
-          <a:bodyPr/>
-          <a:lstStyle/>
-          <a:p>
-            <a:pPr>
-              <a:defRPr sz="1200"/>
-            </a:pPr>
-            <a:endParaRPr lang="de-DE"/>
-          </a:p>
-        </c:txPr>
-      </c:legendEntry>
-      <c:layout>
-        <c:manualLayout>
-          <c:xMode val="edge"/>
-          <c:yMode val="edge"/>
-          <c:x val="0.80149253731343284"/>
-          <c:y val="0.52835304493820856"/>
-          <c:w val="0.17581008344106258"/>
-          <c:h val="0.39444292135547893"/>
-        </c:manualLayout>
-      </c:layout>
-      <c:overlay val="0"/>
-    </c:legend>
-    <c:plotVisOnly val="1"/>
-    <c:dispBlanksAs val="gap"/>
-    <c:showDLblsOverMax val="0"/>
-  </c:chart>
-  <c:txPr>
-    <a:bodyPr/>
-    <a:lstStyle/>
-    <a:p>
-      <a:pPr>
-        <a:defRPr sz="1600"/>
-      </a:pPr>
-      <a:endParaRPr lang="de-DE"/>
-    </a:p>
-  </c:txPr>
-  <c:externalData r:id="rId1">
-    <c:autoUpdate val="0"/>
-  </c:externalData>
-</c:chartSpace>
-</file>
-
-<file path=ppt/charts/chart2.xml><?xml version="1.0" encoding="utf-8"?>
-<c:chartSpace xmlns:c="http://schemas.openxmlformats.org/drawingml/2006/chart" xmlns:a="http://schemas.openxmlformats.org/drawingml/2006/main" xmlns:r="http://schemas.openxmlformats.org/officeDocument/2006/relationships" xmlns:c16r2="http://schemas.microsoft.com/office/drawing/2015/06/chart">
-  <c:date1904 val="0"/>
-  <c:lang val="en-US"/>
-  <c:roundedCorners val="0"/>
-  <mc:AlternateContent xmlns:mc="http://schemas.openxmlformats.org/markup-compatibility/2006">
-    <mc:Choice xmlns:c14="http://schemas.microsoft.com/office/drawing/2007/8/2/chart" Requires="c14">
-      <c14:style val="102"/>
-    </mc:Choice>
-    <mc:Fallback>
-      <c:style val="2"/>
-    </mc:Fallback>
-  </mc:AlternateContent>
-  <c:chart>
-    <c:autoTitleDeleted val="1"/>
-    <c:plotArea>
-      <c:layout>
-        <c:manualLayout>
-          <c:layoutTarget val="inner"/>
-          <c:xMode val="edge"/>
-          <c:yMode val="edge"/>
-          <c:x val="3.4917781378035195E-2"/>
-          <c:y val="4.8713503858794326E-2"/>
-          <c:w val="0.72089832193327852"/>
-          <c:h val="0.71127185070697474"/>
-        </c:manualLayout>
-      </c:layout>
-      <c:barChart>
-        <c:barDir val="col"/>
-        <c:grouping val="clustered"/>
-        <c:varyColors val="0"/>
-        <c:ser>
-          <c:idx val="0"/>
-          <c:order val="0"/>
-          <c:tx>
-            <c:strRef>
-              <c:f>Tabelle1!$B$1</c:f>
-              <c:strCache>
-                <c:ptCount val="1"/>
-                <c:pt idx="0">
-                  <c:v>Datenreihe 1</c:v>
-                </c:pt>
-              </c:strCache>
-            </c:strRef>
-          </c:tx>
-          <c:spPr>
-            <a:solidFill>
-              <a:schemeClr val="accent1"/>
-            </a:solidFill>
-            <a:ln>
-              <a:noFill/>
-            </a:ln>
-            <a:effectLst/>
-          </c:spPr>
-          <c:invertIfNegative val="0"/>
-          <c:cat>
-            <c:strRef>
-              <c:f>Tabelle1!$A$2:$A$5</c:f>
-              <c:strCache>
-                <c:ptCount val="4"/>
-                <c:pt idx="0">
-                  <c:v>Kategorie 1</c:v>
-                </c:pt>
-                <c:pt idx="1">
-                  <c:v>Kategorie 2</c:v>
-                </c:pt>
-                <c:pt idx="2">
-                  <c:v>Kategorie 3</c:v>
-                </c:pt>
-                <c:pt idx="3">
-                  <c:v>Kategorie 4</c:v>
-                </c:pt>
-              </c:strCache>
-            </c:strRef>
-          </c:cat>
-          <c:val>
-            <c:numRef>
-              <c:f>Tabelle1!$B$2:$B$5</c:f>
-              <c:numCache>
-                <c:formatCode>General</c:formatCode>
-                <c:ptCount val="4"/>
-                <c:pt idx="0">
-                  <c:v>4.3</c:v>
-                </c:pt>
-                <c:pt idx="1">
-                  <c:v>2.5</c:v>
-                </c:pt>
-                <c:pt idx="2">
-                  <c:v>3.5</c:v>
-                </c:pt>
-                <c:pt idx="3">
-                  <c:v>4.5</c:v>
-                </c:pt>
-              </c:numCache>
-            </c:numRef>
-          </c:val>
-          <c:extLst>
-            <c:ext xmlns:c16="http://schemas.microsoft.com/office/drawing/2014/chart" uri="{C3380CC4-5D6E-409C-BE32-E72D297353CC}">
-              <c16:uniqueId val="{00000000-3E77-7A46-A340-586A45AE84A2}"/>
-            </c:ext>
-          </c:extLst>
-        </c:ser>
-        <c:ser>
-          <c:idx val="1"/>
-          <c:order val="1"/>
-          <c:tx>
-            <c:strRef>
-              <c:f>Tabelle1!$C$1</c:f>
-              <c:strCache>
-                <c:ptCount val="1"/>
-                <c:pt idx="0">
-                  <c:v>Datenreihe 2</c:v>
-                </c:pt>
-              </c:strCache>
-            </c:strRef>
-          </c:tx>
-          <c:spPr>
-            <a:solidFill>
-              <a:schemeClr val="accent2"/>
-            </a:solidFill>
-            <a:ln>
-              <a:noFill/>
-            </a:ln>
-            <a:effectLst/>
-          </c:spPr>
-          <c:invertIfNegative val="0"/>
-          <c:cat>
-            <c:strRef>
-              <c:f>Tabelle1!$A$2:$A$5</c:f>
-              <c:strCache>
-                <c:ptCount val="4"/>
-                <c:pt idx="0">
-                  <c:v>Kategorie 1</c:v>
-                </c:pt>
-                <c:pt idx="1">
-                  <c:v>Kategorie 2</c:v>
-                </c:pt>
-                <c:pt idx="2">
-                  <c:v>Kategorie 3</c:v>
-                </c:pt>
-                <c:pt idx="3">
-                  <c:v>Kategorie 4</c:v>
-                </c:pt>
-              </c:strCache>
-            </c:strRef>
-          </c:cat>
-          <c:val>
-            <c:numRef>
-              <c:f>Tabelle1!$C$2:$C$5</c:f>
-              <c:numCache>
-                <c:formatCode>General</c:formatCode>
-                <c:ptCount val="4"/>
-                <c:pt idx="0">
-                  <c:v>2.4</c:v>
-                </c:pt>
-                <c:pt idx="1">
-                  <c:v>4.4000000000000004</c:v>
-                </c:pt>
-                <c:pt idx="2">
-                  <c:v>1.8</c:v>
-                </c:pt>
-                <c:pt idx="3">
-                  <c:v>2.8</c:v>
-                </c:pt>
-              </c:numCache>
-            </c:numRef>
-          </c:val>
-          <c:extLst>
-            <c:ext xmlns:c16="http://schemas.microsoft.com/office/drawing/2014/chart" uri="{C3380CC4-5D6E-409C-BE32-E72D297353CC}">
-              <c16:uniqueId val="{00000001-3E77-7A46-A340-586A45AE84A2}"/>
-            </c:ext>
-          </c:extLst>
-        </c:ser>
-        <c:ser>
-          <c:idx val="2"/>
-          <c:order val="2"/>
-          <c:tx>
-            <c:strRef>
-              <c:f>Tabelle1!$D$1</c:f>
-              <c:strCache>
-                <c:ptCount val="1"/>
-                <c:pt idx="0">
-                  <c:v>Datenreihe 3</c:v>
-                </c:pt>
-              </c:strCache>
-            </c:strRef>
-          </c:tx>
-          <c:spPr>
-            <a:solidFill>
-              <a:schemeClr val="accent3"/>
-            </a:solidFill>
-            <a:ln>
-              <a:noFill/>
-            </a:ln>
-            <a:effectLst/>
-          </c:spPr>
-          <c:invertIfNegative val="0"/>
-          <c:cat>
-            <c:strRef>
-              <c:f>Tabelle1!$A$2:$A$5</c:f>
-              <c:strCache>
-                <c:ptCount val="4"/>
-                <c:pt idx="0">
-                  <c:v>Kategorie 1</c:v>
-                </c:pt>
-                <c:pt idx="1">
-                  <c:v>Kategorie 2</c:v>
-                </c:pt>
-                <c:pt idx="2">
-                  <c:v>Kategorie 3</c:v>
-                </c:pt>
-                <c:pt idx="3">
-                  <c:v>Kategorie 4</c:v>
-                </c:pt>
-              </c:strCache>
-            </c:strRef>
-          </c:cat>
-          <c:val>
-            <c:numRef>
-              <c:f>Tabelle1!$D$2:$D$5</c:f>
-              <c:numCache>
-                <c:formatCode>General</c:formatCode>
-                <c:ptCount val="4"/>
-                <c:pt idx="0">
-                  <c:v>2</c:v>
-                </c:pt>
-                <c:pt idx="1">
-                  <c:v>2</c:v>
-                </c:pt>
-                <c:pt idx="2">
-                  <c:v>3</c:v>
-                </c:pt>
-                <c:pt idx="3">
-                  <c:v>5</c:v>
-                </c:pt>
-              </c:numCache>
-            </c:numRef>
-          </c:val>
-          <c:extLst>
-            <c:ext xmlns:c16="http://schemas.microsoft.com/office/drawing/2014/chart" uri="{C3380CC4-5D6E-409C-BE32-E72D297353CC}">
-              <c16:uniqueId val="{00000002-3E77-7A46-A340-586A45AE84A2}"/>
-            </c:ext>
-          </c:extLst>
-        </c:ser>
-        <c:dLbls>
-          <c:showLegendKey val="0"/>
-          <c:showVal val="0"/>
-          <c:showCatName val="0"/>
-          <c:showSerName val="0"/>
-          <c:showPercent val="0"/>
-          <c:showBubbleSize val="0"/>
-        </c:dLbls>
-        <c:gapWidth val="219"/>
-        <c:overlap val="-27"/>
-        <c:axId val="55849728"/>
-        <c:axId val="55851264"/>
-      </c:barChart>
-      <c:catAx>
-        <c:axId val="55849728"/>
-        <c:scaling>
-          <c:orientation val="minMax"/>
-        </c:scaling>
-        <c:delete val="0"/>
-        <c:axPos val="b"/>
-        <c:numFmt formatCode="General" sourceLinked="1"/>
-        <c:majorTickMark val="none"/>
-        <c:minorTickMark val="none"/>
-        <c:tickLblPos val="nextTo"/>
-        <c:spPr>
-          <a:noFill/>
-          <a:ln w="9525" cap="flat" cmpd="sng" algn="ctr">
-            <a:solidFill>
-              <a:schemeClr val="tx1">
-                <a:lumMod val="15000"/>
-                <a:lumOff val="85000"/>
-              </a:schemeClr>
-            </a:solidFill>
-            <a:round/>
-          </a:ln>
-          <a:effectLst/>
-        </c:spPr>
-        <c:txPr>
-          <a:bodyPr rot="-60000000" spcFirstLastPara="1" vertOverflow="ellipsis" vert="horz" wrap="square" anchor="ctr" anchorCtr="1"/>
-          <a:lstStyle/>
-          <a:p>
-            <a:pPr>
-              <a:defRPr sz="1400" b="0" i="0" u="none" strike="noStrike" kern="1200" baseline="0">
-                <a:solidFill>
-                  <a:schemeClr val="tx1">
-                    <a:lumMod val="65000"/>
-                    <a:lumOff val="35000"/>
-                  </a:schemeClr>
-                </a:solidFill>
-                <a:latin typeface="+mn-lt"/>
-                <a:ea typeface="+mn-ea"/>
-                <a:cs typeface="+mn-cs"/>
-              </a:defRPr>
-            </a:pPr>
-            <a:endParaRPr lang="de-DE"/>
-          </a:p>
-        </c:txPr>
-        <c:crossAx val="55851264"/>
-        <c:crosses val="autoZero"/>
-        <c:auto val="1"/>
-        <c:lblAlgn val="ctr"/>
-        <c:lblOffset val="100"/>
-        <c:noMultiLvlLbl val="0"/>
-      </c:catAx>
-      <c:valAx>
-        <c:axId val="55851264"/>
-        <c:scaling>
-          <c:orientation val="minMax"/>
-        </c:scaling>
-        <c:delete val="0"/>
-        <c:axPos val="l"/>
-        <c:majorGridlines>
-          <c:spPr>
-            <a:ln w="9525" cap="flat" cmpd="sng" algn="ctr">
-              <a:solidFill>
-                <a:schemeClr val="tx1">
-                  <a:lumMod val="15000"/>
-                  <a:lumOff val="85000"/>
-                </a:schemeClr>
-              </a:solidFill>
-              <a:round/>
-            </a:ln>
-            <a:effectLst/>
-          </c:spPr>
-        </c:majorGridlines>
-        <c:numFmt formatCode="General" sourceLinked="1"/>
-        <c:majorTickMark val="none"/>
-        <c:minorTickMark val="none"/>
-        <c:tickLblPos val="nextTo"/>
-        <c:spPr>
-          <a:noFill/>
-          <a:ln>
-            <a:noFill/>
-          </a:ln>
-          <a:effectLst/>
-        </c:spPr>
-        <c:txPr>
-          <a:bodyPr rot="-60000000" spcFirstLastPara="1" vertOverflow="ellipsis" vert="horz" wrap="square" anchor="ctr" anchorCtr="1"/>
-          <a:lstStyle/>
-          <a:p>
-            <a:pPr>
-              <a:defRPr sz="1197" b="0" i="0" u="none" strike="noStrike" kern="1200" baseline="0">
-                <a:solidFill>
-                  <a:schemeClr val="tx1">
-                    <a:lumMod val="65000"/>
-                    <a:lumOff val="35000"/>
-                  </a:schemeClr>
-                </a:solidFill>
-                <a:latin typeface="+mn-lt"/>
-                <a:ea typeface="+mn-ea"/>
-                <a:cs typeface="+mn-cs"/>
-              </a:defRPr>
-            </a:pPr>
-            <a:endParaRPr lang="de-DE"/>
-          </a:p>
-        </c:txPr>
-        <c:crossAx val="55849728"/>
-        <c:crosses val="autoZero"/>
-        <c:crossBetween val="between"/>
-      </c:valAx>
-      <c:spPr>
-        <a:noFill/>
-        <a:ln>
-          <a:noFill/>
-        </a:ln>
-        <a:effectLst/>
-      </c:spPr>
-    </c:plotArea>
-    <c:legend>
-      <c:legendPos val="b"/>
-      <c:layout>
-        <c:manualLayout>
-          <c:xMode val="edge"/>
-          <c:yMode val="edge"/>
-          <c:x val="0.8154296124150936"/>
-          <c:y val="0.49854001583135465"/>
-          <c:w val="0.17871519121995594"/>
-          <c:h val="0.2968338288866984"/>
-        </c:manualLayout>
-      </c:layout>
-      <c:overlay val="0"/>
-      <c:spPr>
-        <a:noFill/>
-        <a:ln>
-          <a:noFill/>
-        </a:ln>
-        <a:effectLst/>
-      </c:spPr>
-      <c:txPr>
-        <a:bodyPr rot="0" spcFirstLastPara="1" vertOverflow="ellipsis" vert="horz" wrap="square" anchor="ctr" anchorCtr="1"/>
-        <a:lstStyle/>
-        <a:p>
-          <a:pPr>
-            <a:defRPr sz="1400" b="0" i="0" u="none" strike="noStrike" kern="1200" baseline="0">
-              <a:solidFill>
-                <a:schemeClr val="tx1">
-                  <a:lumMod val="65000"/>
-                  <a:lumOff val="35000"/>
-                </a:schemeClr>
-              </a:solidFill>
-              <a:latin typeface="+mn-lt"/>
-              <a:ea typeface="+mn-ea"/>
-              <a:cs typeface="+mn-cs"/>
-            </a:defRPr>
-          </a:pPr>
-          <a:endParaRPr lang="de-DE"/>
-        </a:p>
-      </c:txPr>
-    </c:legend>
-    <c:plotVisOnly val="1"/>
-    <c:dispBlanksAs val="gap"/>
-    <c:showDLblsOverMax val="0"/>
-  </c:chart>
-  <c:spPr>
-    <a:noFill/>
-    <a:ln>
-      <a:noFill/>
-    </a:ln>
-    <a:effectLst/>
-  </c:spPr>
-  <c:txPr>
-    <a:bodyPr/>
-    <a:lstStyle/>
-    <a:p>
-      <a:pPr>
-        <a:defRPr/>
-      </a:pPr>
-      <a:endParaRPr lang="de-DE"/>
-    </a:p>
-  </c:txPr>
-  <c:externalData r:id="rId1">
-    <c:autoUpdate val="0"/>
-  </c:externalData>
-</c:chartSpace>
-</file>
-
 <file path=ppt/handoutMasters/handoutMaster1.xml><?xml version="1.0" encoding="utf-8"?>
 <p:handoutMaster xmlns:a="http://schemas.openxmlformats.org/drawingml/2006/main" xmlns:r="http://schemas.openxmlformats.org/officeDocument/2006/relationships" xmlns:p="http://schemas.openxmlformats.org/presentationml/2006/main">
   <p:cSld>
@@ -1779,7 +972,7 @@
       </p:grpSpPr>
       <p:sp>
         <p:nvSpPr>
-          <p:cNvPr id="2" name="Folienbildplatzhalter 1"/>
+          <p:cNvPr id="2" name="Slide Image Placeholder 1"/>
           <p:cNvSpPr>
             <a:spLocks noGrp="1" noRot="1" noChangeAspect="1"/>
           </p:cNvSpPr>
@@ -1791,7 +984,7 @@
       </p:sp>
       <p:sp>
         <p:nvSpPr>
-          <p:cNvPr id="3" name="Notizenplatzhalter 2"/>
+          <p:cNvPr id="3" name="Notes Placeholder 2"/>
           <p:cNvSpPr>
             <a:spLocks noGrp="1"/>
           </p:cNvSpPr>
@@ -1801,23 +994,21 @@
         </p:nvSpPr>
         <p:spPr/>
         <p:txBody>
-          <a:bodyPr>
-            <a:normAutofit/>
-          </a:bodyPr>
+          <a:bodyPr/>
           <a:lstStyle/>
           <a:p>
-            <a:endParaRPr lang="de-DE" dirty="0"/>
-          </a:p>
-        </p:txBody>
-      </p:sp>
-      <p:sp>
-        <p:nvSpPr>
-          <p:cNvPr id="4" name="Foliennummernplatzhalter 3"/>
+            <a:endParaRPr lang="en-US" dirty="0"/>
+          </a:p>
+        </p:txBody>
+      </p:sp>
+      <p:sp>
+        <p:nvSpPr>
+          <p:cNvPr id="4" name="Slide Number Placeholder 3"/>
           <p:cNvSpPr>
             <a:spLocks noGrp="1"/>
           </p:cNvSpPr>
           <p:nvPr>
-            <p:ph type="sldNum" sz="quarter" idx="10"/>
+            <p:ph type="sldNum" sz="quarter" idx="5"/>
           </p:nvPr>
         </p:nvSpPr>
         <p:spPr/>
@@ -1833,100 +1024,18 @@
               <a:pPr>
                 <a:defRPr/>
               </a:pPr>
-              <a:t>11</a:t>
+              <a:t>2</a:t>
             </a:fld>
             <a:endParaRPr lang="en-GB"/>
           </a:p>
         </p:txBody>
       </p:sp>
     </p:spTree>
-  </p:cSld>
-  <p:clrMapOvr>
-    <a:masterClrMapping/>
-  </p:clrMapOvr>
-</p:notes>
-</file>
-
-<file path=ppt/notesSlides/notesSlide3.xml><?xml version="1.0" encoding="utf-8"?>
-<p:notes xmlns:a="http://schemas.openxmlformats.org/drawingml/2006/main" xmlns:r="http://schemas.openxmlformats.org/officeDocument/2006/relationships" xmlns:p="http://schemas.openxmlformats.org/presentationml/2006/main">
-  <p:cSld>
-    <p:spTree>
-      <p:nvGrpSpPr>
-        <p:cNvPr id="1" name=""/>
-        <p:cNvGrpSpPr/>
-        <p:nvPr/>
-      </p:nvGrpSpPr>
-      <p:grpSpPr>
-        <a:xfrm>
-          <a:off x="0" y="0"/>
-          <a:ext cx="0" cy="0"/>
-          <a:chOff x="0" y="0"/>
-          <a:chExt cx="0" cy="0"/>
-        </a:xfrm>
-      </p:grpSpPr>
-      <p:sp>
-        <p:nvSpPr>
-          <p:cNvPr id="2" name="Folienbildplatzhalter 1"/>
-          <p:cNvSpPr>
-            <a:spLocks noGrp="1" noRot="1" noChangeAspect="1"/>
-          </p:cNvSpPr>
-          <p:nvPr>
-            <p:ph type="sldImg"/>
-          </p:nvPr>
-        </p:nvSpPr>
-        <p:spPr/>
-      </p:sp>
-      <p:sp>
-        <p:nvSpPr>
-          <p:cNvPr id="3" name="Notizenplatzhalter 2"/>
-          <p:cNvSpPr>
-            <a:spLocks noGrp="1"/>
-          </p:cNvSpPr>
-          <p:nvPr>
-            <p:ph type="body" idx="1"/>
-          </p:nvPr>
-        </p:nvSpPr>
-        <p:spPr/>
-        <p:txBody>
-          <a:bodyPr>
-            <a:normAutofit/>
-          </a:bodyPr>
-          <a:lstStyle/>
-          <a:p>
-            <a:endParaRPr lang="de-DE" dirty="0"/>
-          </a:p>
-        </p:txBody>
-      </p:sp>
-      <p:sp>
-        <p:nvSpPr>
-          <p:cNvPr id="4" name="Foliennummernplatzhalter 3"/>
-          <p:cNvSpPr>
-            <a:spLocks noGrp="1"/>
-          </p:cNvSpPr>
-          <p:nvPr>
-            <p:ph type="sldNum" sz="quarter" idx="10"/>
-          </p:nvPr>
-        </p:nvSpPr>
-        <p:spPr/>
-        <p:txBody>
-          <a:bodyPr/>
-          <a:lstStyle/>
-          <a:p>
-            <a:pPr>
-              <a:defRPr/>
-            </a:pPr>
-            <a:fld id="{00AFC6D0-44D5-4EB7-828F-6F464F83D79A}" type="slidenum">
-              <a:rPr lang="en-GB" smtClean="0"/>
-              <a:pPr>
-                <a:defRPr/>
-              </a:pPr>
-              <a:t>22</a:t>
-            </a:fld>
-            <a:endParaRPr lang="en-GB"/>
-          </a:p>
-        </p:txBody>
-      </p:sp>
-    </p:spTree>
+    <p:extLst>
+      <p:ext uri="{BB962C8B-B14F-4D97-AF65-F5344CB8AC3E}">
+        <p14:creationId xmlns:p14="http://schemas.microsoft.com/office/powerpoint/2010/main" val="1069037612"/>
+      </p:ext>
+    </p:extLst>
   </p:cSld>
   <p:clrMapOvr>
     <a:masterClrMapping/>
@@ -8463,14 +7572,9 @@
           <a:lstStyle/>
           <a:p>
             <a:r>
-              <a:rPr lang="de-DE" dirty="0"/>
-              <a:t>N-body </a:t>
-            </a:r>
-            <a:r>
-              <a:rPr lang="de-DE" dirty="0" err="1"/>
-              <a:t>simulation</a:t>
-            </a:r>
-            <a:endParaRPr lang="de-DE" dirty="0"/>
+              <a:rPr lang="en-US" noProof="0" dirty="0"/>
+              <a:t>N-Body Simulation</a:t>
+            </a:r>
           </a:p>
         </p:txBody>
       </p:sp>
@@ -8490,30 +7594,29 @@
           <a:lstStyle/>
           <a:p>
             <a:r>
-              <a:rPr lang="de-DE" dirty="0"/>
+              <a:rPr lang="en-US" noProof="0" dirty="0"/>
               <a:t>Fabian Hölzl, Nicolas Sierra Manrique</a:t>
             </a:r>
           </a:p>
           <a:p>
             <a:r>
-              <a:rPr lang="de-DE" dirty="0"/>
-              <a:t>Technische Universität München</a:t>
-            </a:r>
-          </a:p>
-          <a:p>
-            <a:r>
-              <a:rPr lang="de-DE" dirty="0"/>
-              <a:t>Garching, 03. </a:t>
-            </a:r>
-            <a:r>
-              <a:rPr lang="de-DE" dirty="0" err="1"/>
-              <a:t>July</a:t>
-            </a:r>
-            <a:r>
-              <a:rPr lang="de-DE"/>
-              <a:t> 2025</a:t>
-            </a:r>
-            <a:endParaRPr lang="de-DE" dirty="0"/>
+              <a:rPr lang="en-US" noProof="0" dirty="0" err="1"/>
+              <a:t>Technische</a:t>
+            </a:r>
+            <a:r>
+              <a:rPr lang="en-US" noProof="0" dirty="0"/>
+              <a:t> Universität München</a:t>
+            </a:r>
+          </a:p>
+          <a:p>
+            <a:r>
+              <a:rPr lang="en-US" noProof="0" dirty="0" err="1"/>
+              <a:t>Garching</a:t>
+            </a:r>
+            <a:r>
+              <a:rPr lang="en-US" noProof="0" dirty="0"/>
+              <a:t>, 03. July 2025</a:t>
+            </a:r>
           </a:p>
         </p:txBody>
       </p:sp>
@@ -8530,7 +7633,13 @@
   <p:cSld>
     <p:spTree>
       <p:nvGrpSpPr>
-        <p:cNvPr id="1" name=""/>
+        <p:cNvPr id="1" name="">
+          <a:extLst>
+            <a:ext uri="{FF2B5EF4-FFF2-40B4-BE49-F238E27FC236}">
+              <a16:creationId xmlns:a16="http://schemas.microsoft.com/office/drawing/2014/main" id="{53EB414E-706E-7EE1-D00F-03536DC1B248}"/>
+            </a:ext>
+          </a:extLst>
+        </p:cNvPr>
         <p:cNvGrpSpPr/>
         <p:nvPr/>
       </p:nvGrpSpPr>
@@ -8544,7 +7653,13 @@
       </p:grpSpPr>
       <p:sp>
         <p:nvSpPr>
-          <p:cNvPr id="2" name="Inhaltsplatzhalter 1"/>
+          <p:cNvPr id="2" name="Inhaltsplatzhalter 1">
+            <a:extLst>
+              <a:ext uri="{FF2B5EF4-FFF2-40B4-BE49-F238E27FC236}">
+                <a16:creationId xmlns:a16="http://schemas.microsoft.com/office/drawing/2014/main" id="{FCF8124D-81C7-AF1D-AED8-0BC2457A3DF0}"/>
+              </a:ext>
+            </a:extLst>
+          </p:cNvPr>
           <p:cNvSpPr>
             <a:spLocks noGrp="1"/>
           </p:cNvSpPr>
@@ -8552,42 +7667,45 @@
             <p:ph idx="1"/>
           </p:nvPr>
         </p:nvSpPr>
-        <p:spPr/>
+        <p:spPr>
+          <a:xfrm>
+            <a:off x="319090" y="1220495"/>
+            <a:ext cx="8508999" cy="2998470"/>
+          </a:xfrm>
+        </p:spPr>
         <p:txBody>
           <a:bodyPr/>
           <a:lstStyle/>
           <a:p>
             <a:r>
-              <a:rPr lang="de-DE"/>
-              <a:t>schlichte Darstellung von Informationen</a:t>
-            </a:r>
-          </a:p>
-          <a:p>
-            <a:endParaRPr lang="de-DE"/>
-          </a:p>
-          <a:p>
-            <a:r>
-              <a:rPr lang="de-DE"/>
-              <a:t>reduzierte Farben</a:t>
-            </a:r>
-          </a:p>
-          <a:p>
-            <a:endParaRPr lang="de-DE"/>
-          </a:p>
-          <a:p>
-            <a:r>
-              <a:rPr lang="de-DE"/>
-              <a:t>Rahmen und Überlagerungen nach Möglichkeit vermeiden</a:t>
-            </a:r>
-          </a:p>
-          <a:p>
-            <a:endParaRPr lang="de-DE" dirty="0"/>
-          </a:p>
-        </p:txBody>
-      </p:sp>
-      <p:sp>
-        <p:nvSpPr>
-          <p:cNvPr id="3" name="Titel 2"/>
+              <a:rPr lang="en-US" dirty="0"/>
+              <a:t>Some videos of </a:t>
+            </a:r>
+            <a:r>
+              <a:rPr lang="en-US" dirty="0" err="1"/>
+              <a:t>nvidia</a:t>
+            </a:r>
+            <a:r>
+              <a:rPr lang="en-US" dirty="0"/>
+              <a:t> visualization how it could </a:t>
+            </a:r>
+            <a:r>
+              <a:rPr lang="en-US"/>
+              <a:t>look like</a:t>
+            </a:r>
+            <a:endParaRPr lang="en-US" dirty="0"/>
+          </a:p>
+        </p:txBody>
+      </p:sp>
+      <p:sp>
+        <p:nvSpPr>
+          <p:cNvPr id="3" name="Titel 2">
+            <a:extLst>
+              <a:ext uri="{FF2B5EF4-FFF2-40B4-BE49-F238E27FC236}">
+                <a16:creationId xmlns:a16="http://schemas.microsoft.com/office/drawing/2014/main" id="{72898025-B16E-D629-B1F7-206598C4315A}"/>
+              </a:ext>
+            </a:extLst>
+          </p:cNvPr>
           <p:cNvSpPr>
             <a:spLocks noGrp="1"/>
           </p:cNvSpPr>
@@ -8595,22 +7713,32 @@
             <p:ph type="title"/>
           </p:nvPr>
         </p:nvSpPr>
-        <p:spPr/>
+        <p:spPr>
+          <a:xfrm>
+            <a:off x="319090" y="611537"/>
+            <a:ext cx="8508999" cy="380810"/>
+          </a:xfrm>
+        </p:spPr>
         <p:txBody>
           <a:bodyPr/>
           <a:lstStyle/>
           <a:p>
             <a:r>
-              <a:rPr lang="de-DE"/>
-              <a:t>Bilder - Allgemein</a:t>
-            </a:r>
-            <a:endParaRPr lang="de-DE" dirty="0"/>
-          </a:p>
-        </p:txBody>
-      </p:sp>
-      <p:sp>
-        <p:nvSpPr>
-          <p:cNvPr id="4" name="Foliennummernplatzhalter 3"/>
+              <a:rPr lang="en-US" dirty="0"/>
+              <a:t>Visual Examples</a:t>
+            </a:r>
+          </a:p>
+        </p:txBody>
+      </p:sp>
+      <p:sp>
+        <p:nvSpPr>
+          <p:cNvPr id="4" name="Foliennummernplatzhalter 3">
+            <a:extLst>
+              <a:ext uri="{FF2B5EF4-FFF2-40B4-BE49-F238E27FC236}">
+                <a16:creationId xmlns:a16="http://schemas.microsoft.com/office/drawing/2014/main" id="{BA6642E1-B495-6706-4D40-2F244D4B86B6}"/>
+              </a:ext>
+            </a:extLst>
+          </p:cNvPr>
           <p:cNvSpPr>
             <a:spLocks noGrp="1"/>
           </p:cNvSpPr>
@@ -8624,38 +7752,20 @@
           <a:lstStyle/>
           <a:p>
             <a:fld id="{CE58CB1E-F828-4F11-99E0-327109AF9DA4}" type="slidenum">
-              <a:rPr lang="de-DE" smtClean="0"/>
+              <a:rPr lang="en-US" noProof="0" smtClean="0"/>
               <a:pPr/>
               <a:t>10</a:t>
             </a:fld>
-            <a:endParaRPr lang="de-DE" dirty="0"/>
-          </a:p>
-        </p:txBody>
-      </p:sp>
-      <p:sp>
-        <p:nvSpPr>
-          <p:cNvPr id="6" name="Fußzeilenplatzhalter 4"/>
-          <p:cNvSpPr>
-            <a:spLocks noGrp="1"/>
-          </p:cNvSpPr>
-          <p:nvPr>
-            <p:ph type="ftr" sz="quarter" idx="12"/>
-          </p:nvPr>
-        </p:nvSpPr>
-        <p:spPr/>
-        <p:txBody>
-          <a:bodyPr/>
-          <a:lstStyle/>
-          <a:p>
-            <a:r>
-              <a:rPr lang="de-DE"/>
-              <a:t>Dr. rer. nat. Erika Mustermann (TUM) | kann beliebig erweitert werden | Infos mit Strich trennen</a:t>
-            </a:r>
-            <a:endParaRPr lang="en-US" dirty="0"/>
+            <a:endParaRPr lang="en-US" noProof="0" dirty="0"/>
           </a:p>
         </p:txBody>
       </p:sp>
     </p:spTree>
+    <p:extLst>
+      <p:ext uri="{BB962C8B-B14F-4D97-AF65-F5344CB8AC3E}">
+        <p14:creationId xmlns:p14="http://schemas.microsoft.com/office/powerpoint/2010/main" val="3388287925"/>
+      </p:ext>
+    </p:extLst>
   </p:cSld>
   <p:clrMapOvr>
     <a:masterClrMapping/>
@@ -8696,86 +7806,343 @@
           <a:lstStyle/>
           <a:p>
             <a:r>
-              <a:rPr lang="de-DE" dirty="0"/>
-              <a:t>Bei kleinen Aufzählungen auf Aufzählungszeichen verzichten und ggf. zusätzliche Leerzeile</a:t>
-            </a:r>
-          </a:p>
-          <a:p>
-            <a:r>
-              <a:rPr lang="de-DE" dirty="0"/>
-              <a:t>Nur die wesentlichen Punkte nennen und Themen auf verschiedene Seiten splitten.</a:t>
-            </a:r>
-          </a:p>
-          <a:p>
-            <a:r>
-              <a:rPr lang="de-DE" dirty="0"/>
-              <a:t>Punkt 1</a:t>
-            </a:r>
-          </a:p>
-          <a:p>
-            <a:r>
-              <a:rPr lang="de-DE" dirty="0"/>
-              <a:t>Punkt 2</a:t>
-            </a:r>
-          </a:p>
-          <a:p>
-            <a:endParaRPr lang="de-DE" dirty="0"/>
-          </a:p>
-          <a:p>
-            <a:r>
-              <a:rPr lang="de-DE" dirty="0"/>
-              <a:t>Wenn Unterpunkte in einer Aufzählung nötig sind ist ein Einrücken mit – möglich</a:t>
-            </a:r>
-          </a:p>
-          <a:p>
-            <a:pPr lvl="1"/>
-            <a:r>
-              <a:rPr lang="de-DE" dirty="0"/>
-              <a:t>Unterpunkt 1</a:t>
-            </a:r>
-          </a:p>
-          <a:p>
-            <a:pPr lvl="2"/>
-            <a:r>
-              <a:rPr lang="de-DE" dirty="0"/>
-              <a:t>Unterpunkt 1</a:t>
-            </a:r>
-          </a:p>
-          <a:p>
-            <a:pPr lvl="2"/>
-            <a:r>
-              <a:rPr lang="de-DE" dirty="0"/>
-              <a:t>Unterpunkt 2</a:t>
-            </a:r>
-          </a:p>
-          <a:p>
-            <a:endParaRPr lang="de-DE" dirty="0"/>
-          </a:p>
-          <a:p>
-            <a:r>
-              <a:rPr lang="de-DE" dirty="0"/>
-              <a:t>Bei größeren Listen die Standardeinstellung • verwenden</a:t>
-            </a:r>
-          </a:p>
-          <a:p>
-            <a:pPr lvl="1"/>
-            <a:r>
-              <a:rPr lang="de-DE" dirty="0"/>
-              <a:t>Unterpunkt 1</a:t>
-            </a:r>
-          </a:p>
-          <a:p>
-            <a:pPr lvl="1"/>
-            <a:r>
-              <a:rPr lang="de-DE" dirty="0"/>
-              <a:t>Unterpunkt 2</a:t>
-            </a:r>
-          </a:p>
-          <a:p>
-            <a:pPr lvl="1">
-              <a:buNone/>
-            </a:pPr>
-            <a:endParaRPr lang="de-DE" dirty="0"/>
+              <a:rPr lang="en-US" noProof="0" dirty="0"/>
+              <a:t>Als </a:t>
+            </a:r>
+            <a:r>
+              <a:rPr lang="en-US" noProof="0" dirty="0" err="1"/>
+              <a:t>erstes</a:t>
+            </a:r>
+            <a:r>
+              <a:rPr lang="en-US" noProof="0" dirty="0"/>
+              <a:t> </a:t>
+            </a:r>
+            <a:r>
+              <a:rPr lang="en-US" noProof="0" dirty="0" err="1"/>
+              <a:t>soll</a:t>
+            </a:r>
+            <a:r>
+              <a:rPr lang="en-US" noProof="0" dirty="0"/>
+              <a:t> </a:t>
+            </a:r>
+            <a:r>
+              <a:rPr lang="en-US" noProof="0" dirty="0" err="1"/>
+              <a:t>mit</a:t>
+            </a:r>
+            <a:r>
+              <a:rPr lang="en-US" noProof="0" dirty="0"/>
+              <a:t> schwarz und </a:t>
+            </a:r>
+            <a:r>
+              <a:rPr lang="en-US" noProof="0" dirty="0" err="1"/>
+              <a:t>weiß</a:t>
+            </a:r>
+            <a:r>
+              <a:rPr lang="en-US" noProof="0" dirty="0"/>
+              <a:t> </a:t>
+            </a:r>
+            <a:r>
+              <a:rPr lang="en-US" noProof="0" dirty="0" err="1"/>
+              <a:t>gearbeitet</a:t>
+            </a:r>
+            <a:r>
+              <a:rPr lang="en-US" noProof="0" dirty="0"/>
+              <a:t> </a:t>
+            </a:r>
+            <a:r>
+              <a:rPr lang="en-US" noProof="0" dirty="0" err="1"/>
+              <a:t>werden</a:t>
+            </a:r>
+            <a:r>
+              <a:rPr lang="en-US" noProof="0" dirty="0"/>
+              <a:t>.</a:t>
+            </a:r>
+            <a:br>
+              <a:rPr lang="en-US" noProof="0" dirty="0"/>
+            </a:br>
+            <a:r>
+              <a:rPr lang="en-US" noProof="0" dirty="0"/>
+              <a:t>Für </a:t>
+            </a:r>
+            <a:r>
+              <a:rPr lang="en-US" noProof="0" dirty="0" err="1"/>
+              <a:t>Aufwändigere</a:t>
+            </a:r>
+            <a:r>
+              <a:rPr lang="en-US" noProof="0" dirty="0"/>
+              <a:t> </a:t>
+            </a:r>
+            <a:r>
+              <a:rPr lang="en-US" noProof="0" dirty="0" err="1"/>
+              <a:t>Darstellungen</a:t>
+            </a:r>
+            <a:r>
+              <a:rPr lang="en-US" noProof="0" dirty="0"/>
+              <a:t> </a:t>
+            </a:r>
+            <a:r>
+              <a:rPr lang="en-US" noProof="0" dirty="0" err="1"/>
+              <a:t>sind</a:t>
+            </a:r>
+            <a:r>
+              <a:rPr lang="en-US" noProof="0" dirty="0"/>
+              <a:t> Farben </a:t>
+            </a:r>
+            <a:r>
+              <a:rPr lang="en-US" noProof="0" dirty="0" err="1"/>
+              <a:t>mit</a:t>
+            </a:r>
+            <a:r>
+              <a:rPr lang="en-US" noProof="0" dirty="0"/>
+              <a:t> </a:t>
+            </a:r>
+            <a:r>
+              <a:rPr lang="en-US" noProof="0" dirty="0" err="1"/>
+              <a:t>Bedacht</a:t>
+            </a:r>
+            <a:r>
+              <a:rPr lang="en-US" noProof="0" dirty="0"/>
+              <a:t> und in </a:t>
+            </a:r>
+            <a:r>
+              <a:rPr lang="en-US" noProof="0" dirty="0" err="1"/>
+              <a:t>möglichst</a:t>
+            </a:r>
+            <a:r>
+              <a:rPr lang="en-US" noProof="0" dirty="0"/>
+              <a:t> </a:t>
+            </a:r>
+            <a:r>
+              <a:rPr lang="en-US" noProof="0" dirty="0" err="1"/>
+              <a:t>geringem</a:t>
+            </a:r>
+            <a:r>
+              <a:rPr lang="en-US" noProof="0" dirty="0"/>
+              <a:t> </a:t>
+            </a:r>
+            <a:r>
+              <a:rPr lang="en-US" noProof="0" dirty="0" err="1"/>
+              <a:t>Umfang</a:t>
+            </a:r>
+            <a:r>
+              <a:rPr lang="en-US" noProof="0" dirty="0"/>
+              <a:t> </a:t>
+            </a:r>
+            <a:r>
+              <a:rPr lang="en-US" noProof="0" dirty="0" err="1"/>
+              <a:t>einzusetzen</a:t>
+            </a:r>
+            <a:r>
+              <a:rPr lang="en-US" noProof="0" dirty="0"/>
+              <a:t>.</a:t>
+            </a:r>
+            <a:br>
+              <a:rPr lang="en-US" noProof="0" dirty="0"/>
+            </a:br>
+            <a:r>
+              <a:rPr lang="en-US" noProof="0" dirty="0"/>
+              <a:t>In </a:t>
+            </a:r>
+            <a:r>
+              <a:rPr lang="en-US" noProof="0" dirty="0" err="1"/>
+              <a:t>diesem</a:t>
+            </a:r>
+            <a:r>
+              <a:rPr lang="en-US" noProof="0" dirty="0"/>
+              <a:t> </a:t>
+            </a:r>
+            <a:r>
+              <a:rPr lang="en-US" noProof="0" dirty="0" err="1"/>
+              <a:t>Folienmaster</a:t>
+            </a:r>
+            <a:r>
+              <a:rPr lang="en-US" noProof="0" dirty="0"/>
+              <a:t> </a:t>
+            </a:r>
+            <a:r>
+              <a:rPr lang="en-US" noProof="0" dirty="0" err="1"/>
+              <a:t>ist</a:t>
+            </a:r>
+            <a:r>
+              <a:rPr lang="en-US" noProof="0" dirty="0"/>
+              <a:t> die </a:t>
+            </a:r>
+            <a:r>
+              <a:rPr lang="en-US" noProof="0" dirty="0" err="1"/>
+              <a:t>Farbpalette</a:t>
+            </a:r>
+            <a:r>
+              <a:rPr lang="en-US" noProof="0" dirty="0"/>
+              <a:t> </a:t>
+            </a:r>
+            <a:r>
+              <a:rPr lang="en-US" noProof="0" dirty="0" err="1"/>
+              <a:t>festgelegt</a:t>
+            </a:r>
+            <a:r>
+              <a:rPr lang="en-US" noProof="0" dirty="0"/>
+              <a:t>.</a:t>
+            </a:r>
+          </a:p>
+          <a:p>
+            <a:endParaRPr lang="en-US" noProof="0" dirty="0"/>
+          </a:p>
+          <a:p>
+            <a:r>
+              <a:rPr lang="en-US" noProof="0" dirty="0" err="1"/>
+              <a:t>Zuerst</a:t>
+            </a:r>
+            <a:r>
+              <a:rPr lang="en-US" noProof="0" dirty="0"/>
+              <a:t> </a:t>
+            </a:r>
+            <a:r>
+              <a:rPr lang="en-US" noProof="0" dirty="0" err="1"/>
+              <a:t>mit</a:t>
+            </a:r>
+            <a:r>
+              <a:rPr lang="en-US" noProof="0" dirty="0"/>
+              <a:t> den </a:t>
+            </a:r>
+            <a:r>
+              <a:rPr lang="en-US" noProof="0" dirty="0" err="1"/>
+              <a:t>Primärfarben</a:t>
+            </a:r>
+            <a:r>
+              <a:rPr lang="en-US" noProof="0" dirty="0"/>
+              <a:t> </a:t>
+            </a:r>
+            <a:r>
+              <a:rPr lang="en-US" noProof="0" dirty="0" err="1"/>
+              <a:t>arbeiten</a:t>
+            </a:r>
+            <a:r>
+              <a:rPr lang="en-US" noProof="0" dirty="0"/>
+              <a:t>.</a:t>
+            </a:r>
+          </a:p>
+          <a:p>
+            <a:endParaRPr lang="en-US" noProof="0" dirty="0"/>
+          </a:p>
+          <a:p>
+            <a:endParaRPr lang="en-US" noProof="0" dirty="0"/>
+          </a:p>
+          <a:p>
+            <a:r>
+              <a:rPr lang="en-US" noProof="0" dirty="0"/>
+              <a:t>Für </a:t>
+            </a:r>
+            <a:r>
+              <a:rPr lang="en-US" noProof="0" dirty="0" err="1"/>
+              <a:t>z.B.</a:t>
+            </a:r>
+            <a:r>
+              <a:rPr lang="en-US" noProof="0" dirty="0"/>
+              <a:t> </a:t>
+            </a:r>
+            <a:r>
+              <a:rPr lang="en-US" noProof="0" dirty="0" err="1"/>
+              <a:t>komplexe</a:t>
+            </a:r>
+            <a:r>
+              <a:rPr lang="en-US" noProof="0" dirty="0"/>
+              <a:t> </a:t>
+            </a:r>
+            <a:r>
+              <a:rPr lang="en-US" noProof="0" dirty="0" err="1"/>
+              <a:t>Diagramme</a:t>
+            </a:r>
+            <a:r>
+              <a:rPr lang="en-US" noProof="0" dirty="0"/>
+              <a:t> </a:t>
+            </a:r>
+            <a:r>
+              <a:rPr lang="en-US" noProof="0" dirty="0" err="1"/>
+              <a:t>stehen</a:t>
+            </a:r>
+            <a:r>
+              <a:rPr lang="en-US" noProof="0" dirty="0"/>
+              <a:t> </a:t>
+            </a:r>
+            <a:r>
+              <a:rPr lang="en-US" noProof="0" dirty="0" err="1"/>
+              <a:t>noch</a:t>
+            </a:r>
+            <a:r>
+              <a:rPr lang="en-US" noProof="0" dirty="0"/>
+              <a:t> </a:t>
+            </a:r>
+            <a:r>
+              <a:rPr lang="en-US" noProof="0" dirty="0" err="1"/>
+              <a:t>Sekundärfarben</a:t>
+            </a:r>
+            <a:r>
+              <a:rPr lang="en-US" noProof="0" dirty="0"/>
+              <a:t> </a:t>
+            </a:r>
+            <a:r>
+              <a:rPr lang="en-US" noProof="0" dirty="0" err="1"/>
+              <a:t>zur</a:t>
+            </a:r>
+            <a:r>
+              <a:rPr lang="en-US" noProof="0" dirty="0"/>
+              <a:t> </a:t>
+            </a:r>
+            <a:r>
+              <a:rPr lang="en-US" noProof="0" dirty="0" err="1"/>
+              <a:t>Verfügung</a:t>
+            </a:r>
+            <a:r>
+              <a:rPr lang="en-US" noProof="0" dirty="0"/>
+              <a:t>.</a:t>
+            </a:r>
+          </a:p>
+          <a:p>
+            <a:endParaRPr lang="en-US" noProof="0" dirty="0"/>
+          </a:p>
+          <a:p>
+            <a:endParaRPr lang="en-US" noProof="0" dirty="0"/>
+          </a:p>
+          <a:p>
+            <a:r>
+              <a:rPr lang="en-US" noProof="0" dirty="0"/>
+              <a:t>Gering </a:t>
+            </a:r>
+            <a:r>
+              <a:rPr lang="en-US" noProof="0" dirty="0" err="1"/>
+              <a:t>im</a:t>
+            </a:r>
+            <a:r>
+              <a:rPr lang="en-US" noProof="0" dirty="0"/>
+              <a:t> </a:t>
+            </a:r>
+            <a:r>
+              <a:rPr lang="en-US" noProof="0" dirty="0" err="1"/>
+              <a:t>Einsatz</a:t>
+            </a:r>
+            <a:r>
+              <a:rPr lang="en-US" noProof="0" dirty="0"/>
+              <a:t> </a:t>
+            </a:r>
+            <a:r>
+              <a:rPr lang="en-US" noProof="0" dirty="0" err="1"/>
+              <a:t>sind</a:t>
+            </a:r>
+            <a:r>
+              <a:rPr lang="en-US" noProof="0" dirty="0"/>
+              <a:t> die </a:t>
+            </a:r>
+            <a:r>
+              <a:rPr lang="en-US" noProof="0" dirty="0" err="1"/>
+              <a:t>Akzentfarben</a:t>
+            </a:r>
+            <a:r>
+              <a:rPr lang="en-US" noProof="0" dirty="0"/>
+              <a:t>.</a:t>
+            </a:r>
+          </a:p>
+          <a:p>
+            <a:endParaRPr lang="en-US" noProof="0" dirty="0"/>
           </a:p>
         </p:txBody>
       </p:sp>
@@ -8795,10 +8162,9 @@
           <a:lstStyle/>
           <a:p>
             <a:r>
-              <a:rPr lang="de-DE"/>
-              <a:t>Aufzählung</a:t>
-            </a:r>
-            <a:endParaRPr lang="de-DE" dirty="0"/>
+              <a:rPr lang="en-US" noProof="0" dirty="0"/>
+              <a:t>Farben</a:t>
+            </a:r>
           </a:p>
         </p:txBody>
       </p:sp>
@@ -8818,3483 +8184,11 @@
           <a:lstStyle/>
           <a:p>
             <a:fld id="{CE58CB1E-F828-4F11-99E0-327109AF9DA4}" type="slidenum">
-              <a:rPr lang="de-DE" smtClean="0"/>
+              <a:rPr lang="en-US" noProof="0" smtClean="0"/>
               <a:pPr/>
               <a:t>11</a:t>
             </a:fld>
-            <a:endParaRPr lang="de-DE" dirty="0"/>
-          </a:p>
-        </p:txBody>
-      </p:sp>
-      <p:sp>
-        <p:nvSpPr>
-          <p:cNvPr id="5" name="Fußzeilenplatzhalter 4"/>
-          <p:cNvSpPr>
-            <a:spLocks noGrp="1"/>
-          </p:cNvSpPr>
-          <p:nvPr>
-            <p:ph type="ftr" sz="quarter" idx="12"/>
-          </p:nvPr>
-        </p:nvSpPr>
-        <p:spPr/>
-        <p:txBody>
-          <a:bodyPr/>
-          <a:lstStyle/>
-          <a:p>
-            <a:r>
-              <a:rPr lang="de-DE"/>
-              <a:t>Dr. rer. nat. Erika Mustermann (TUM) | kann beliebig erweitert werden | Infos mit Strich trennen</a:t>
-            </a:r>
-            <a:endParaRPr lang="en-US" dirty="0"/>
-          </a:p>
-        </p:txBody>
-      </p:sp>
-    </p:spTree>
-  </p:cSld>
-  <p:clrMapOvr>
-    <a:masterClrMapping/>
-  </p:clrMapOvr>
-</p:sld>
-</file>
-
-<file path=ppt/slides/slide12.xml><?xml version="1.0" encoding="utf-8"?>
-<p:sld xmlns:a="http://schemas.openxmlformats.org/drawingml/2006/main" xmlns:r="http://schemas.openxmlformats.org/officeDocument/2006/relationships" xmlns:p="http://schemas.openxmlformats.org/presentationml/2006/main">
-  <p:cSld>
-    <p:spTree>
-      <p:nvGrpSpPr>
-        <p:cNvPr id="1" name=""/>
-        <p:cNvGrpSpPr/>
-        <p:nvPr/>
-      </p:nvGrpSpPr>
-      <p:grpSpPr>
-        <a:xfrm>
-          <a:off x="0" y="0"/>
-          <a:ext cx="0" cy="0"/>
-          <a:chOff x="0" y="0"/>
-          <a:chExt cx="0" cy="0"/>
-        </a:xfrm>
-      </p:grpSpPr>
-      <p:sp>
-        <p:nvSpPr>
-          <p:cNvPr id="3" name="Textplatzhalter 2"/>
-          <p:cNvSpPr>
-            <a:spLocks noGrp="1"/>
-          </p:cNvSpPr>
-          <p:nvPr>
-            <p:ph type="body" sz="quarter" idx="13"/>
-          </p:nvPr>
-        </p:nvSpPr>
-        <p:spPr/>
-        <p:txBody>
-          <a:bodyPr/>
-          <a:lstStyle/>
-          <a:p>
-            <a:r>
-              <a:rPr lang="de-DE"/>
-              <a:t>Bildbeschreibung</a:t>
-            </a:r>
-            <a:br>
-              <a:rPr lang="de-DE"/>
-            </a:br>
-            <a:r>
-              <a:rPr lang="de-DE"/>
-              <a:t>oberer Bildrand: Begrenzung durch Text</a:t>
-            </a:r>
-          </a:p>
-        </p:txBody>
-      </p:sp>
-      <p:sp>
-        <p:nvSpPr>
-          <p:cNvPr id="4" name="Titel 3"/>
-          <p:cNvSpPr>
-            <a:spLocks noGrp="1"/>
-          </p:cNvSpPr>
-          <p:nvPr>
-            <p:ph type="title"/>
-          </p:nvPr>
-        </p:nvSpPr>
-        <p:spPr/>
-        <p:txBody>
-          <a:bodyPr/>
-          <a:lstStyle/>
-          <a:p>
-            <a:r>
-              <a:rPr lang="de-DE"/>
-              <a:t>Bilder</a:t>
-            </a:r>
-            <a:endParaRPr lang="de-DE" dirty="0"/>
-          </a:p>
-        </p:txBody>
-      </p:sp>
-      <p:sp>
-        <p:nvSpPr>
-          <p:cNvPr id="5" name="Foliennummernplatzhalter 4"/>
-          <p:cNvSpPr>
-            <a:spLocks noGrp="1"/>
-          </p:cNvSpPr>
-          <p:nvPr>
-            <p:ph type="sldNum" sz="quarter" idx="15"/>
-          </p:nvPr>
-        </p:nvSpPr>
-        <p:spPr/>
-        <p:txBody>
-          <a:bodyPr/>
-          <a:lstStyle/>
-          <a:p>
-            <a:fld id="{CE58CB1E-F828-4F11-99E0-327109AF9DA4}" type="slidenum">
-              <a:rPr lang="de-DE" smtClean="0"/>
-              <a:pPr/>
-              <a:t>12</a:t>
-            </a:fld>
-            <a:endParaRPr lang="de-DE" dirty="0"/>
-          </a:p>
-        </p:txBody>
-      </p:sp>
-      <p:sp>
-        <p:nvSpPr>
-          <p:cNvPr id="10" name="Fußzeilenplatzhalter 4"/>
-          <p:cNvSpPr>
-            <a:spLocks noGrp="1"/>
-          </p:cNvSpPr>
-          <p:nvPr>
-            <p:ph type="ftr" sz="quarter" idx="16"/>
-          </p:nvPr>
-        </p:nvSpPr>
-        <p:spPr/>
-        <p:txBody>
-          <a:bodyPr/>
-          <a:lstStyle/>
-          <a:p>
-            <a:r>
-              <a:rPr lang="de-DE"/>
-              <a:t>Dr. rer. nat. Erika Mustermann (TUM) | kann beliebig erweitert werden | Infos mit Strich trennen</a:t>
-            </a:r>
-            <a:endParaRPr lang="en-US" dirty="0"/>
-          </a:p>
-        </p:txBody>
-      </p:sp>
-      <p:sp>
-        <p:nvSpPr>
-          <p:cNvPr id="14" name="Inhaltsplatzhalter 13"/>
-          <p:cNvSpPr>
-            <a:spLocks noGrp="1"/>
-          </p:cNvSpPr>
-          <p:nvPr>
-            <p:ph sz="quarter" idx="18"/>
-          </p:nvPr>
-        </p:nvSpPr>
-        <p:spPr/>
-        <p:txBody>
-          <a:bodyPr/>
-          <a:lstStyle/>
-          <a:p>
-            <a:endParaRPr lang="de-DE"/>
-          </a:p>
-        </p:txBody>
-      </p:sp>
-      <p:sp>
-        <p:nvSpPr>
-          <p:cNvPr id="13" name="Bildplatzhalter 12"/>
-          <p:cNvSpPr>
-            <a:spLocks noGrp="1"/>
-          </p:cNvSpPr>
-          <p:nvPr>
-            <p:ph type="pic" sz="quarter" idx="14"/>
-          </p:nvPr>
-        </p:nvSpPr>
-        <p:spPr/>
-        <p:txBody>
-          <a:bodyPr/>
-          <a:lstStyle/>
-          <a:p>
-            <a:endParaRPr lang="de-DE"/>
-          </a:p>
-        </p:txBody>
-      </p:sp>
-    </p:spTree>
-  </p:cSld>
-  <p:clrMapOvr>
-    <a:masterClrMapping/>
-  </p:clrMapOvr>
-</p:sld>
-</file>
-
-<file path=ppt/slides/slide13.xml><?xml version="1.0" encoding="utf-8"?>
-<p:sld xmlns:a="http://schemas.openxmlformats.org/drawingml/2006/main" xmlns:r="http://schemas.openxmlformats.org/officeDocument/2006/relationships" xmlns:p="http://schemas.openxmlformats.org/presentationml/2006/main">
-  <p:cSld>
-    <p:spTree>
-      <p:nvGrpSpPr>
-        <p:cNvPr id="1" name=""/>
-        <p:cNvGrpSpPr/>
-        <p:nvPr/>
-      </p:nvGrpSpPr>
-      <p:grpSpPr>
-        <a:xfrm>
-          <a:off x="0" y="0"/>
-          <a:ext cx="0" cy="0"/>
-          <a:chOff x="0" y="0"/>
-          <a:chExt cx="0" cy="0"/>
-        </a:xfrm>
-      </p:grpSpPr>
-      <p:sp>
-        <p:nvSpPr>
-          <p:cNvPr id="3" name="Textplatzhalter 2"/>
-          <p:cNvSpPr>
-            <a:spLocks noGrp="1"/>
-          </p:cNvSpPr>
-          <p:nvPr>
-            <p:ph idx="14"/>
-          </p:nvPr>
-        </p:nvSpPr>
-        <p:spPr/>
-        <p:txBody>
-          <a:bodyPr/>
-          <a:lstStyle/>
-          <a:p>
-            <a:r>
-              <a:rPr lang="de-DE"/>
-              <a:t>Überschrift 2</a:t>
-            </a:r>
-          </a:p>
-          <a:p>
-            <a:r>
-              <a:rPr lang="de-DE"/>
-              <a:t>Hier steht ein einleitender oder beschreibender Fließtext und nach Wunsch eine Aufzählung</a:t>
-            </a:r>
-          </a:p>
-          <a:p>
-            <a:r>
-              <a:rPr lang="de-DE"/>
-              <a:t>Punkt 1</a:t>
-            </a:r>
-          </a:p>
-          <a:p>
-            <a:endParaRPr lang="de-DE"/>
-          </a:p>
-          <a:p>
-            <a:r>
-              <a:rPr lang="de-DE"/>
-              <a:t>Punkt 2</a:t>
-            </a:r>
-          </a:p>
-          <a:p>
-            <a:endParaRPr lang="de-DE"/>
-          </a:p>
-          <a:p>
-            <a:r>
-              <a:rPr lang="de-DE"/>
-              <a:t>Punkt 3</a:t>
-            </a:r>
-          </a:p>
-          <a:p>
-            <a:endParaRPr lang="de-DE"/>
-          </a:p>
-          <a:p>
-            <a:r>
-              <a:rPr lang="de-DE"/>
-              <a:t>Punkt 4</a:t>
-            </a:r>
-          </a:p>
-          <a:p>
-            <a:endParaRPr lang="de-DE"/>
-          </a:p>
-          <a:p>
-            <a:endParaRPr lang="de-DE" dirty="0"/>
-          </a:p>
-        </p:txBody>
-      </p:sp>
-      <p:sp>
-        <p:nvSpPr>
-          <p:cNvPr id="13" name="Inhaltsplatzhalter 12"/>
-          <p:cNvSpPr>
-            <a:spLocks noGrp="1"/>
-          </p:cNvSpPr>
-          <p:nvPr>
-            <p:ph idx="15"/>
-          </p:nvPr>
-        </p:nvSpPr>
-        <p:spPr/>
-        <p:txBody>
-          <a:bodyPr/>
-          <a:lstStyle/>
-          <a:p>
-            <a:endParaRPr lang="de-DE"/>
-          </a:p>
-        </p:txBody>
-      </p:sp>
-      <p:sp>
-        <p:nvSpPr>
-          <p:cNvPr id="4" name="Titel 3"/>
-          <p:cNvSpPr>
-            <a:spLocks noGrp="1"/>
-          </p:cNvSpPr>
-          <p:nvPr>
-            <p:ph type="title"/>
-          </p:nvPr>
-        </p:nvSpPr>
-        <p:spPr/>
-        <p:txBody>
-          <a:bodyPr/>
-          <a:lstStyle/>
-          <a:p>
-            <a:r>
-              <a:rPr lang="de-DE"/>
-              <a:t>Bilder</a:t>
-            </a:r>
-            <a:endParaRPr lang="de-DE" dirty="0"/>
-          </a:p>
-        </p:txBody>
-      </p:sp>
-      <p:sp>
-        <p:nvSpPr>
-          <p:cNvPr id="5" name="Foliennummernplatzhalter 4"/>
-          <p:cNvSpPr>
-            <a:spLocks noGrp="1"/>
-          </p:cNvSpPr>
-          <p:nvPr>
-            <p:ph type="sldNum" sz="quarter" idx="16"/>
-          </p:nvPr>
-        </p:nvSpPr>
-        <p:spPr/>
-        <p:txBody>
-          <a:bodyPr/>
-          <a:lstStyle/>
-          <a:p>
-            <a:fld id="{CE58CB1E-F828-4F11-99E0-327109AF9DA4}" type="slidenum">
-              <a:rPr lang="de-DE" smtClean="0"/>
-              <a:pPr/>
-              <a:t>13</a:t>
-            </a:fld>
-            <a:endParaRPr lang="de-DE" dirty="0"/>
-          </a:p>
-        </p:txBody>
-      </p:sp>
-      <p:sp>
-        <p:nvSpPr>
-          <p:cNvPr id="7" name="Fußzeilenplatzhalter 4"/>
-          <p:cNvSpPr>
-            <a:spLocks noGrp="1"/>
-          </p:cNvSpPr>
-          <p:nvPr>
-            <p:ph type="ftr" sz="quarter" idx="17"/>
-          </p:nvPr>
-        </p:nvSpPr>
-        <p:spPr/>
-        <p:txBody>
-          <a:bodyPr/>
-          <a:lstStyle/>
-          <a:p>
-            <a:r>
-              <a:rPr lang="de-DE"/>
-              <a:t>Dr. rer. nat. Erika Mustermann (TUM) | kann beliebig erweitert werden | Infos mit Strich trennen</a:t>
-            </a:r>
-            <a:endParaRPr lang="en-US" dirty="0"/>
-          </a:p>
-        </p:txBody>
-      </p:sp>
-    </p:spTree>
-  </p:cSld>
-  <p:clrMapOvr>
-    <a:masterClrMapping/>
-  </p:clrMapOvr>
-</p:sld>
-</file>
-
-<file path=ppt/slides/slide14.xml><?xml version="1.0" encoding="utf-8"?>
-<p:sld xmlns:a="http://schemas.openxmlformats.org/drawingml/2006/main" xmlns:r="http://schemas.openxmlformats.org/officeDocument/2006/relationships" xmlns:p="http://schemas.openxmlformats.org/presentationml/2006/main">
-  <p:cSld>
-    <p:spTree>
-      <p:nvGrpSpPr>
-        <p:cNvPr id="1" name=""/>
-        <p:cNvGrpSpPr/>
-        <p:nvPr/>
-      </p:nvGrpSpPr>
-      <p:grpSpPr>
-        <a:xfrm>
-          <a:off x="0" y="0"/>
-          <a:ext cx="0" cy="0"/>
-          <a:chOff x="0" y="0"/>
-          <a:chExt cx="0" cy="0"/>
-        </a:xfrm>
-      </p:grpSpPr>
-      <p:sp>
-        <p:nvSpPr>
-          <p:cNvPr id="13" name="Inhaltsplatzhalter 12"/>
-          <p:cNvSpPr>
-            <a:spLocks noGrp="1"/>
-          </p:cNvSpPr>
-          <p:nvPr>
-            <p:ph idx="1"/>
-          </p:nvPr>
-        </p:nvSpPr>
-        <p:spPr/>
-        <p:txBody>
-          <a:bodyPr/>
-          <a:lstStyle/>
-          <a:p>
-            <a:endParaRPr lang="de-DE"/>
-          </a:p>
-        </p:txBody>
-      </p:sp>
-      <p:sp>
-        <p:nvSpPr>
-          <p:cNvPr id="4" name="Titel 3"/>
-          <p:cNvSpPr>
-            <a:spLocks noGrp="1"/>
-          </p:cNvSpPr>
-          <p:nvPr>
-            <p:ph type="title"/>
-          </p:nvPr>
-        </p:nvSpPr>
-        <p:spPr/>
-        <p:txBody>
-          <a:bodyPr/>
-          <a:lstStyle/>
-          <a:p>
-            <a:r>
-              <a:rPr lang="de-DE"/>
-              <a:t>Bilder</a:t>
-            </a:r>
-            <a:endParaRPr lang="de-DE" dirty="0"/>
-          </a:p>
-        </p:txBody>
-      </p:sp>
-      <p:sp>
-        <p:nvSpPr>
-          <p:cNvPr id="5" name="Foliennummernplatzhalter 4"/>
-          <p:cNvSpPr>
-            <a:spLocks noGrp="1"/>
-          </p:cNvSpPr>
-          <p:nvPr>
-            <p:ph type="sldNum" sz="quarter" idx="11"/>
-          </p:nvPr>
-        </p:nvSpPr>
-        <p:spPr/>
-        <p:txBody>
-          <a:bodyPr/>
-          <a:lstStyle/>
-          <a:p>
-            <a:fld id="{CE58CB1E-F828-4F11-99E0-327109AF9DA4}" type="slidenum">
-              <a:rPr lang="de-DE" smtClean="0"/>
-              <a:pPr/>
-              <a:t>14</a:t>
-            </a:fld>
-            <a:endParaRPr lang="de-DE" dirty="0"/>
-          </a:p>
-        </p:txBody>
-      </p:sp>
-      <p:sp>
-        <p:nvSpPr>
-          <p:cNvPr id="8" name="Fußzeilenplatzhalter 4"/>
-          <p:cNvSpPr>
-            <a:spLocks noGrp="1"/>
-          </p:cNvSpPr>
-          <p:nvPr>
-            <p:ph type="ftr" sz="quarter" idx="12"/>
-          </p:nvPr>
-        </p:nvSpPr>
-        <p:spPr/>
-        <p:txBody>
-          <a:bodyPr/>
-          <a:lstStyle/>
-          <a:p>
-            <a:r>
-              <a:rPr lang="de-DE"/>
-              <a:t>Dr. rer. nat. Erika Mustermann (TUM) | kann beliebig erweitert werden | Infos mit Strich trennen</a:t>
-            </a:r>
-            <a:endParaRPr lang="en-US" dirty="0"/>
-          </a:p>
-        </p:txBody>
-      </p:sp>
-      <p:sp>
-        <p:nvSpPr>
-          <p:cNvPr id="3" name="Textplatzhalter 2"/>
-          <p:cNvSpPr>
-            <a:spLocks noGrp="1"/>
-          </p:cNvSpPr>
-          <p:nvPr>
-            <p:ph type="body" sz="quarter" idx="13"/>
-          </p:nvPr>
-        </p:nvSpPr>
-        <p:spPr/>
-        <p:txBody>
-          <a:bodyPr/>
-          <a:lstStyle/>
-          <a:p>
-            <a:r>
-              <a:rPr lang="de-DE"/>
-              <a:t>Bildbeschreibung</a:t>
-            </a:r>
-            <a:br>
-              <a:rPr lang="de-DE"/>
-            </a:br>
-            <a:r>
-              <a:rPr lang="de-DE"/>
-              <a:t>oberer Bildrand: Begrenzung durch Text</a:t>
-            </a:r>
-          </a:p>
-        </p:txBody>
-      </p:sp>
-    </p:spTree>
-  </p:cSld>
-  <p:clrMapOvr>
-    <a:masterClrMapping/>
-  </p:clrMapOvr>
-</p:sld>
-</file>
-
-<file path=ppt/slides/slide15.xml><?xml version="1.0" encoding="utf-8"?>
-<p:sld xmlns:a="http://schemas.openxmlformats.org/drawingml/2006/main" xmlns:r="http://schemas.openxmlformats.org/officeDocument/2006/relationships" xmlns:p="http://schemas.openxmlformats.org/presentationml/2006/main">
-  <p:cSld>
-    <p:spTree>
-      <p:nvGrpSpPr>
-        <p:cNvPr id="1" name=""/>
-        <p:cNvGrpSpPr/>
-        <p:nvPr/>
-      </p:nvGrpSpPr>
-      <p:grpSpPr>
-        <a:xfrm>
-          <a:off x="0" y="0"/>
-          <a:ext cx="0" cy="0"/>
-          <a:chOff x="0" y="0"/>
-          <a:chExt cx="0" cy="0"/>
-        </a:xfrm>
-      </p:grpSpPr>
-      <p:sp>
-        <p:nvSpPr>
-          <p:cNvPr id="4" name="Titel 3"/>
-          <p:cNvSpPr>
-            <a:spLocks noGrp="1"/>
-          </p:cNvSpPr>
-          <p:nvPr>
-            <p:ph type="title"/>
-          </p:nvPr>
-        </p:nvSpPr>
-        <p:spPr/>
-        <p:txBody>
-          <a:bodyPr/>
-          <a:lstStyle/>
-          <a:p>
-            <a:r>
-              <a:rPr lang="de-DE"/>
-              <a:t>Bilder</a:t>
-            </a:r>
-            <a:endParaRPr lang="de-DE" dirty="0"/>
-          </a:p>
-        </p:txBody>
-      </p:sp>
-      <p:sp>
-        <p:nvSpPr>
-          <p:cNvPr id="5" name="Foliennummernplatzhalter 4"/>
-          <p:cNvSpPr>
-            <a:spLocks noGrp="1"/>
-          </p:cNvSpPr>
-          <p:nvPr>
-            <p:ph type="sldNum" sz="quarter" idx="15"/>
-          </p:nvPr>
-        </p:nvSpPr>
-        <p:spPr/>
-        <p:txBody>
-          <a:bodyPr/>
-          <a:lstStyle/>
-          <a:p>
-            <a:fld id="{CE58CB1E-F828-4F11-99E0-327109AF9DA4}" type="slidenum">
-              <a:rPr lang="de-DE" smtClean="0"/>
-              <a:pPr/>
-              <a:t>15</a:t>
-            </a:fld>
-            <a:endParaRPr lang="de-DE" dirty="0"/>
-          </a:p>
-        </p:txBody>
-      </p:sp>
-      <p:sp>
-        <p:nvSpPr>
-          <p:cNvPr id="6" name="Fußzeilenplatzhalter 5"/>
-          <p:cNvSpPr>
-            <a:spLocks noGrp="1"/>
-          </p:cNvSpPr>
-          <p:nvPr>
-            <p:ph type="ftr" sz="quarter" idx="16"/>
-          </p:nvPr>
-        </p:nvSpPr>
-        <p:spPr/>
-        <p:txBody>
-          <a:bodyPr/>
-          <a:lstStyle/>
-          <a:p>
-            <a:r>
-              <a:rPr lang="de-DE" noProof="0"/>
-              <a:t>Dr. rer. nat. Erika Mustermann (TUM) | kann beliebig erweitert werden | Infos mit Strich trennen</a:t>
-            </a:r>
-          </a:p>
-        </p:txBody>
-      </p:sp>
-      <p:sp>
-        <p:nvSpPr>
-          <p:cNvPr id="7" name="Bildplatzhalter 6"/>
-          <p:cNvSpPr>
-            <a:spLocks noGrp="1"/>
-          </p:cNvSpPr>
-          <p:nvPr>
-            <p:ph type="pic" sz="quarter" idx="17"/>
-          </p:nvPr>
-        </p:nvSpPr>
-        <p:spPr/>
-        <p:txBody>
-          <a:bodyPr/>
-          <a:lstStyle/>
-          <a:p>
-            <a:endParaRPr lang="de-DE"/>
-          </a:p>
-        </p:txBody>
-      </p:sp>
-      <p:sp>
-        <p:nvSpPr>
-          <p:cNvPr id="3" name="Textplatzhalter 2"/>
-          <p:cNvSpPr>
-            <a:spLocks noGrp="1"/>
-          </p:cNvSpPr>
-          <p:nvPr>
-            <p:ph type="body" sz="quarter" idx="18"/>
-          </p:nvPr>
-        </p:nvSpPr>
-        <p:spPr>
-          <a:prstGeom prst="rect">
-            <a:avLst/>
-          </a:prstGeom>
-        </p:spPr>
-        <p:txBody>
-          <a:bodyPr/>
-          <a:lstStyle/>
-          <a:p>
-            <a:r>
-              <a:rPr lang="de-DE" dirty="0"/>
-              <a:t>Bildbeschreibung</a:t>
-            </a:r>
-            <a:br>
-              <a:rPr lang="de-DE" dirty="0"/>
-            </a:br>
-            <a:r>
-              <a:rPr lang="de-DE" dirty="0"/>
-              <a:t>oberer Bildrand: Begrenzung durch Text</a:t>
-            </a:r>
-          </a:p>
-        </p:txBody>
-      </p:sp>
-    </p:spTree>
-  </p:cSld>
-  <p:clrMapOvr>
-    <a:masterClrMapping/>
-  </p:clrMapOvr>
-</p:sld>
-</file>
-
-<file path=ppt/slides/slide16.xml><?xml version="1.0" encoding="utf-8"?>
-<p:sld xmlns:a="http://schemas.openxmlformats.org/drawingml/2006/main" xmlns:r="http://schemas.openxmlformats.org/officeDocument/2006/relationships" xmlns:p="http://schemas.openxmlformats.org/presentationml/2006/main">
-  <p:cSld>
-    <p:spTree>
-      <p:nvGrpSpPr>
-        <p:cNvPr id="1" name=""/>
-        <p:cNvGrpSpPr/>
-        <p:nvPr/>
-      </p:nvGrpSpPr>
-      <p:grpSpPr>
-        <a:xfrm>
-          <a:off x="0" y="0"/>
-          <a:ext cx="0" cy="0"/>
-          <a:chOff x="0" y="0"/>
-          <a:chExt cx="0" cy="0"/>
-        </a:xfrm>
-      </p:grpSpPr>
-      <p:sp>
-        <p:nvSpPr>
-          <p:cNvPr id="4" name="Titel 3"/>
-          <p:cNvSpPr>
-            <a:spLocks noGrp="1"/>
-          </p:cNvSpPr>
-          <p:nvPr>
-            <p:ph type="title"/>
-          </p:nvPr>
-        </p:nvSpPr>
-        <p:spPr/>
-        <p:txBody>
-          <a:bodyPr/>
-          <a:lstStyle/>
-          <a:p>
-            <a:r>
-              <a:rPr lang="de-DE"/>
-              <a:t>Nicht formatfüllende Bilder</a:t>
-            </a:r>
-            <a:endParaRPr lang="de-DE" dirty="0"/>
-          </a:p>
-        </p:txBody>
-      </p:sp>
-      <p:sp>
-        <p:nvSpPr>
-          <p:cNvPr id="5" name="Foliennummernplatzhalter 4"/>
-          <p:cNvSpPr>
-            <a:spLocks noGrp="1"/>
-          </p:cNvSpPr>
-          <p:nvPr>
-            <p:ph type="sldNum" sz="quarter" idx="15"/>
-          </p:nvPr>
-        </p:nvSpPr>
-        <p:spPr/>
-        <p:txBody>
-          <a:bodyPr/>
-          <a:lstStyle/>
-          <a:p>
-            <a:fld id="{CE58CB1E-F828-4F11-99E0-327109AF9DA4}" type="slidenum">
-              <a:rPr lang="de-DE" smtClean="0"/>
-              <a:pPr/>
-              <a:t>16</a:t>
-            </a:fld>
-            <a:endParaRPr lang="de-DE" dirty="0"/>
-          </a:p>
-        </p:txBody>
-      </p:sp>
-      <p:sp>
-        <p:nvSpPr>
-          <p:cNvPr id="10" name="Fußzeilenplatzhalter 4"/>
-          <p:cNvSpPr>
-            <a:spLocks noGrp="1"/>
-          </p:cNvSpPr>
-          <p:nvPr>
-            <p:ph type="ftr" sz="quarter" idx="16"/>
-          </p:nvPr>
-        </p:nvSpPr>
-        <p:spPr/>
-        <p:txBody>
-          <a:bodyPr/>
-          <a:lstStyle/>
-          <a:p>
-            <a:r>
-              <a:rPr lang="de-DE"/>
-              <a:t>Dr. rer. nat. Erika Mustermann (TUM) | kann beliebig erweitert werden | Infos mit Strich trennen</a:t>
-            </a:r>
-            <a:endParaRPr lang="en-US" dirty="0"/>
-          </a:p>
-        </p:txBody>
-      </p:sp>
-      <p:sp>
-        <p:nvSpPr>
-          <p:cNvPr id="7" name="Bildplatzhalter 6"/>
-          <p:cNvSpPr>
-            <a:spLocks noGrp="1"/>
-          </p:cNvSpPr>
-          <p:nvPr>
-            <p:ph type="pic" sz="quarter" idx="17"/>
-          </p:nvPr>
-        </p:nvSpPr>
-        <p:spPr/>
-        <p:txBody>
-          <a:bodyPr/>
-          <a:lstStyle/>
-          <a:p>
-            <a:endParaRPr lang="de-DE"/>
-          </a:p>
-        </p:txBody>
-      </p:sp>
-      <p:sp>
-        <p:nvSpPr>
-          <p:cNvPr id="3" name="Textplatzhalter 2"/>
-          <p:cNvSpPr>
-            <a:spLocks noGrp="1"/>
-          </p:cNvSpPr>
-          <p:nvPr>
-            <p:ph type="body" sz="quarter" idx="18"/>
-          </p:nvPr>
-        </p:nvSpPr>
-        <p:spPr>
-          <a:prstGeom prst="rect">
-            <a:avLst/>
-          </a:prstGeom>
-        </p:spPr>
-        <p:txBody>
-          <a:bodyPr/>
-          <a:lstStyle/>
-          <a:p>
-            <a:r>
-              <a:rPr lang="de-DE"/>
-              <a:t>Weißer bzw. transparenter Hintergrund</a:t>
-            </a:r>
-            <a:br>
-              <a:rPr lang="de-DE"/>
-            </a:br>
-            <a:r>
-              <a:rPr lang="de-DE"/>
-              <a:t>mit genug Freiraum anordnen</a:t>
-            </a:r>
-            <a:endParaRPr lang="de-DE" dirty="0"/>
-          </a:p>
-        </p:txBody>
-      </p:sp>
-    </p:spTree>
-  </p:cSld>
-  <p:clrMapOvr>
-    <a:masterClrMapping/>
-  </p:clrMapOvr>
-</p:sld>
-</file>
-
-<file path=ppt/slides/slide17.xml><?xml version="1.0" encoding="utf-8"?>
-<p:sld xmlns:a="http://schemas.openxmlformats.org/drawingml/2006/main" xmlns:r="http://schemas.openxmlformats.org/officeDocument/2006/relationships" xmlns:p="http://schemas.openxmlformats.org/presentationml/2006/main">
-  <p:cSld>
-    <p:spTree>
-      <p:nvGrpSpPr>
-        <p:cNvPr id="1" name=""/>
-        <p:cNvGrpSpPr/>
-        <p:nvPr/>
-      </p:nvGrpSpPr>
-      <p:grpSpPr>
-        <a:xfrm>
-          <a:off x="0" y="0"/>
-          <a:ext cx="0" cy="0"/>
-          <a:chOff x="0" y="0"/>
-          <a:chExt cx="0" cy="0"/>
-        </a:xfrm>
-      </p:grpSpPr>
-      <p:sp>
-        <p:nvSpPr>
-          <p:cNvPr id="10" name="Bildplatzhalter 9"/>
-          <p:cNvSpPr>
-            <a:spLocks noGrp="1"/>
-          </p:cNvSpPr>
-          <p:nvPr>
-            <p:ph type="pic" sz="quarter" idx="14"/>
-          </p:nvPr>
-        </p:nvSpPr>
-        <p:spPr/>
-        <p:txBody>
-          <a:bodyPr/>
-          <a:lstStyle/>
-          <a:p>
-            <a:endParaRPr lang="de-DE"/>
-          </a:p>
-        </p:txBody>
-      </p:sp>
-      <p:sp>
-        <p:nvSpPr>
-          <p:cNvPr id="3" name="Titel 2"/>
-          <p:cNvSpPr>
-            <a:spLocks noGrp="1"/>
-          </p:cNvSpPr>
-          <p:nvPr>
-            <p:ph type="title"/>
-          </p:nvPr>
-        </p:nvSpPr>
-        <p:spPr/>
-        <p:txBody>
-          <a:bodyPr/>
-          <a:lstStyle/>
-          <a:p>
-            <a:r>
-              <a:rPr lang="de-DE"/>
-              <a:t>Bilder Format füllend - maximale Bildgröße</a:t>
-            </a:r>
-            <a:endParaRPr lang="de-DE" dirty="0"/>
-          </a:p>
-        </p:txBody>
-      </p:sp>
-      <p:sp>
-        <p:nvSpPr>
-          <p:cNvPr id="4" name="Foliennummernplatzhalter 3"/>
-          <p:cNvSpPr>
-            <a:spLocks noGrp="1"/>
-          </p:cNvSpPr>
-          <p:nvPr>
-            <p:ph type="sldNum" sz="quarter" idx="15"/>
-          </p:nvPr>
-        </p:nvSpPr>
-        <p:spPr/>
-        <p:txBody>
-          <a:bodyPr/>
-          <a:lstStyle/>
-          <a:p>
-            <a:fld id="{CE58CB1E-F828-4F11-99E0-327109AF9DA4}" type="slidenum">
-              <a:rPr lang="de-DE" smtClean="0"/>
-              <a:pPr/>
-              <a:t>17</a:t>
-            </a:fld>
-            <a:endParaRPr lang="de-DE" dirty="0"/>
-          </a:p>
-        </p:txBody>
-      </p:sp>
-      <p:sp>
-        <p:nvSpPr>
-          <p:cNvPr id="5" name="Fußzeilenplatzhalter 4"/>
-          <p:cNvSpPr>
-            <a:spLocks noGrp="1"/>
-          </p:cNvSpPr>
-          <p:nvPr>
-            <p:ph type="ftr" sz="quarter" idx="16"/>
-          </p:nvPr>
-        </p:nvSpPr>
-        <p:spPr/>
-        <p:txBody>
-          <a:bodyPr/>
-          <a:lstStyle/>
-          <a:p>
-            <a:r>
-              <a:rPr lang="de-DE"/>
-              <a:t>Dr. rer. nat. Erika Mustermann (TUM) | kann beliebig erweitert werden | Infos mit Strich trennen</a:t>
-            </a:r>
-            <a:endParaRPr lang="en-US" dirty="0"/>
-          </a:p>
-        </p:txBody>
-      </p:sp>
-    </p:spTree>
-  </p:cSld>
-  <p:clrMapOvr>
-    <a:masterClrMapping/>
-  </p:clrMapOvr>
-</p:sld>
-</file>
-
-<file path=ppt/slides/slide18.xml><?xml version="1.0" encoding="utf-8"?>
-<p:sld xmlns:a="http://schemas.openxmlformats.org/drawingml/2006/main" xmlns:r="http://schemas.openxmlformats.org/officeDocument/2006/relationships" xmlns:p="http://schemas.openxmlformats.org/presentationml/2006/main">
-  <p:cSld>
-    <p:spTree>
-      <p:nvGrpSpPr>
-        <p:cNvPr id="1" name=""/>
-        <p:cNvGrpSpPr/>
-        <p:nvPr/>
-      </p:nvGrpSpPr>
-      <p:grpSpPr>
-        <a:xfrm>
-          <a:off x="0" y="0"/>
-          <a:ext cx="0" cy="0"/>
-          <a:chOff x="0" y="0"/>
-          <a:chExt cx="0" cy="0"/>
-        </a:xfrm>
-      </p:grpSpPr>
-      <p:sp>
-        <p:nvSpPr>
-          <p:cNvPr id="3" name="Titel 2"/>
-          <p:cNvSpPr>
-            <a:spLocks noGrp="1"/>
-          </p:cNvSpPr>
-          <p:nvPr>
-            <p:ph type="title"/>
-          </p:nvPr>
-        </p:nvSpPr>
-        <p:spPr/>
-        <p:txBody>
-          <a:bodyPr/>
-          <a:lstStyle/>
-          <a:p>
-            <a:r>
-              <a:rPr lang="de-DE"/>
-              <a:t>Nicht Format füllende Bilder</a:t>
-            </a:r>
-            <a:endParaRPr lang="de-DE" dirty="0"/>
-          </a:p>
-        </p:txBody>
-      </p:sp>
-      <p:sp>
-        <p:nvSpPr>
-          <p:cNvPr id="4" name="Foliennummernplatzhalter 3"/>
-          <p:cNvSpPr>
-            <a:spLocks noGrp="1"/>
-          </p:cNvSpPr>
-          <p:nvPr>
-            <p:ph type="sldNum" sz="quarter" idx="15"/>
-          </p:nvPr>
-        </p:nvSpPr>
-        <p:spPr/>
-        <p:txBody>
-          <a:bodyPr/>
-          <a:lstStyle/>
-          <a:p>
-            <a:fld id="{CE58CB1E-F828-4F11-99E0-327109AF9DA4}" type="slidenum">
-              <a:rPr lang="de-DE" smtClean="0"/>
-              <a:pPr/>
-              <a:t>18</a:t>
-            </a:fld>
-            <a:endParaRPr lang="de-DE" dirty="0"/>
-          </a:p>
-        </p:txBody>
-      </p:sp>
-      <p:sp>
-        <p:nvSpPr>
-          <p:cNvPr id="11" name="Fußzeilenplatzhalter 4"/>
-          <p:cNvSpPr>
-            <a:spLocks noGrp="1"/>
-          </p:cNvSpPr>
-          <p:nvPr>
-            <p:ph type="ftr" sz="quarter" idx="16"/>
-          </p:nvPr>
-        </p:nvSpPr>
-        <p:spPr/>
-        <p:txBody>
-          <a:bodyPr/>
-          <a:lstStyle/>
-          <a:p>
-            <a:r>
-              <a:rPr lang="de-DE"/>
-              <a:t>Dr. rer. nat. Erika Mustermann (TUM) | kann beliebig erweitert werden | Infos mit Strich trennen</a:t>
-            </a:r>
-            <a:endParaRPr lang="en-US" dirty="0"/>
-          </a:p>
-        </p:txBody>
-      </p:sp>
-      <p:sp>
-        <p:nvSpPr>
-          <p:cNvPr id="7" name="Inhaltsplatzhalter 6"/>
-          <p:cNvSpPr>
-            <a:spLocks noGrp="1"/>
-          </p:cNvSpPr>
-          <p:nvPr>
-            <p:ph sz="quarter" idx="18"/>
-          </p:nvPr>
-        </p:nvSpPr>
-        <p:spPr/>
-        <p:txBody>
-          <a:bodyPr/>
-          <a:lstStyle/>
-          <a:p>
-            <a:r>
-              <a:rPr lang="de-DE"/>
-              <a:t>Bilderklärung</a:t>
-            </a:r>
-            <a:endParaRPr lang="de-DE" dirty="0"/>
-          </a:p>
-        </p:txBody>
-      </p:sp>
-      <p:sp>
-        <p:nvSpPr>
-          <p:cNvPr id="8" name="Bildplatzhalter 7"/>
-          <p:cNvSpPr>
-            <a:spLocks noGrp="1"/>
-          </p:cNvSpPr>
-          <p:nvPr>
-            <p:ph type="pic" sz="quarter" idx="14"/>
-          </p:nvPr>
-        </p:nvSpPr>
-        <p:spPr/>
-        <p:txBody>
-          <a:bodyPr/>
-          <a:lstStyle/>
-          <a:p>
-            <a:endParaRPr lang="de-DE"/>
-          </a:p>
-        </p:txBody>
-      </p:sp>
-      <p:sp>
-        <p:nvSpPr>
-          <p:cNvPr id="2" name="Textplatzhalter 1"/>
-          <p:cNvSpPr>
-            <a:spLocks noGrp="1"/>
-          </p:cNvSpPr>
-          <p:nvPr>
-            <p:ph type="body" sz="quarter" idx="19"/>
-          </p:nvPr>
-        </p:nvSpPr>
-        <p:spPr>
-          <a:prstGeom prst="rect">
-            <a:avLst/>
-          </a:prstGeom>
-        </p:spPr>
-        <p:txBody>
-          <a:bodyPr/>
-          <a:lstStyle/>
-          <a:p>
-            <a:r>
-              <a:rPr lang="de-DE"/>
-              <a:t>Alternativ mit formatfüllendem Hintergrund: 5 % schwarz</a:t>
-            </a:r>
-          </a:p>
-          <a:p>
-            <a:r>
-              <a:rPr lang="de-DE"/>
-              <a:t>Beschriftungen können zusätzlich neben den Bildern angebracht werden</a:t>
-            </a:r>
-          </a:p>
-        </p:txBody>
-      </p:sp>
-    </p:spTree>
-  </p:cSld>
-  <p:clrMapOvr>
-    <a:masterClrMapping/>
-  </p:clrMapOvr>
-</p:sld>
-</file>
-
-<file path=ppt/slides/slide19.xml><?xml version="1.0" encoding="utf-8"?>
-<p:sld xmlns:a="http://schemas.openxmlformats.org/drawingml/2006/main" xmlns:r="http://schemas.openxmlformats.org/officeDocument/2006/relationships" xmlns:p="http://schemas.openxmlformats.org/presentationml/2006/main">
-  <p:cSld>
-    <p:spTree>
-      <p:nvGrpSpPr>
-        <p:cNvPr id="1" name=""/>
-        <p:cNvGrpSpPr/>
-        <p:nvPr/>
-      </p:nvGrpSpPr>
-      <p:grpSpPr>
-        <a:xfrm>
-          <a:off x="0" y="0"/>
-          <a:ext cx="0" cy="0"/>
-          <a:chOff x="0" y="0"/>
-          <a:chExt cx="0" cy="0"/>
-        </a:xfrm>
-      </p:grpSpPr>
-      <p:graphicFrame>
-        <p:nvGraphicFramePr>
-          <p:cNvPr id="7" name="Inhaltsplatzhalter 6"/>
-          <p:cNvGraphicFramePr>
-            <a:graphicFrameLocks noGrp="1"/>
-          </p:cNvGraphicFramePr>
-          <p:nvPr>
-            <p:ph idx="1"/>
-          </p:nvPr>
-        </p:nvGraphicFramePr>
-        <p:xfrm>
-          <a:off x="319088" y="2143125"/>
-          <a:ext cx="8509507" cy="1589400"/>
-        </p:xfrm>
-        <a:graphic>
-          <a:graphicData uri="http://schemas.openxmlformats.org/drawingml/2006/table">
-            <a:tbl>
-              <a:tblPr bandRow="1">
-                <a:tableStyleId>{5940675A-B579-460E-94D1-54222C63F5DA}</a:tableStyleId>
-              </a:tblPr>
-              <a:tblGrid>
-                <a:gridCol w="3493889">
-                  <a:extLst>
-                    <a:ext uri="{9D8B030D-6E8A-4147-A177-3AD203B41FA5}">
-                      <a16:colId xmlns:a16="http://schemas.microsoft.com/office/drawing/2014/main" val="20000"/>
-                    </a:ext>
-                  </a:extLst>
-                </a:gridCol>
-                <a:gridCol w="5015618">
-                  <a:extLst>
-                    <a:ext uri="{9D8B030D-6E8A-4147-A177-3AD203B41FA5}">
-                      <a16:colId xmlns:a16="http://schemas.microsoft.com/office/drawing/2014/main" val="20001"/>
-                    </a:ext>
-                  </a:extLst>
-                </a:gridCol>
-              </a:tblGrid>
-              <a:tr h="317880">
-                <a:tc>
-                  <a:txBody>
-                    <a:bodyPr/>
-                    <a:lstStyle/>
-                    <a:p>
-                      <a:pPr marL="0" marR="0" indent="0" algn="l" defTabSz="914400" rtl="0" eaLnBrk="1" fontAlgn="auto" latinLnBrk="0" hangingPunct="1">
-                        <a:lnSpc>
-                          <a:spcPct val="100000"/>
-                        </a:lnSpc>
-                        <a:spcBef>
-                          <a:spcPts val="0"/>
-                        </a:spcBef>
-                        <a:spcAft>
-                          <a:spcPts val="0"/>
-                        </a:spcAft>
-                        <a:buClrTx/>
-                        <a:buSzTx/>
-                        <a:buFontTx/>
-                        <a:buNone/>
-                        <a:tabLst/>
-                        <a:defRPr/>
-                      </a:pPr>
-                      <a:r>
-                        <a:rPr lang="de-DE" sz="1200" dirty="0"/>
-                        <a:t>Ø - Strecke</a:t>
-                      </a:r>
-                      <a:endParaRPr lang="de-DE" sz="1200" dirty="0">
-                        <a:latin typeface="+mn-lt"/>
-                      </a:endParaRPr>
-                    </a:p>
-                  </a:txBody>
-                  <a:tcPr marL="0" marR="0" marT="135000" marB="0" anchor="ctr">
-                    <a:lnL w="12700" cmpd="sng">
-                      <a:noFill/>
-                    </a:lnL>
-                    <a:lnR w="12700" cmpd="sng">
-                      <a:noFill/>
-                    </a:lnR>
-                    <a:lnT w="12700" cmpd="sng">
-                      <a:noFill/>
-                    </a:lnT>
-                    <a:lnB w="12700" cmpd="sng">
-                      <a:noFill/>
-                    </a:lnB>
-                    <a:lnTlToBr w="12700" cmpd="sng">
-                      <a:noFill/>
-                      <a:prstDash val="solid"/>
-                    </a:lnTlToBr>
-                    <a:lnBlToTr w="12700" cmpd="sng">
-                      <a:noFill/>
-                      <a:prstDash val="solid"/>
-                    </a:lnBlToTr>
-                  </a:tcPr>
-                </a:tc>
-                <a:tc>
-                  <a:txBody>
-                    <a:bodyPr/>
-                    <a:lstStyle/>
-                    <a:p>
-                      <a:pPr marL="0" marR="0" indent="0" algn="l" defTabSz="914400" rtl="0" eaLnBrk="1" fontAlgn="auto" latinLnBrk="0" hangingPunct="1">
-                        <a:lnSpc>
-                          <a:spcPct val="100000"/>
-                        </a:lnSpc>
-                        <a:spcBef>
-                          <a:spcPts val="0"/>
-                        </a:spcBef>
-                        <a:spcAft>
-                          <a:spcPts val="0"/>
-                        </a:spcAft>
-                        <a:buClrTx/>
-                        <a:buSzTx/>
-                        <a:buFontTx/>
-                        <a:buNone/>
-                        <a:tabLst/>
-                        <a:defRPr/>
-                      </a:pPr>
-                      <a:r>
-                        <a:rPr lang="de-DE" sz="1200" dirty="0"/>
-                        <a:t>39 km/Tag (14.360 km/Jahr)</a:t>
-                      </a:r>
-                      <a:endParaRPr lang="de-DE" sz="1200" dirty="0">
-                        <a:latin typeface="+mn-lt"/>
-                      </a:endParaRPr>
-                    </a:p>
-                  </a:txBody>
-                  <a:tcPr marL="0" marR="0" marT="135000" marB="0" anchor="ctr">
-                    <a:lnL w="12700" cmpd="sng">
-                      <a:noFill/>
-                    </a:lnL>
-                    <a:lnR w="12700" cmpd="sng">
-                      <a:noFill/>
-                    </a:lnR>
-                    <a:lnT w="12700" cmpd="sng">
-                      <a:noFill/>
-                    </a:lnT>
-                    <a:lnB w="12700" cmpd="sng">
-                      <a:noFill/>
-                    </a:lnB>
-                    <a:lnTlToBr w="12700" cmpd="sng">
-                      <a:noFill/>
-                      <a:prstDash val="solid"/>
-                    </a:lnTlToBr>
-                    <a:lnBlToTr w="12700" cmpd="sng">
-                      <a:noFill/>
-                      <a:prstDash val="solid"/>
-                    </a:lnBlToTr>
-                  </a:tcPr>
-                </a:tc>
-                <a:extLst>
-                  <a:ext uri="{0D108BD9-81ED-4DB2-BD59-A6C34878D82A}">
-                    <a16:rowId xmlns:a16="http://schemas.microsoft.com/office/drawing/2014/main" val="10000"/>
-                  </a:ext>
-                </a:extLst>
-              </a:tr>
-              <a:tr h="317880">
-                <a:tc>
-                  <a:txBody>
-                    <a:bodyPr/>
-                    <a:lstStyle/>
-                    <a:p>
-                      <a:pPr marL="0" marR="0" lvl="0" indent="0" algn="l" defTabSz="914400" rtl="0" eaLnBrk="1" fontAlgn="auto" latinLnBrk="0" hangingPunct="1">
-                        <a:lnSpc>
-                          <a:spcPct val="100000"/>
-                        </a:lnSpc>
-                        <a:spcBef>
-                          <a:spcPts val="0"/>
-                        </a:spcBef>
-                        <a:spcAft>
-                          <a:spcPts val="0"/>
-                        </a:spcAft>
-                        <a:buClrTx/>
-                        <a:buSzTx/>
-                        <a:buFontTx/>
-                        <a:buNone/>
-                        <a:tabLst/>
-                        <a:defRPr/>
-                      </a:pPr>
-                      <a:r>
-                        <a:rPr lang="de-DE" sz="1200" dirty="0"/>
-                        <a:t>Ø - Geschwindigkeit</a:t>
-                      </a:r>
-                      <a:endParaRPr lang="de-DE" sz="1200" dirty="0">
-                        <a:latin typeface="+mn-lt"/>
-                      </a:endParaRPr>
-                    </a:p>
-                  </a:txBody>
-                  <a:tcPr marL="0" marR="0" marT="135000" marB="0" anchor="ctr">
-                    <a:lnL w="12700" cmpd="sng">
-                      <a:noFill/>
-                    </a:lnL>
-                    <a:lnR w="12700" cmpd="sng">
-                      <a:noFill/>
-                    </a:lnR>
-                    <a:lnT w="12700" cmpd="sng">
-                      <a:noFill/>
-                    </a:lnT>
-                    <a:lnB w="12700" cmpd="sng">
-                      <a:noFill/>
-                    </a:lnB>
-                    <a:lnTlToBr w="12700" cmpd="sng">
-                      <a:noFill/>
-                      <a:prstDash val="solid"/>
-                    </a:lnTlToBr>
-                    <a:lnBlToTr w="12700" cmpd="sng">
-                      <a:noFill/>
-                      <a:prstDash val="solid"/>
-                    </a:lnBlToTr>
-                  </a:tcPr>
-                </a:tc>
-                <a:tc>
-                  <a:txBody>
-                    <a:bodyPr/>
-                    <a:lstStyle/>
-                    <a:p>
-                      <a:pPr marL="0" marR="0" indent="0" algn="l" defTabSz="914400" rtl="0" eaLnBrk="1" fontAlgn="auto" latinLnBrk="0" hangingPunct="1">
-                        <a:lnSpc>
-                          <a:spcPct val="100000"/>
-                        </a:lnSpc>
-                        <a:spcBef>
-                          <a:spcPts val="0"/>
-                        </a:spcBef>
-                        <a:spcAft>
-                          <a:spcPts val="0"/>
-                        </a:spcAft>
-                        <a:buClrTx/>
-                        <a:buSzTx/>
-                        <a:buFontTx/>
-                        <a:buNone/>
-                        <a:tabLst/>
-                        <a:defRPr/>
-                      </a:pPr>
-                      <a:r>
-                        <a:rPr lang="de-DE" sz="1200" dirty="0"/>
-                        <a:t>25 km/h</a:t>
-                      </a:r>
-                      <a:endParaRPr lang="de-DE" sz="1200" dirty="0">
-                        <a:latin typeface="+mn-lt"/>
-                      </a:endParaRPr>
-                    </a:p>
-                  </a:txBody>
-                  <a:tcPr marL="0" marR="0" marT="135000" marB="0" anchor="ctr">
-                    <a:lnL w="12700" cmpd="sng">
-                      <a:noFill/>
-                    </a:lnL>
-                    <a:lnR w="12700" cmpd="sng">
-                      <a:noFill/>
-                    </a:lnR>
-                    <a:lnT w="12700" cmpd="sng">
-                      <a:noFill/>
-                    </a:lnT>
-                    <a:lnB w="12700" cmpd="sng">
-                      <a:noFill/>
-                    </a:lnB>
-                    <a:lnTlToBr w="12700" cmpd="sng">
-                      <a:noFill/>
-                      <a:prstDash val="solid"/>
-                    </a:lnTlToBr>
-                    <a:lnBlToTr w="12700" cmpd="sng">
-                      <a:noFill/>
-                      <a:prstDash val="solid"/>
-                    </a:lnBlToTr>
-                  </a:tcPr>
-                </a:tc>
-                <a:extLst>
-                  <a:ext uri="{0D108BD9-81ED-4DB2-BD59-A6C34878D82A}">
-                    <a16:rowId xmlns:a16="http://schemas.microsoft.com/office/drawing/2014/main" val="10001"/>
-                  </a:ext>
-                </a:extLst>
-              </a:tr>
-              <a:tr h="317880">
-                <a:tc>
-                  <a:txBody>
-                    <a:bodyPr/>
-                    <a:lstStyle/>
-                    <a:p>
-                      <a:pPr marL="0" marR="0" indent="0" algn="l" defTabSz="914400" rtl="0" eaLnBrk="1" fontAlgn="auto" latinLnBrk="0" hangingPunct="1">
-                        <a:lnSpc>
-                          <a:spcPct val="100000"/>
-                        </a:lnSpc>
-                        <a:spcBef>
-                          <a:spcPts val="0"/>
-                        </a:spcBef>
-                        <a:spcAft>
-                          <a:spcPts val="0"/>
-                        </a:spcAft>
-                        <a:buClrTx/>
-                        <a:buSzTx/>
-                        <a:buFontTx/>
-                        <a:buNone/>
-                        <a:tabLst/>
-                        <a:defRPr/>
-                      </a:pPr>
-                      <a:r>
-                        <a:rPr lang="de-DE" sz="1200" dirty="0"/>
-                        <a:t>Ø - Verfügbare Ladezeit</a:t>
-                      </a:r>
-                      <a:endParaRPr lang="de-DE" sz="1200" dirty="0">
-                        <a:latin typeface="+mn-lt"/>
-                      </a:endParaRPr>
-                    </a:p>
-                  </a:txBody>
-                  <a:tcPr marL="0" marR="0" marT="135000" marB="0" anchor="ctr">
-                    <a:lnL w="12700" cmpd="sng">
-                      <a:noFill/>
-                    </a:lnL>
-                    <a:lnR w="12700" cmpd="sng">
-                      <a:noFill/>
-                    </a:lnR>
-                    <a:lnT w="12700" cmpd="sng">
-                      <a:noFill/>
-                    </a:lnT>
-                    <a:lnB w="12700" cmpd="sng">
-                      <a:noFill/>
-                    </a:lnB>
-                    <a:lnTlToBr w="12700" cmpd="sng">
-                      <a:noFill/>
-                      <a:prstDash val="solid"/>
-                    </a:lnTlToBr>
-                    <a:lnBlToTr w="12700" cmpd="sng">
-                      <a:noFill/>
-                      <a:prstDash val="solid"/>
-                    </a:lnBlToTr>
-                  </a:tcPr>
-                </a:tc>
-                <a:tc>
-                  <a:txBody>
-                    <a:bodyPr/>
-                    <a:lstStyle/>
-                    <a:p>
-                      <a:pPr marL="0" marR="0" indent="0" algn="l" defTabSz="914400" rtl="0" eaLnBrk="1" fontAlgn="auto" latinLnBrk="0" hangingPunct="1">
-                        <a:lnSpc>
-                          <a:spcPct val="100000"/>
-                        </a:lnSpc>
-                        <a:spcBef>
-                          <a:spcPts val="0"/>
-                        </a:spcBef>
-                        <a:spcAft>
-                          <a:spcPts val="0"/>
-                        </a:spcAft>
-                        <a:buClrTx/>
-                        <a:buSzTx/>
-                        <a:buFontTx/>
-                        <a:buNone/>
-                        <a:tabLst/>
-                        <a:defRPr/>
-                      </a:pPr>
-                      <a:r>
-                        <a:rPr lang="de-DE" sz="1200" dirty="0"/>
-                        <a:t>22 h/Tag</a:t>
-                      </a:r>
-                      <a:endParaRPr lang="de-DE" sz="1200" dirty="0">
-                        <a:latin typeface="+mn-lt"/>
-                      </a:endParaRPr>
-                    </a:p>
-                  </a:txBody>
-                  <a:tcPr marL="0" marR="0" marT="135000" marB="0" anchor="ctr">
-                    <a:lnL w="12700" cmpd="sng">
-                      <a:noFill/>
-                    </a:lnL>
-                    <a:lnR w="12700" cmpd="sng">
-                      <a:noFill/>
-                    </a:lnR>
-                    <a:lnT w="12700" cmpd="sng">
-                      <a:noFill/>
-                    </a:lnT>
-                    <a:lnB w="12700" cmpd="sng">
-                      <a:noFill/>
-                    </a:lnB>
-                    <a:lnTlToBr w="12700" cmpd="sng">
-                      <a:noFill/>
-                      <a:prstDash val="solid"/>
-                    </a:lnTlToBr>
-                    <a:lnBlToTr w="12700" cmpd="sng">
-                      <a:noFill/>
-                      <a:prstDash val="solid"/>
-                    </a:lnBlToTr>
-                  </a:tcPr>
-                </a:tc>
-                <a:extLst>
-                  <a:ext uri="{0D108BD9-81ED-4DB2-BD59-A6C34878D82A}">
-                    <a16:rowId xmlns:a16="http://schemas.microsoft.com/office/drawing/2014/main" val="10002"/>
-                  </a:ext>
-                </a:extLst>
-              </a:tr>
-              <a:tr h="317880">
-                <a:tc>
-                  <a:txBody>
-                    <a:bodyPr/>
-                    <a:lstStyle/>
-                    <a:p>
-                      <a:pPr marL="0" marR="0" indent="0" algn="l" defTabSz="914400" rtl="0" eaLnBrk="1" fontAlgn="auto" latinLnBrk="0" hangingPunct="1">
-                        <a:lnSpc>
-                          <a:spcPct val="100000"/>
-                        </a:lnSpc>
-                        <a:spcBef>
-                          <a:spcPts val="0"/>
-                        </a:spcBef>
-                        <a:spcAft>
-                          <a:spcPts val="0"/>
-                        </a:spcAft>
-                        <a:buClrTx/>
-                        <a:buSzTx/>
-                        <a:buFontTx/>
-                        <a:buNone/>
-                        <a:tabLst/>
-                        <a:defRPr/>
-                      </a:pPr>
-                      <a:r>
-                        <a:rPr lang="de-DE" sz="1200" dirty="0"/>
-                        <a:t>Kosten</a:t>
-                      </a:r>
-                      <a:endParaRPr lang="de-DE" sz="1200" dirty="0">
-                        <a:latin typeface="+mn-lt"/>
-                      </a:endParaRPr>
-                    </a:p>
-                  </a:txBody>
-                  <a:tcPr marL="0" marR="0" marT="135000" marB="0" anchor="ctr">
-                    <a:lnL w="12700" cmpd="sng">
-                      <a:noFill/>
-                    </a:lnL>
-                    <a:lnR w="12700" cmpd="sng">
-                      <a:noFill/>
-                    </a:lnR>
-                    <a:lnT w="12700" cmpd="sng">
-                      <a:noFill/>
-                    </a:lnT>
-                    <a:lnB w="12700" cmpd="sng">
-                      <a:noFill/>
-                    </a:lnB>
-                    <a:lnTlToBr w="12700" cmpd="sng">
-                      <a:noFill/>
-                      <a:prstDash val="solid"/>
-                    </a:lnTlToBr>
-                    <a:lnBlToTr w="12700" cmpd="sng">
-                      <a:noFill/>
-                      <a:prstDash val="solid"/>
-                    </a:lnBlToTr>
-                  </a:tcPr>
-                </a:tc>
-                <a:tc>
-                  <a:txBody>
-                    <a:bodyPr/>
-                    <a:lstStyle/>
-                    <a:p>
-                      <a:pPr marL="0" marR="0" lvl="0" indent="0" algn="l" defTabSz="914400" rtl="0" eaLnBrk="1" fontAlgn="auto" latinLnBrk="0" hangingPunct="1">
-                        <a:lnSpc>
-                          <a:spcPct val="100000"/>
-                        </a:lnSpc>
-                        <a:spcBef>
-                          <a:spcPts val="0"/>
-                        </a:spcBef>
-                        <a:spcAft>
-                          <a:spcPts val="0"/>
-                        </a:spcAft>
-                        <a:buClrTx/>
-                        <a:buSzTx/>
-                        <a:buFontTx/>
-                        <a:buNone/>
-                        <a:tabLst/>
-                        <a:defRPr/>
-                      </a:pPr>
-                      <a:r>
-                        <a:rPr lang="de-DE" sz="1200" dirty="0"/>
-                        <a:t>Kleinwagen mit Verbrennungsmotor</a:t>
-                      </a:r>
-                      <a:endParaRPr lang="de-DE" sz="1200" dirty="0">
-                        <a:latin typeface="+mn-lt"/>
-                      </a:endParaRPr>
-                    </a:p>
-                  </a:txBody>
-                  <a:tcPr marL="0" marR="0" marT="135000" marB="0" anchor="ctr">
-                    <a:lnL w="12700" cmpd="sng">
-                      <a:noFill/>
-                    </a:lnL>
-                    <a:lnR w="12700" cmpd="sng">
-                      <a:noFill/>
-                    </a:lnR>
-                    <a:lnT w="12700" cmpd="sng">
-                      <a:noFill/>
-                    </a:lnT>
-                    <a:lnB w="12700" cmpd="sng">
-                      <a:noFill/>
-                    </a:lnB>
-                    <a:lnTlToBr w="12700" cmpd="sng">
-                      <a:noFill/>
-                      <a:prstDash val="solid"/>
-                    </a:lnTlToBr>
-                    <a:lnBlToTr w="12700" cmpd="sng">
-                      <a:noFill/>
-                      <a:prstDash val="solid"/>
-                    </a:lnBlToTr>
-                  </a:tcPr>
-                </a:tc>
-                <a:extLst>
-                  <a:ext uri="{0D108BD9-81ED-4DB2-BD59-A6C34878D82A}">
-                    <a16:rowId xmlns:a16="http://schemas.microsoft.com/office/drawing/2014/main" val="10003"/>
-                  </a:ext>
-                </a:extLst>
-              </a:tr>
-              <a:tr h="317880">
-                <a:tc>
-                  <a:txBody>
-                    <a:bodyPr/>
-                    <a:lstStyle/>
-                    <a:p>
-                      <a:pPr marL="0" marR="0" indent="0" algn="l" defTabSz="914400" rtl="0" eaLnBrk="1" fontAlgn="auto" latinLnBrk="0" hangingPunct="1">
-                        <a:lnSpc>
-                          <a:spcPct val="100000"/>
-                        </a:lnSpc>
-                        <a:spcBef>
-                          <a:spcPts val="0"/>
-                        </a:spcBef>
-                        <a:spcAft>
-                          <a:spcPts val="0"/>
-                        </a:spcAft>
-                        <a:buClrTx/>
-                        <a:buSzTx/>
-                        <a:buFontTx/>
-                        <a:buNone/>
-                        <a:tabLst/>
-                        <a:defRPr/>
-                      </a:pPr>
-                      <a:r>
-                        <a:rPr lang="de-DE" sz="1200" dirty="0"/>
-                        <a:t>Einsatzgebiet</a:t>
-                      </a:r>
-                      <a:endParaRPr lang="de-DE" sz="1200" b="0" dirty="0">
-                        <a:latin typeface="+mn-lt"/>
-                      </a:endParaRPr>
-                    </a:p>
-                  </a:txBody>
-                  <a:tcPr marL="0" marR="0" marT="135000" marB="0" anchor="ctr">
-                    <a:lnL w="12700" cmpd="sng">
-                      <a:noFill/>
-                    </a:lnL>
-                    <a:lnR w="12700" cmpd="sng">
-                      <a:noFill/>
-                    </a:lnR>
-                    <a:lnT w="12700" cmpd="sng">
-                      <a:noFill/>
-                    </a:lnT>
-                    <a:lnB w="12700" cmpd="sng">
-                      <a:noFill/>
-                    </a:lnB>
-                    <a:lnTlToBr w="12700" cmpd="sng">
-                      <a:noFill/>
-                      <a:prstDash val="solid"/>
-                    </a:lnTlToBr>
-                    <a:lnBlToTr w="12700" cmpd="sng">
-                      <a:noFill/>
-                      <a:prstDash val="solid"/>
-                    </a:lnBlToTr>
-                  </a:tcPr>
-                </a:tc>
-                <a:tc>
-                  <a:txBody>
-                    <a:bodyPr/>
-                    <a:lstStyle/>
-                    <a:p>
-                      <a:pPr marL="0" marR="0" indent="0" algn="l" defTabSz="914400" rtl="0" eaLnBrk="1" fontAlgn="auto" latinLnBrk="0" hangingPunct="1">
-                        <a:lnSpc>
-                          <a:spcPct val="100000"/>
-                        </a:lnSpc>
-                        <a:spcBef>
-                          <a:spcPts val="0"/>
-                        </a:spcBef>
-                        <a:spcAft>
-                          <a:spcPts val="0"/>
-                        </a:spcAft>
-                        <a:buClrTx/>
-                        <a:buSzTx/>
-                        <a:buFontTx/>
-                        <a:buNone/>
-                        <a:tabLst/>
-                        <a:defRPr/>
-                      </a:pPr>
-                      <a:r>
-                        <a:rPr lang="de-DE" sz="1200" dirty="0"/>
-                        <a:t>Stadt und Umland</a:t>
-                      </a:r>
-                      <a:endParaRPr lang="de-DE" sz="1200" dirty="0">
-                        <a:latin typeface="+mn-lt"/>
-                      </a:endParaRPr>
-                    </a:p>
-                  </a:txBody>
-                  <a:tcPr marL="0" marR="0" marT="135000" marB="0" anchor="ctr">
-                    <a:lnL w="12700" cmpd="sng">
-                      <a:noFill/>
-                    </a:lnL>
-                    <a:lnR w="12700" cmpd="sng">
-                      <a:noFill/>
-                    </a:lnR>
-                    <a:lnT w="12700" cmpd="sng">
-                      <a:noFill/>
-                    </a:lnT>
-                    <a:lnB w="12700" cmpd="sng">
-                      <a:noFill/>
-                    </a:lnB>
-                    <a:lnTlToBr w="12700" cmpd="sng">
-                      <a:noFill/>
-                      <a:prstDash val="solid"/>
-                    </a:lnTlToBr>
-                    <a:lnBlToTr w="12700" cmpd="sng">
-                      <a:noFill/>
-                      <a:prstDash val="solid"/>
-                    </a:lnBlToTr>
-                  </a:tcPr>
-                </a:tc>
-                <a:extLst>
-                  <a:ext uri="{0D108BD9-81ED-4DB2-BD59-A6C34878D82A}">
-                    <a16:rowId xmlns:a16="http://schemas.microsoft.com/office/drawing/2014/main" val="10004"/>
-                  </a:ext>
-                </a:extLst>
-              </a:tr>
-            </a:tbl>
-          </a:graphicData>
-        </a:graphic>
-      </p:graphicFrame>
-      <p:sp>
-        <p:nvSpPr>
-          <p:cNvPr id="3" name="Titel 2"/>
-          <p:cNvSpPr>
-            <a:spLocks noGrp="1"/>
-          </p:cNvSpPr>
-          <p:nvPr>
-            <p:ph type="title"/>
-          </p:nvPr>
-        </p:nvSpPr>
-        <p:spPr/>
-        <p:txBody>
-          <a:bodyPr/>
-          <a:lstStyle/>
-          <a:p>
-            <a:r>
-              <a:rPr lang="de-DE"/>
-              <a:t>Tabelle – Beispiel 1</a:t>
-            </a:r>
-            <a:endParaRPr lang="de-DE" dirty="0"/>
-          </a:p>
-        </p:txBody>
-      </p:sp>
-      <p:sp>
-        <p:nvSpPr>
-          <p:cNvPr id="4" name="Foliennummernplatzhalter 3"/>
-          <p:cNvSpPr>
-            <a:spLocks noGrp="1"/>
-          </p:cNvSpPr>
-          <p:nvPr>
-            <p:ph type="sldNum" sz="quarter" idx="11"/>
-          </p:nvPr>
-        </p:nvSpPr>
-        <p:spPr/>
-        <p:txBody>
-          <a:bodyPr/>
-          <a:lstStyle/>
-          <a:p>
-            <a:fld id="{CE58CB1E-F828-4F11-99E0-327109AF9DA4}" type="slidenum">
-              <a:rPr lang="de-DE" smtClean="0"/>
-              <a:pPr/>
-              <a:t>19</a:t>
-            </a:fld>
-            <a:endParaRPr lang="de-DE" dirty="0"/>
-          </a:p>
-        </p:txBody>
-      </p:sp>
-      <p:sp>
-        <p:nvSpPr>
-          <p:cNvPr id="10" name="Fußzeilenplatzhalter 4"/>
-          <p:cNvSpPr>
-            <a:spLocks noGrp="1"/>
-          </p:cNvSpPr>
-          <p:nvPr>
-            <p:ph type="ftr" sz="quarter" idx="12"/>
-          </p:nvPr>
-        </p:nvSpPr>
-        <p:spPr/>
-        <p:txBody>
-          <a:bodyPr/>
-          <a:lstStyle/>
-          <a:p>
-            <a:r>
-              <a:rPr lang="de-DE"/>
-              <a:t>Dr. rer. nat. Erika Mustermann (TUM) | kann beliebig erweitert werden | Infos mit Strich trennen</a:t>
-            </a:r>
-            <a:endParaRPr lang="en-US" dirty="0"/>
-          </a:p>
-        </p:txBody>
-      </p:sp>
-      <p:sp>
-        <p:nvSpPr>
-          <p:cNvPr id="2" name="Textplatzhalter 1"/>
-          <p:cNvSpPr>
-            <a:spLocks noGrp="1"/>
-          </p:cNvSpPr>
-          <p:nvPr>
-            <p:ph type="body" sz="quarter" idx="13"/>
-          </p:nvPr>
-        </p:nvSpPr>
-        <p:spPr/>
-        <p:txBody>
-          <a:bodyPr/>
-          <a:lstStyle/>
-          <a:p>
-            <a:r>
-              <a:rPr lang="de-DE" dirty="0"/>
-              <a:t>Tabelle ohne Farbe und kein Rand</a:t>
-            </a:r>
-            <a:br>
-              <a:rPr lang="de-DE" dirty="0"/>
-            </a:br>
-            <a:r>
-              <a:rPr lang="de-DE" dirty="0"/>
-              <a:t>innerer Seitenrand links 0 cm, oben z.B. 0,5 cm (für genug Zeilenabstand innerhalb) </a:t>
-            </a:r>
-          </a:p>
-        </p:txBody>
-      </p:sp>
-    </p:spTree>
-  </p:cSld>
-  <p:clrMapOvr>
-    <a:masterClrMapping/>
-  </p:clrMapOvr>
-</p:sld>
-</file>
-
-<file path=ppt/slides/slide2.xml><?xml version="1.0" encoding="utf-8"?>
-<p:sld xmlns:a="http://schemas.openxmlformats.org/drawingml/2006/main" xmlns:r="http://schemas.openxmlformats.org/officeDocument/2006/relationships" xmlns:p="http://schemas.openxmlformats.org/presentationml/2006/main">
-  <p:cSld>
-    <p:spTree>
-      <p:nvGrpSpPr>
-        <p:cNvPr id="1" name=""/>
-        <p:cNvGrpSpPr/>
-        <p:nvPr/>
-      </p:nvGrpSpPr>
-      <p:grpSpPr>
-        <a:xfrm>
-          <a:off x="0" y="0"/>
-          <a:ext cx="0" cy="0"/>
-          <a:chOff x="0" y="0"/>
-          <a:chExt cx="0" cy="0"/>
-        </a:xfrm>
-      </p:grpSpPr>
-      <p:sp>
-        <p:nvSpPr>
-          <p:cNvPr id="5" name="Titel 4"/>
-          <p:cNvSpPr>
-            <a:spLocks noGrp="1"/>
-          </p:cNvSpPr>
-          <p:nvPr>
-            <p:ph type="title"/>
-          </p:nvPr>
-        </p:nvSpPr>
-        <p:spPr/>
-        <p:txBody>
-          <a:bodyPr/>
-          <a:lstStyle/>
-          <a:p>
-            <a:endParaRPr lang="de-DE"/>
-          </a:p>
-        </p:txBody>
-      </p:sp>
-      <p:sp>
-        <p:nvSpPr>
-          <p:cNvPr id="3" name="Inhaltsplatzhalter 2"/>
-          <p:cNvSpPr>
-            <a:spLocks noGrp="1"/>
-          </p:cNvSpPr>
-          <p:nvPr>
-            <p:ph idx="10"/>
-          </p:nvPr>
-        </p:nvSpPr>
-        <p:spPr/>
-        <p:txBody>
-          <a:bodyPr/>
-          <a:lstStyle/>
-          <a:p>
-            <a:r>
-              <a:rPr lang="de-DE"/>
-              <a:t>Dr. rer. nat. Erika Mustermann</a:t>
-            </a:r>
-          </a:p>
-          <a:p>
-            <a:r>
-              <a:rPr lang="de-DE"/>
-              <a:t>München, 27. März 2015</a:t>
-            </a:r>
-            <a:endParaRPr lang="de-DE" dirty="0"/>
-          </a:p>
-        </p:txBody>
-      </p:sp>
-    </p:spTree>
-  </p:cSld>
-  <p:clrMapOvr>
-    <a:masterClrMapping/>
-  </p:clrMapOvr>
-</p:sld>
-</file>
-
-<file path=ppt/slides/slide20.xml><?xml version="1.0" encoding="utf-8"?>
-<p:sld xmlns:a="http://schemas.openxmlformats.org/drawingml/2006/main" xmlns:r="http://schemas.openxmlformats.org/officeDocument/2006/relationships" xmlns:p="http://schemas.openxmlformats.org/presentationml/2006/main">
-  <p:cSld>
-    <p:spTree>
-      <p:nvGrpSpPr>
-        <p:cNvPr id="1" name=""/>
-        <p:cNvGrpSpPr/>
-        <p:nvPr/>
-      </p:nvGrpSpPr>
-      <p:grpSpPr>
-        <a:xfrm>
-          <a:off x="0" y="0"/>
-          <a:ext cx="0" cy="0"/>
-          <a:chOff x="0" y="0"/>
-          <a:chExt cx="0" cy="0"/>
-        </a:xfrm>
-      </p:grpSpPr>
-      <p:graphicFrame>
-        <p:nvGraphicFramePr>
-          <p:cNvPr id="7" name="Inhaltsplatzhalter 6"/>
-          <p:cNvGraphicFramePr>
-            <a:graphicFrameLocks noGrp="1"/>
-          </p:cNvGraphicFramePr>
-          <p:nvPr>
-            <p:ph idx="1"/>
-          </p:nvPr>
-        </p:nvGraphicFramePr>
-        <p:xfrm>
-          <a:off x="319088" y="2314575"/>
-          <a:ext cx="8509507" cy="1589400"/>
-        </p:xfrm>
-        <a:graphic>
-          <a:graphicData uri="http://schemas.openxmlformats.org/drawingml/2006/table">
-            <a:tbl>
-              <a:tblPr bandRow="1">
-                <a:tableStyleId>{5940675A-B579-460E-94D1-54222C63F5DA}</a:tableStyleId>
-              </a:tblPr>
-              <a:tblGrid>
-                <a:gridCol w="3493889">
-                  <a:extLst>
-                    <a:ext uri="{9D8B030D-6E8A-4147-A177-3AD203B41FA5}">
-                      <a16:colId xmlns:a16="http://schemas.microsoft.com/office/drawing/2014/main" val="20000"/>
-                    </a:ext>
-                  </a:extLst>
-                </a:gridCol>
-                <a:gridCol w="5015618">
-                  <a:extLst>
-                    <a:ext uri="{9D8B030D-6E8A-4147-A177-3AD203B41FA5}">
-                      <a16:colId xmlns:a16="http://schemas.microsoft.com/office/drawing/2014/main" val="20001"/>
-                    </a:ext>
-                  </a:extLst>
-                </a:gridCol>
-              </a:tblGrid>
-              <a:tr h="317880">
-                <a:tc>
-                  <a:txBody>
-                    <a:bodyPr/>
-                    <a:lstStyle/>
-                    <a:p>
-                      <a:pPr marL="0" marR="0" indent="0" algn="l" defTabSz="914400" rtl="0" eaLnBrk="1" fontAlgn="auto" latinLnBrk="0" hangingPunct="1">
-                        <a:lnSpc>
-                          <a:spcPct val="100000"/>
-                        </a:lnSpc>
-                        <a:spcBef>
-                          <a:spcPts val="0"/>
-                        </a:spcBef>
-                        <a:spcAft>
-                          <a:spcPts val="0"/>
-                        </a:spcAft>
-                        <a:buClrTx/>
-                        <a:buSzTx/>
-                        <a:buFontTx/>
-                        <a:buNone/>
-                        <a:tabLst/>
-                        <a:defRPr/>
-                      </a:pPr>
-                      <a:r>
-                        <a:rPr lang="de-DE" sz="1200" dirty="0"/>
-                        <a:t>Ø - Strecke</a:t>
-                      </a:r>
-                      <a:endParaRPr lang="de-DE" sz="1200" dirty="0">
-                        <a:latin typeface="+mn-lt"/>
-                      </a:endParaRPr>
-                    </a:p>
-                  </a:txBody>
-                  <a:tcPr marL="54000" marR="0" marT="135000" marB="0" anchor="ctr"/>
-                </a:tc>
-                <a:tc>
-                  <a:txBody>
-                    <a:bodyPr/>
-                    <a:lstStyle/>
-                    <a:p>
-                      <a:pPr marL="0" marR="0" indent="0" algn="l" defTabSz="914400" rtl="0" eaLnBrk="1" fontAlgn="auto" latinLnBrk="0" hangingPunct="1">
-                        <a:lnSpc>
-                          <a:spcPct val="100000"/>
-                        </a:lnSpc>
-                        <a:spcBef>
-                          <a:spcPts val="0"/>
-                        </a:spcBef>
-                        <a:spcAft>
-                          <a:spcPts val="0"/>
-                        </a:spcAft>
-                        <a:buClrTx/>
-                        <a:buSzTx/>
-                        <a:buFontTx/>
-                        <a:buNone/>
-                        <a:tabLst/>
-                        <a:defRPr/>
-                      </a:pPr>
-                      <a:r>
-                        <a:rPr lang="de-DE" sz="1200" dirty="0"/>
-                        <a:t>39 km/Tag (14.360 km/Jahr)</a:t>
-                      </a:r>
-                      <a:endParaRPr lang="de-DE" sz="1200" dirty="0">
-                        <a:latin typeface="+mn-lt"/>
-                      </a:endParaRPr>
-                    </a:p>
-                  </a:txBody>
-                  <a:tcPr marL="54000" marR="0" marT="135000" marB="0" anchor="ctr"/>
-                </a:tc>
-                <a:extLst>
-                  <a:ext uri="{0D108BD9-81ED-4DB2-BD59-A6C34878D82A}">
-                    <a16:rowId xmlns:a16="http://schemas.microsoft.com/office/drawing/2014/main" val="10000"/>
-                  </a:ext>
-                </a:extLst>
-              </a:tr>
-              <a:tr h="317880">
-                <a:tc>
-                  <a:txBody>
-                    <a:bodyPr/>
-                    <a:lstStyle/>
-                    <a:p>
-                      <a:pPr marL="0" marR="0" lvl="0" indent="0" algn="l" defTabSz="914400" rtl="0" eaLnBrk="1" fontAlgn="auto" latinLnBrk="0" hangingPunct="1">
-                        <a:lnSpc>
-                          <a:spcPct val="100000"/>
-                        </a:lnSpc>
-                        <a:spcBef>
-                          <a:spcPts val="0"/>
-                        </a:spcBef>
-                        <a:spcAft>
-                          <a:spcPts val="0"/>
-                        </a:spcAft>
-                        <a:buClrTx/>
-                        <a:buSzTx/>
-                        <a:buFontTx/>
-                        <a:buNone/>
-                        <a:tabLst/>
-                        <a:defRPr/>
-                      </a:pPr>
-                      <a:r>
-                        <a:rPr lang="de-DE" sz="1200" dirty="0"/>
-                        <a:t>Ø - Geschwindigkeit</a:t>
-                      </a:r>
-                      <a:endParaRPr lang="de-DE" sz="1200" dirty="0">
-                        <a:latin typeface="+mn-lt"/>
-                      </a:endParaRPr>
-                    </a:p>
-                  </a:txBody>
-                  <a:tcPr marL="54000" marR="0" marT="135000" marB="0" anchor="ctr"/>
-                </a:tc>
-                <a:tc>
-                  <a:txBody>
-                    <a:bodyPr/>
-                    <a:lstStyle/>
-                    <a:p>
-                      <a:pPr marL="0" marR="0" indent="0" algn="l" defTabSz="914400" rtl="0" eaLnBrk="1" fontAlgn="auto" latinLnBrk="0" hangingPunct="1">
-                        <a:lnSpc>
-                          <a:spcPct val="100000"/>
-                        </a:lnSpc>
-                        <a:spcBef>
-                          <a:spcPts val="0"/>
-                        </a:spcBef>
-                        <a:spcAft>
-                          <a:spcPts val="0"/>
-                        </a:spcAft>
-                        <a:buClrTx/>
-                        <a:buSzTx/>
-                        <a:buFontTx/>
-                        <a:buNone/>
-                        <a:tabLst/>
-                        <a:defRPr/>
-                      </a:pPr>
-                      <a:r>
-                        <a:rPr lang="de-DE" sz="1200" dirty="0"/>
-                        <a:t>25 km/h</a:t>
-                      </a:r>
-                      <a:endParaRPr lang="de-DE" sz="1200" dirty="0">
-                        <a:latin typeface="+mn-lt"/>
-                      </a:endParaRPr>
-                    </a:p>
-                  </a:txBody>
-                  <a:tcPr marL="54000" marR="0" marT="135000" marB="0" anchor="ctr"/>
-                </a:tc>
-                <a:extLst>
-                  <a:ext uri="{0D108BD9-81ED-4DB2-BD59-A6C34878D82A}">
-                    <a16:rowId xmlns:a16="http://schemas.microsoft.com/office/drawing/2014/main" val="10001"/>
-                  </a:ext>
-                </a:extLst>
-              </a:tr>
-              <a:tr h="317880">
-                <a:tc>
-                  <a:txBody>
-                    <a:bodyPr/>
-                    <a:lstStyle/>
-                    <a:p>
-                      <a:pPr marL="0" marR="0" indent="0" algn="l" defTabSz="914400" rtl="0" eaLnBrk="1" fontAlgn="auto" latinLnBrk="0" hangingPunct="1">
-                        <a:lnSpc>
-                          <a:spcPct val="100000"/>
-                        </a:lnSpc>
-                        <a:spcBef>
-                          <a:spcPts val="0"/>
-                        </a:spcBef>
-                        <a:spcAft>
-                          <a:spcPts val="0"/>
-                        </a:spcAft>
-                        <a:buClrTx/>
-                        <a:buSzTx/>
-                        <a:buFontTx/>
-                        <a:buNone/>
-                        <a:tabLst/>
-                        <a:defRPr/>
-                      </a:pPr>
-                      <a:r>
-                        <a:rPr lang="de-DE" sz="1200" dirty="0"/>
-                        <a:t>Ø - Verfügbare Ladezeit</a:t>
-                      </a:r>
-                      <a:endParaRPr lang="de-DE" sz="1200" dirty="0">
-                        <a:latin typeface="+mn-lt"/>
-                      </a:endParaRPr>
-                    </a:p>
-                  </a:txBody>
-                  <a:tcPr marL="54000" marR="0" marT="135000" marB="0" anchor="ctr"/>
-                </a:tc>
-                <a:tc>
-                  <a:txBody>
-                    <a:bodyPr/>
-                    <a:lstStyle/>
-                    <a:p>
-                      <a:pPr marL="0" marR="0" indent="0" algn="l" defTabSz="914400" rtl="0" eaLnBrk="1" fontAlgn="auto" latinLnBrk="0" hangingPunct="1">
-                        <a:lnSpc>
-                          <a:spcPct val="100000"/>
-                        </a:lnSpc>
-                        <a:spcBef>
-                          <a:spcPts val="0"/>
-                        </a:spcBef>
-                        <a:spcAft>
-                          <a:spcPts val="0"/>
-                        </a:spcAft>
-                        <a:buClrTx/>
-                        <a:buSzTx/>
-                        <a:buFontTx/>
-                        <a:buNone/>
-                        <a:tabLst/>
-                        <a:defRPr/>
-                      </a:pPr>
-                      <a:r>
-                        <a:rPr lang="de-DE" sz="1200" dirty="0"/>
-                        <a:t>22 h/Tag</a:t>
-                      </a:r>
-                      <a:endParaRPr lang="de-DE" sz="1200" dirty="0">
-                        <a:latin typeface="+mn-lt"/>
-                      </a:endParaRPr>
-                    </a:p>
-                  </a:txBody>
-                  <a:tcPr marL="54000" marR="0" marT="135000" marB="0" anchor="ctr"/>
-                </a:tc>
-                <a:extLst>
-                  <a:ext uri="{0D108BD9-81ED-4DB2-BD59-A6C34878D82A}">
-                    <a16:rowId xmlns:a16="http://schemas.microsoft.com/office/drawing/2014/main" val="10002"/>
-                  </a:ext>
-                </a:extLst>
-              </a:tr>
-              <a:tr h="317880">
-                <a:tc>
-                  <a:txBody>
-                    <a:bodyPr/>
-                    <a:lstStyle/>
-                    <a:p>
-                      <a:pPr marL="0" marR="0" indent="0" algn="l" defTabSz="914400" rtl="0" eaLnBrk="1" fontAlgn="auto" latinLnBrk="0" hangingPunct="1">
-                        <a:lnSpc>
-                          <a:spcPct val="100000"/>
-                        </a:lnSpc>
-                        <a:spcBef>
-                          <a:spcPts val="0"/>
-                        </a:spcBef>
-                        <a:spcAft>
-                          <a:spcPts val="0"/>
-                        </a:spcAft>
-                        <a:buClrTx/>
-                        <a:buSzTx/>
-                        <a:buFontTx/>
-                        <a:buNone/>
-                        <a:tabLst/>
-                        <a:defRPr/>
-                      </a:pPr>
-                      <a:r>
-                        <a:rPr lang="de-DE" sz="1200" dirty="0"/>
-                        <a:t>Kosten</a:t>
-                      </a:r>
-                      <a:endParaRPr lang="de-DE" sz="1200" dirty="0">
-                        <a:latin typeface="+mn-lt"/>
-                      </a:endParaRPr>
-                    </a:p>
-                  </a:txBody>
-                  <a:tcPr marL="54000" marR="0" marT="135000" marB="0" anchor="ctr"/>
-                </a:tc>
-                <a:tc>
-                  <a:txBody>
-                    <a:bodyPr/>
-                    <a:lstStyle/>
-                    <a:p>
-                      <a:pPr marL="0" marR="0" lvl="0" indent="0" algn="l" defTabSz="914400" rtl="0" eaLnBrk="1" fontAlgn="auto" latinLnBrk="0" hangingPunct="1">
-                        <a:lnSpc>
-                          <a:spcPct val="100000"/>
-                        </a:lnSpc>
-                        <a:spcBef>
-                          <a:spcPts val="0"/>
-                        </a:spcBef>
-                        <a:spcAft>
-                          <a:spcPts val="0"/>
-                        </a:spcAft>
-                        <a:buClrTx/>
-                        <a:buSzTx/>
-                        <a:buFontTx/>
-                        <a:buNone/>
-                        <a:tabLst/>
-                        <a:defRPr/>
-                      </a:pPr>
-                      <a:r>
-                        <a:rPr lang="de-DE" sz="1200" dirty="0"/>
-                        <a:t>Kleinwagen mit Verbrennungsmotor</a:t>
-                      </a:r>
-                      <a:endParaRPr lang="de-DE" sz="1200" dirty="0">
-                        <a:latin typeface="+mn-lt"/>
-                      </a:endParaRPr>
-                    </a:p>
-                  </a:txBody>
-                  <a:tcPr marL="54000" marR="0" marT="135000" marB="0" anchor="ctr"/>
-                </a:tc>
-                <a:extLst>
-                  <a:ext uri="{0D108BD9-81ED-4DB2-BD59-A6C34878D82A}">
-                    <a16:rowId xmlns:a16="http://schemas.microsoft.com/office/drawing/2014/main" val="10003"/>
-                  </a:ext>
-                </a:extLst>
-              </a:tr>
-              <a:tr h="317880">
-                <a:tc>
-                  <a:txBody>
-                    <a:bodyPr/>
-                    <a:lstStyle/>
-                    <a:p>
-                      <a:pPr marL="0" marR="0" indent="0" algn="l" defTabSz="914400" rtl="0" eaLnBrk="1" fontAlgn="auto" latinLnBrk="0" hangingPunct="1">
-                        <a:lnSpc>
-                          <a:spcPct val="100000"/>
-                        </a:lnSpc>
-                        <a:spcBef>
-                          <a:spcPts val="0"/>
-                        </a:spcBef>
-                        <a:spcAft>
-                          <a:spcPts val="0"/>
-                        </a:spcAft>
-                        <a:buClrTx/>
-                        <a:buSzTx/>
-                        <a:buFontTx/>
-                        <a:buNone/>
-                        <a:tabLst/>
-                        <a:defRPr/>
-                      </a:pPr>
-                      <a:r>
-                        <a:rPr lang="de-DE" sz="1200" dirty="0"/>
-                        <a:t>Einsatzgebiet</a:t>
-                      </a:r>
-                      <a:endParaRPr lang="de-DE" sz="1200" b="0" dirty="0">
-                        <a:latin typeface="+mn-lt"/>
-                      </a:endParaRPr>
-                    </a:p>
-                  </a:txBody>
-                  <a:tcPr marL="54000" marR="0" marT="135000" marB="0" anchor="ctr"/>
-                </a:tc>
-                <a:tc>
-                  <a:txBody>
-                    <a:bodyPr/>
-                    <a:lstStyle/>
-                    <a:p>
-                      <a:pPr marL="0" marR="0" indent="0" algn="l" defTabSz="914400" rtl="0" eaLnBrk="1" fontAlgn="auto" latinLnBrk="0" hangingPunct="1">
-                        <a:lnSpc>
-                          <a:spcPct val="100000"/>
-                        </a:lnSpc>
-                        <a:spcBef>
-                          <a:spcPts val="0"/>
-                        </a:spcBef>
-                        <a:spcAft>
-                          <a:spcPts val="0"/>
-                        </a:spcAft>
-                        <a:buClrTx/>
-                        <a:buSzTx/>
-                        <a:buFontTx/>
-                        <a:buNone/>
-                        <a:tabLst/>
-                        <a:defRPr/>
-                      </a:pPr>
-                      <a:r>
-                        <a:rPr lang="de-DE" sz="1200" dirty="0"/>
-                        <a:t>Stadt und Umland</a:t>
-                      </a:r>
-                      <a:endParaRPr lang="de-DE" sz="1200" dirty="0">
-                        <a:latin typeface="+mn-lt"/>
-                      </a:endParaRPr>
-                    </a:p>
-                  </a:txBody>
-                  <a:tcPr marL="54000" marR="0" marT="135000" marB="0" anchor="ctr"/>
-                </a:tc>
-                <a:extLst>
-                  <a:ext uri="{0D108BD9-81ED-4DB2-BD59-A6C34878D82A}">
-                    <a16:rowId xmlns:a16="http://schemas.microsoft.com/office/drawing/2014/main" val="10004"/>
-                  </a:ext>
-                </a:extLst>
-              </a:tr>
-            </a:tbl>
-          </a:graphicData>
-        </a:graphic>
-      </p:graphicFrame>
-      <p:sp>
-        <p:nvSpPr>
-          <p:cNvPr id="3" name="Titel 2"/>
-          <p:cNvSpPr>
-            <a:spLocks noGrp="1"/>
-          </p:cNvSpPr>
-          <p:nvPr>
-            <p:ph type="title"/>
-          </p:nvPr>
-        </p:nvSpPr>
-        <p:spPr/>
-        <p:txBody>
-          <a:bodyPr/>
-          <a:lstStyle/>
-          <a:p>
-            <a:r>
-              <a:rPr lang="de-DE"/>
-              <a:t>Tabelle – Beispiel 2</a:t>
-            </a:r>
-            <a:endParaRPr lang="de-DE" dirty="0"/>
-          </a:p>
-        </p:txBody>
-      </p:sp>
-      <p:sp>
-        <p:nvSpPr>
-          <p:cNvPr id="4" name="Foliennummernplatzhalter 3"/>
-          <p:cNvSpPr>
-            <a:spLocks noGrp="1"/>
-          </p:cNvSpPr>
-          <p:nvPr>
-            <p:ph type="sldNum" sz="quarter" idx="11"/>
-          </p:nvPr>
-        </p:nvSpPr>
-        <p:spPr/>
-        <p:txBody>
-          <a:bodyPr/>
-          <a:lstStyle/>
-          <a:p>
-            <a:fld id="{CE58CB1E-F828-4F11-99E0-327109AF9DA4}" type="slidenum">
-              <a:rPr lang="de-DE" smtClean="0"/>
-              <a:pPr/>
-              <a:t>20</a:t>
-            </a:fld>
-            <a:endParaRPr lang="de-DE" dirty="0"/>
-          </a:p>
-        </p:txBody>
-      </p:sp>
-      <p:sp>
-        <p:nvSpPr>
-          <p:cNvPr id="10" name="Fußzeilenplatzhalter 4"/>
-          <p:cNvSpPr>
-            <a:spLocks noGrp="1"/>
-          </p:cNvSpPr>
-          <p:nvPr>
-            <p:ph type="ftr" sz="quarter" idx="12"/>
-          </p:nvPr>
-        </p:nvSpPr>
-        <p:spPr/>
-        <p:txBody>
-          <a:bodyPr/>
-          <a:lstStyle/>
-          <a:p>
-            <a:r>
-              <a:rPr lang="de-DE"/>
-              <a:t>Dr. rer. nat. Erika Mustermann (TUM) | kann beliebig erweitert werden | Infos mit Strich trennen</a:t>
-            </a:r>
-            <a:endParaRPr lang="en-US" dirty="0"/>
-          </a:p>
-        </p:txBody>
-      </p:sp>
-      <p:sp>
-        <p:nvSpPr>
-          <p:cNvPr id="2" name="Textplatzhalter 1"/>
-          <p:cNvSpPr>
-            <a:spLocks noGrp="1"/>
-          </p:cNvSpPr>
-          <p:nvPr>
-            <p:ph type="body" sz="quarter" idx="13"/>
-          </p:nvPr>
-        </p:nvSpPr>
-        <p:spPr/>
-        <p:txBody>
-          <a:bodyPr/>
-          <a:lstStyle/>
-          <a:p>
-            <a:r>
-              <a:rPr lang="de-DE"/>
-              <a:t>Tabelle mit schwarzem Rand</a:t>
-            </a:r>
-            <a:br>
-              <a:rPr lang="de-DE"/>
-            </a:br>
-            <a:r>
-              <a:rPr lang="de-DE"/>
-              <a:t>innerer Seitenrand links 0,15 cm, oben z.B. 0,5 cm (für genug Zeilenabstand innerhalb) </a:t>
-            </a:r>
-            <a:endParaRPr lang="de-DE" dirty="0"/>
-          </a:p>
-        </p:txBody>
-      </p:sp>
-    </p:spTree>
-  </p:cSld>
-  <p:clrMapOvr>
-    <a:masterClrMapping/>
-  </p:clrMapOvr>
-</p:sld>
-</file>
-
-<file path=ppt/slides/slide21.xml><?xml version="1.0" encoding="utf-8"?>
-<p:sld xmlns:a="http://schemas.openxmlformats.org/drawingml/2006/main" xmlns:r="http://schemas.openxmlformats.org/officeDocument/2006/relationships" xmlns:p="http://schemas.openxmlformats.org/presentationml/2006/main">
-  <p:cSld>
-    <p:spTree>
-      <p:nvGrpSpPr>
-        <p:cNvPr id="1" name=""/>
-        <p:cNvGrpSpPr/>
-        <p:nvPr/>
-      </p:nvGrpSpPr>
-      <p:grpSpPr>
-        <a:xfrm>
-          <a:off x="0" y="0"/>
-          <a:ext cx="0" cy="0"/>
-          <a:chOff x="0" y="0"/>
-          <a:chExt cx="0" cy="0"/>
-        </a:xfrm>
-      </p:grpSpPr>
-      <p:sp>
-        <p:nvSpPr>
-          <p:cNvPr id="4" name="Titel 3"/>
-          <p:cNvSpPr>
-            <a:spLocks noGrp="1"/>
-          </p:cNvSpPr>
-          <p:nvPr>
-            <p:ph type="title"/>
-          </p:nvPr>
-        </p:nvSpPr>
-        <p:spPr/>
-        <p:txBody>
-          <a:bodyPr/>
-          <a:lstStyle/>
-          <a:p>
-            <a:r>
-              <a:rPr lang="de-DE"/>
-              <a:t>Diagramme – Beispiel 1</a:t>
-            </a:r>
-            <a:endParaRPr lang="de-DE" dirty="0"/>
-          </a:p>
-        </p:txBody>
-      </p:sp>
-      <p:sp>
-        <p:nvSpPr>
-          <p:cNvPr id="5" name="Foliennummernplatzhalter 4"/>
-          <p:cNvSpPr>
-            <a:spLocks noGrp="1"/>
-          </p:cNvSpPr>
-          <p:nvPr>
-            <p:ph type="sldNum" sz="quarter" idx="11"/>
-          </p:nvPr>
-        </p:nvSpPr>
-        <p:spPr/>
-        <p:txBody>
-          <a:bodyPr/>
-          <a:lstStyle/>
-          <a:p>
-            <a:fld id="{CE58CB1E-F828-4F11-99E0-327109AF9DA4}" type="slidenum">
-              <a:rPr lang="de-DE" smtClean="0"/>
-              <a:pPr/>
-              <a:t>21</a:t>
-            </a:fld>
-            <a:endParaRPr lang="de-DE" dirty="0"/>
-          </a:p>
-        </p:txBody>
-      </p:sp>
-      <p:sp>
-        <p:nvSpPr>
-          <p:cNvPr id="9" name="Fußzeilenplatzhalter 4"/>
-          <p:cNvSpPr>
-            <a:spLocks noGrp="1"/>
-          </p:cNvSpPr>
-          <p:nvPr>
-            <p:ph type="ftr" sz="quarter" idx="12"/>
-          </p:nvPr>
-        </p:nvSpPr>
-        <p:spPr/>
-        <p:txBody>
-          <a:bodyPr/>
-          <a:lstStyle/>
-          <a:p>
-            <a:r>
-              <a:rPr lang="de-DE" dirty="0"/>
-              <a:t>Dr. </a:t>
-            </a:r>
-            <a:r>
-              <a:rPr lang="de-DE" dirty="0" err="1"/>
-              <a:t>rer</a:t>
-            </a:r>
-            <a:r>
-              <a:rPr lang="de-DE" dirty="0"/>
-              <a:t>. nat. Erika Mustermann (TUM) | kann beliebig erweitert werden | Infos mit Strich trennen</a:t>
-            </a:r>
-            <a:endParaRPr lang="en-US" dirty="0"/>
-          </a:p>
-        </p:txBody>
-      </p:sp>
-      <p:sp>
-        <p:nvSpPr>
-          <p:cNvPr id="3" name="Textplatzhalter 2"/>
-          <p:cNvSpPr>
-            <a:spLocks noGrp="1"/>
-          </p:cNvSpPr>
-          <p:nvPr>
-            <p:ph type="body" sz="quarter" idx="13"/>
-          </p:nvPr>
-        </p:nvSpPr>
-        <p:spPr/>
-        <p:txBody>
-          <a:bodyPr/>
-          <a:lstStyle/>
-          <a:p>
-            <a:r>
-              <a:rPr lang="de-DE" dirty="0"/>
-              <a:t>Nach Möglichkeit linksbündig bleiben</a:t>
-            </a:r>
-            <a:br>
-              <a:rPr lang="de-DE" dirty="0"/>
-            </a:br>
-            <a:r>
-              <a:rPr lang="de-DE" dirty="0"/>
-              <a:t>Unnötige Striche und Balken vermeiden</a:t>
-            </a:r>
-          </a:p>
-        </p:txBody>
-      </p:sp>
-      <p:graphicFrame>
-        <p:nvGraphicFramePr>
-          <p:cNvPr id="14" name="Inhaltsplatzhalter 13"/>
-          <p:cNvGraphicFramePr>
-            <a:graphicFrameLocks noGrp="1"/>
-          </p:cNvGraphicFramePr>
-          <p:nvPr>
-            <p:ph idx="1"/>
-          </p:nvPr>
-        </p:nvGraphicFramePr>
-        <p:xfrm>
-          <a:off x="114300" y="2286000"/>
-          <a:ext cx="9029700" cy="2352675"/>
-        </p:xfrm>
-        <a:graphic>
-          <a:graphicData uri="http://schemas.openxmlformats.org/drawingml/2006/chart">
-            <c:chart xmlns:c="http://schemas.openxmlformats.org/drawingml/2006/chart" xmlns:r="http://schemas.openxmlformats.org/officeDocument/2006/relationships" r:id="rId2"/>
-          </a:graphicData>
-        </a:graphic>
-      </p:graphicFrame>
-    </p:spTree>
-  </p:cSld>
-  <p:clrMapOvr>
-    <a:masterClrMapping/>
-  </p:clrMapOvr>
-</p:sld>
-</file>
-
-<file path=ppt/slides/slide22.xml><?xml version="1.0" encoding="utf-8"?>
-<p:sld xmlns:a="http://schemas.openxmlformats.org/drawingml/2006/main" xmlns:r="http://schemas.openxmlformats.org/officeDocument/2006/relationships" xmlns:p="http://schemas.openxmlformats.org/presentationml/2006/main">
-  <p:cSld>
-    <p:spTree>
-      <p:nvGrpSpPr>
-        <p:cNvPr id="1" name=""/>
-        <p:cNvGrpSpPr/>
-        <p:nvPr/>
-      </p:nvGrpSpPr>
-      <p:grpSpPr>
-        <a:xfrm>
-          <a:off x="0" y="0"/>
-          <a:ext cx="0" cy="0"/>
-          <a:chOff x="0" y="0"/>
-          <a:chExt cx="0" cy="0"/>
-        </a:xfrm>
-      </p:grpSpPr>
-      <p:graphicFrame>
-        <p:nvGraphicFramePr>
-          <p:cNvPr id="6" name="Inhaltsplatzhalter 5"/>
-          <p:cNvGraphicFramePr>
-            <a:graphicFrameLocks noGrp="1"/>
-          </p:cNvGraphicFramePr>
-          <p:nvPr>
-            <p:ph idx="1"/>
-            <p:extLst>
-              <p:ext uri="{D42A27DB-BD31-4B8C-83A1-F6EECF244321}">
-                <p14:modId xmlns:p14="http://schemas.microsoft.com/office/powerpoint/2010/main" val="2021366215"/>
-              </p:ext>
-            </p:extLst>
-          </p:nvPr>
-        </p:nvGraphicFramePr>
-        <p:xfrm>
-          <a:off x="319088" y="1647825"/>
-          <a:ext cx="8701087" cy="3000375"/>
-        </p:xfrm>
-        <a:graphic>
-          <a:graphicData uri="http://schemas.openxmlformats.org/drawingml/2006/chart">
-            <c:chart xmlns:c="http://schemas.openxmlformats.org/drawingml/2006/chart" xmlns:r="http://schemas.openxmlformats.org/officeDocument/2006/relationships" r:id="rId3"/>
-          </a:graphicData>
-        </a:graphic>
-      </p:graphicFrame>
-      <p:sp>
-        <p:nvSpPr>
-          <p:cNvPr id="3" name="Titel 2"/>
-          <p:cNvSpPr>
-            <a:spLocks noGrp="1"/>
-          </p:cNvSpPr>
-          <p:nvPr>
-            <p:ph type="title"/>
-          </p:nvPr>
-        </p:nvSpPr>
-        <p:spPr/>
-        <p:txBody>
-          <a:bodyPr/>
-          <a:lstStyle/>
-          <a:p>
-            <a:r>
-              <a:rPr lang="de-DE"/>
-              <a:t>Diagramme</a:t>
-            </a:r>
-            <a:endParaRPr lang="de-DE" dirty="0"/>
-          </a:p>
-        </p:txBody>
-      </p:sp>
-      <p:sp>
-        <p:nvSpPr>
-          <p:cNvPr id="4" name="Foliennummernplatzhalter 3"/>
-          <p:cNvSpPr>
-            <a:spLocks noGrp="1"/>
-          </p:cNvSpPr>
-          <p:nvPr>
-            <p:ph type="sldNum" sz="quarter" idx="11"/>
-          </p:nvPr>
-        </p:nvSpPr>
-        <p:spPr/>
-        <p:txBody>
-          <a:bodyPr/>
-          <a:lstStyle/>
-          <a:p>
-            <a:fld id="{CE58CB1E-F828-4F11-99E0-327109AF9DA4}" type="slidenum">
-              <a:rPr lang="de-DE" smtClean="0"/>
-              <a:pPr/>
-              <a:t>22</a:t>
-            </a:fld>
-            <a:endParaRPr lang="de-DE" dirty="0"/>
-          </a:p>
-        </p:txBody>
-      </p:sp>
-      <p:sp>
-        <p:nvSpPr>
-          <p:cNvPr id="7" name="Fußzeilenplatzhalter 4"/>
-          <p:cNvSpPr>
-            <a:spLocks noGrp="1"/>
-          </p:cNvSpPr>
-          <p:nvPr>
-            <p:ph type="ftr" sz="quarter" idx="12"/>
-          </p:nvPr>
-        </p:nvSpPr>
-        <p:spPr/>
-        <p:txBody>
-          <a:bodyPr/>
-          <a:lstStyle/>
-          <a:p>
-            <a:r>
-              <a:rPr lang="de-DE"/>
-              <a:t>Dr. rer. nat. Erika Mustermann (TUM) | kann beliebig erweitert werden | Infos mit Strich trennen</a:t>
-            </a:r>
-            <a:endParaRPr lang="en-US" dirty="0"/>
-          </a:p>
-        </p:txBody>
-      </p:sp>
-    </p:spTree>
-  </p:cSld>
-  <p:clrMapOvr>
-    <a:masterClrMapping/>
-  </p:clrMapOvr>
-</p:sld>
-</file>
-
-<file path=ppt/slides/slide3.xml><?xml version="1.0" encoding="utf-8"?>
-<p:sld xmlns:a="http://schemas.openxmlformats.org/drawingml/2006/main" xmlns:r="http://schemas.openxmlformats.org/officeDocument/2006/relationships" xmlns:p="http://schemas.openxmlformats.org/presentationml/2006/main">
-  <p:cSld>
-    <p:spTree>
-      <p:nvGrpSpPr>
-        <p:cNvPr id="1" name=""/>
-        <p:cNvGrpSpPr/>
-        <p:nvPr/>
-      </p:nvGrpSpPr>
-      <p:grpSpPr>
-        <a:xfrm>
-          <a:off x="0" y="0"/>
-          <a:ext cx="0" cy="0"/>
-          <a:chOff x="0" y="0"/>
-          <a:chExt cx="0" cy="0"/>
-        </a:xfrm>
-      </p:grpSpPr>
-      <p:sp>
-        <p:nvSpPr>
-          <p:cNvPr id="10" name="Titel 9"/>
-          <p:cNvSpPr>
-            <a:spLocks noGrp="1"/>
-          </p:cNvSpPr>
-          <p:nvPr>
-            <p:ph type="title"/>
-          </p:nvPr>
-        </p:nvSpPr>
-        <p:spPr/>
-        <p:txBody>
-          <a:bodyPr/>
-          <a:lstStyle/>
-          <a:p>
-            <a:endParaRPr lang="de-DE"/>
-          </a:p>
-        </p:txBody>
-      </p:sp>
-      <p:sp>
-        <p:nvSpPr>
-          <p:cNvPr id="3" name="Inhaltsplatzhalter 2"/>
-          <p:cNvSpPr>
-            <a:spLocks noGrp="1"/>
-          </p:cNvSpPr>
-          <p:nvPr>
-            <p:ph idx="10"/>
-          </p:nvPr>
-        </p:nvSpPr>
-        <p:spPr/>
-        <p:txBody>
-          <a:bodyPr/>
-          <a:lstStyle/>
-          <a:p>
-            <a:r>
-              <a:rPr lang="de-DE"/>
-              <a:t>Dr. rer. nat. Erika Mustermann</a:t>
-            </a:r>
-          </a:p>
-          <a:p>
-            <a:r>
-              <a:rPr lang="de-DE"/>
-              <a:t>München, 27. März 2015</a:t>
-            </a:r>
-            <a:endParaRPr lang="de-DE" dirty="0"/>
-          </a:p>
-        </p:txBody>
-      </p:sp>
-    </p:spTree>
-  </p:cSld>
-  <p:clrMapOvr>
-    <a:masterClrMapping/>
-  </p:clrMapOvr>
-</p:sld>
-</file>
-
-<file path=ppt/slides/slide4.xml><?xml version="1.0" encoding="utf-8"?>
-<p:sld xmlns:a="http://schemas.openxmlformats.org/drawingml/2006/main" xmlns:r="http://schemas.openxmlformats.org/officeDocument/2006/relationships" xmlns:p="http://schemas.openxmlformats.org/presentationml/2006/main">
-  <p:cSld>
-    <p:spTree>
-      <p:nvGrpSpPr>
-        <p:cNvPr id="1" name=""/>
-        <p:cNvGrpSpPr/>
-        <p:nvPr/>
-      </p:nvGrpSpPr>
-      <p:grpSpPr>
-        <a:xfrm>
-          <a:off x="0" y="0"/>
-          <a:ext cx="0" cy="0"/>
-          <a:chOff x="0" y="0"/>
-          <a:chExt cx="0" cy="0"/>
-        </a:xfrm>
-      </p:grpSpPr>
-      <p:sp>
-        <p:nvSpPr>
-          <p:cNvPr id="2" name="Inhaltsplatzhalter 1"/>
-          <p:cNvSpPr>
-            <a:spLocks noGrp="1"/>
-          </p:cNvSpPr>
-          <p:nvPr>
-            <p:ph idx="1"/>
-          </p:nvPr>
-        </p:nvSpPr>
-        <p:spPr/>
-        <p:txBody>
-          <a:bodyPr/>
-          <a:lstStyle/>
-          <a:p>
-            <a:endParaRPr lang="de-DE" dirty="0"/>
-          </a:p>
-          <a:p>
-            <a:r>
-              <a:rPr lang="de-DE" dirty="0"/>
-              <a:t>Dieser Folienmaster gilt bei offiziellen Präsentationen im Rahmen der TUM.</a:t>
-            </a:r>
-            <a:br>
-              <a:rPr lang="de-DE" dirty="0"/>
-            </a:br>
-            <a:r>
-              <a:rPr lang="de-DE" dirty="0"/>
-              <a:t>Es ist darauf zu achten, dass wir uns in einem durchgängigen Layout präsentieren.</a:t>
-            </a:r>
-          </a:p>
-          <a:p>
-            <a:endParaRPr lang="de-DE" dirty="0"/>
-          </a:p>
-          <a:p>
-            <a:r>
-              <a:rPr lang="de-DE" dirty="0"/>
-              <a:t>Abweichungen vom vorgegebenen Layout bitte auf ein Minimum reduzieren.</a:t>
-            </a:r>
-          </a:p>
-        </p:txBody>
-      </p:sp>
-      <p:sp>
-        <p:nvSpPr>
-          <p:cNvPr id="3" name="Titel 2"/>
-          <p:cNvSpPr>
-            <a:spLocks noGrp="1"/>
-          </p:cNvSpPr>
-          <p:nvPr>
-            <p:ph type="title"/>
-          </p:nvPr>
-        </p:nvSpPr>
-        <p:spPr/>
-        <p:txBody>
-          <a:bodyPr/>
-          <a:lstStyle/>
-          <a:p>
-            <a:r>
-              <a:rPr lang="de-DE" dirty="0"/>
-              <a:t>Gültigkeit der Masterfolien</a:t>
-            </a:r>
-          </a:p>
-        </p:txBody>
-      </p:sp>
-      <p:sp>
-        <p:nvSpPr>
-          <p:cNvPr id="4" name="Foliennummernplatzhalter 3"/>
-          <p:cNvSpPr>
-            <a:spLocks noGrp="1"/>
-          </p:cNvSpPr>
-          <p:nvPr>
-            <p:ph type="sldNum" sz="quarter" idx="11"/>
-          </p:nvPr>
-        </p:nvSpPr>
-        <p:spPr/>
-        <p:txBody>
-          <a:bodyPr/>
-          <a:lstStyle/>
-          <a:p>
-            <a:fld id="{CE58CB1E-F828-4F11-99E0-327109AF9DA4}" type="slidenum">
-              <a:rPr lang="de-DE" smtClean="0"/>
-              <a:pPr/>
-              <a:t>4</a:t>
-            </a:fld>
-            <a:endParaRPr lang="de-DE" dirty="0"/>
-          </a:p>
-        </p:txBody>
-      </p:sp>
-      <p:sp>
-        <p:nvSpPr>
-          <p:cNvPr id="7" name="Fußzeilenplatzhalter 4"/>
-          <p:cNvSpPr>
-            <a:spLocks noGrp="1"/>
-          </p:cNvSpPr>
-          <p:nvPr>
-            <p:ph type="ftr" sz="quarter" idx="12"/>
-          </p:nvPr>
-        </p:nvSpPr>
-        <p:spPr/>
-        <p:txBody>
-          <a:bodyPr/>
-          <a:lstStyle/>
-          <a:p>
-            <a:r>
-              <a:rPr lang="de-DE"/>
-              <a:t>Dr. rer. nat. Erika Mustermann (TUM) | kann beliebig erweitert werden | Infos mit Strich trennen</a:t>
-            </a:r>
-            <a:endParaRPr lang="en-US" dirty="0"/>
-          </a:p>
-        </p:txBody>
-      </p:sp>
-    </p:spTree>
-  </p:cSld>
-  <p:clrMapOvr>
-    <a:masterClrMapping/>
-  </p:clrMapOvr>
-</p:sld>
-</file>
-
-<file path=ppt/slides/slide5.xml><?xml version="1.0" encoding="utf-8"?>
-<p:sld xmlns:a="http://schemas.openxmlformats.org/drawingml/2006/main" xmlns:r="http://schemas.openxmlformats.org/officeDocument/2006/relationships" xmlns:p="http://schemas.openxmlformats.org/presentationml/2006/main">
-  <p:cSld>
-    <p:spTree>
-      <p:nvGrpSpPr>
-        <p:cNvPr id="1" name=""/>
-        <p:cNvGrpSpPr/>
-        <p:nvPr/>
-      </p:nvGrpSpPr>
-      <p:grpSpPr>
-        <a:xfrm>
-          <a:off x="0" y="0"/>
-          <a:ext cx="0" cy="0"/>
-          <a:chOff x="0" y="0"/>
-          <a:chExt cx="0" cy="0"/>
-        </a:xfrm>
-      </p:grpSpPr>
-      <p:sp>
-        <p:nvSpPr>
-          <p:cNvPr id="2" name="Inhaltsplatzhalter 1"/>
-          <p:cNvSpPr>
-            <a:spLocks noGrp="1"/>
-          </p:cNvSpPr>
-          <p:nvPr>
-            <p:ph idx="1"/>
-          </p:nvPr>
-        </p:nvSpPr>
-        <p:spPr/>
-        <p:txBody>
-          <a:bodyPr/>
-          <a:lstStyle/>
-          <a:p>
-            <a:endParaRPr lang="de-DE" dirty="0"/>
-          </a:p>
-          <a:p>
-            <a:r>
-              <a:rPr lang="de-DE" dirty="0"/>
-              <a:t>Als Grundlage dient der Corporate Design Style Guide der TUM.</a:t>
-            </a:r>
-            <a:br>
-              <a:rPr lang="de-DE" dirty="0"/>
-            </a:br>
-            <a:r>
-              <a:rPr lang="de-DE" dirty="0"/>
-              <a:t>Die Präsentationsvorlage ist auf gute Lesbarkeit und klare Darstellung von Informationen optimiert.</a:t>
-            </a:r>
-          </a:p>
-        </p:txBody>
-      </p:sp>
-      <p:sp>
-        <p:nvSpPr>
-          <p:cNvPr id="3" name="Titel 2"/>
-          <p:cNvSpPr>
-            <a:spLocks noGrp="1"/>
-          </p:cNvSpPr>
-          <p:nvPr>
-            <p:ph type="title"/>
-          </p:nvPr>
-        </p:nvSpPr>
-        <p:spPr/>
-        <p:txBody>
-          <a:bodyPr/>
-          <a:lstStyle/>
-          <a:p>
-            <a:r>
-              <a:rPr lang="de-DE" dirty="0"/>
-              <a:t>Grundlage der Masterfolien</a:t>
-            </a:r>
-          </a:p>
-        </p:txBody>
-      </p:sp>
-      <p:sp>
-        <p:nvSpPr>
-          <p:cNvPr id="4" name="Foliennummernplatzhalter 3"/>
-          <p:cNvSpPr>
-            <a:spLocks noGrp="1"/>
-          </p:cNvSpPr>
-          <p:nvPr>
-            <p:ph type="sldNum" sz="quarter" idx="11"/>
-          </p:nvPr>
-        </p:nvSpPr>
-        <p:spPr/>
-        <p:txBody>
-          <a:bodyPr/>
-          <a:lstStyle/>
-          <a:p>
-            <a:fld id="{CE58CB1E-F828-4F11-99E0-327109AF9DA4}" type="slidenum">
-              <a:rPr lang="de-DE" smtClean="0"/>
-              <a:pPr/>
-              <a:t>5</a:t>
-            </a:fld>
-            <a:endParaRPr lang="de-DE" dirty="0"/>
-          </a:p>
-        </p:txBody>
-      </p:sp>
-      <p:sp>
-        <p:nvSpPr>
-          <p:cNvPr id="6" name="Fußzeilenplatzhalter 4"/>
-          <p:cNvSpPr>
-            <a:spLocks noGrp="1"/>
-          </p:cNvSpPr>
-          <p:nvPr>
-            <p:ph type="ftr" sz="quarter" idx="12"/>
-          </p:nvPr>
-        </p:nvSpPr>
-        <p:spPr/>
-        <p:txBody>
-          <a:bodyPr/>
-          <a:lstStyle/>
-          <a:p>
-            <a:r>
-              <a:rPr lang="de-DE"/>
-              <a:t>Dr. rer. nat. Erika Mustermann (TUM) | kann beliebig erweitert werden | Infos mit Strich trennen</a:t>
-            </a:r>
-            <a:endParaRPr lang="en-US" dirty="0"/>
-          </a:p>
-        </p:txBody>
-      </p:sp>
-    </p:spTree>
-  </p:cSld>
-  <p:clrMapOvr>
-    <a:masterClrMapping/>
-  </p:clrMapOvr>
-</p:sld>
-</file>
-
-<file path=ppt/slides/slide6.xml><?xml version="1.0" encoding="utf-8"?>
-<p:sld xmlns:a="http://schemas.openxmlformats.org/drawingml/2006/main" xmlns:r="http://schemas.openxmlformats.org/officeDocument/2006/relationships" xmlns:p="http://schemas.openxmlformats.org/presentationml/2006/main">
-  <p:cSld>
-    <p:spTree>
-      <p:nvGrpSpPr>
-        <p:cNvPr id="1" name=""/>
-        <p:cNvGrpSpPr/>
-        <p:nvPr/>
-      </p:nvGrpSpPr>
-      <p:grpSpPr>
-        <a:xfrm>
-          <a:off x="0" y="0"/>
-          <a:ext cx="0" cy="0"/>
-          <a:chOff x="0" y="0"/>
-          <a:chExt cx="0" cy="0"/>
-        </a:xfrm>
-      </p:grpSpPr>
-      <p:sp>
-        <p:nvSpPr>
-          <p:cNvPr id="2" name="Inhaltsplatzhalter 1"/>
-          <p:cNvSpPr>
-            <a:spLocks noGrp="1"/>
-          </p:cNvSpPr>
-          <p:nvPr>
-            <p:ph idx="1"/>
-          </p:nvPr>
-        </p:nvSpPr>
-        <p:spPr>
-          <a:xfrm>
-            <a:off x="319090" y="1847850"/>
-            <a:ext cx="8508999" cy="2998470"/>
-          </a:xfrm>
-        </p:spPr>
-        <p:txBody>
-          <a:bodyPr/>
-          <a:lstStyle/>
-          <a:p>
-            <a:r>
-              <a:rPr lang="de-DE" dirty="0"/>
-              <a:t>Als Grundlage dient der Corporate Design Style Guide der TUM.</a:t>
-            </a:r>
-            <a:br>
-              <a:rPr lang="de-DE" dirty="0"/>
-            </a:br>
-            <a:r>
-              <a:rPr lang="de-DE" dirty="0"/>
-              <a:t>Die Präsentationsvorlage ist auf gute Lesbarkeit und klare Darstellung von Informationen optimiert.</a:t>
-            </a:r>
-          </a:p>
-        </p:txBody>
-      </p:sp>
-      <p:sp>
-        <p:nvSpPr>
-          <p:cNvPr id="3" name="Titel 2"/>
-          <p:cNvSpPr>
-            <a:spLocks noGrp="1"/>
-          </p:cNvSpPr>
-          <p:nvPr>
-            <p:ph type="title"/>
-          </p:nvPr>
-        </p:nvSpPr>
-        <p:spPr>
-          <a:xfrm>
-            <a:off x="319090" y="904500"/>
-            <a:ext cx="8508999" cy="838575"/>
-          </a:xfrm>
-        </p:spPr>
-        <p:txBody>
-          <a:bodyPr/>
-          <a:lstStyle/>
-          <a:p>
-            <a:r>
-              <a:rPr lang="de-DE" dirty="0"/>
-              <a:t>Hier steht eine Überschrift</a:t>
-            </a:r>
-            <a:br>
-              <a:rPr lang="de-DE" dirty="0"/>
-            </a:br>
-            <a:r>
-              <a:rPr lang="de-DE" dirty="0"/>
-              <a:t>max. 2-zeilig</a:t>
-            </a:r>
-          </a:p>
-        </p:txBody>
-      </p:sp>
-      <p:sp>
-        <p:nvSpPr>
-          <p:cNvPr id="4" name="Foliennummernplatzhalter 3"/>
-          <p:cNvSpPr>
-            <a:spLocks noGrp="1"/>
-          </p:cNvSpPr>
-          <p:nvPr>
-            <p:ph type="sldNum" sz="quarter" idx="11"/>
-          </p:nvPr>
-        </p:nvSpPr>
-        <p:spPr/>
-        <p:txBody>
-          <a:bodyPr/>
-          <a:lstStyle/>
-          <a:p>
-            <a:fld id="{CE58CB1E-F828-4F11-99E0-327109AF9DA4}" type="slidenum">
-              <a:rPr lang="de-DE" smtClean="0"/>
-              <a:pPr/>
-              <a:t>6</a:t>
-            </a:fld>
-            <a:endParaRPr lang="de-DE" dirty="0"/>
-          </a:p>
-        </p:txBody>
-      </p:sp>
-      <p:sp>
-        <p:nvSpPr>
-          <p:cNvPr id="6" name="Fußzeilenplatzhalter 4"/>
-          <p:cNvSpPr>
-            <a:spLocks noGrp="1"/>
-          </p:cNvSpPr>
-          <p:nvPr>
-            <p:ph type="ftr" sz="quarter" idx="12"/>
-          </p:nvPr>
-        </p:nvSpPr>
-        <p:spPr/>
-        <p:txBody>
-          <a:bodyPr/>
-          <a:lstStyle/>
-          <a:p>
-            <a:r>
-              <a:rPr lang="de-DE"/>
-              <a:t>Dr. rer. nat. Erika Mustermann (TUM) | kann beliebig erweitert werden | Infos mit Strich trennen</a:t>
-            </a:r>
-            <a:endParaRPr lang="en-US" dirty="0"/>
-          </a:p>
-        </p:txBody>
-      </p:sp>
-    </p:spTree>
-  </p:cSld>
-  <p:clrMapOvr>
-    <a:masterClrMapping/>
-  </p:clrMapOvr>
-</p:sld>
-</file>
-
-<file path=ppt/slides/slide7.xml><?xml version="1.0" encoding="utf-8"?>
-<p:sld xmlns:a="http://schemas.openxmlformats.org/drawingml/2006/main" xmlns:r="http://schemas.openxmlformats.org/officeDocument/2006/relationships" xmlns:p="http://schemas.openxmlformats.org/presentationml/2006/main">
-  <p:cSld>
-    <p:spTree>
-      <p:nvGrpSpPr>
-        <p:cNvPr id="1" name=""/>
-        <p:cNvGrpSpPr/>
-        <p:nvPr/>
-      </p:nvGrpSpPr>
-      <p:grpSpPr>
-        <a:xfrm>
-          <a:off x="0" y="0"/>
-          <a:ext cx="0" cy="0"/>
-          <a:chOff x="0" y="0"/>
-          <a:chExt cx="0" cy="0"/>
-        </a:xfrm>
-      </p:grpSpPr>
-      <p:sp>
-        <p:nvSpPr>
-          <p:cNvPr id="2" name="Inhaltsplatzhalter 1"/>
-          <p:cNvSpPr>
-            <a:spLocks noGrp="1"/>
-          </p:cNvSpPr>
-          <p:nvPr>
-            <p:ph idx="1"/>
-          </p:nvPr>
-        </p:nvSpPr>
-        <p:spPr/>
-        <p:txBody>
-          <a:bodyPr/>
-          <a:lstStyle/>
-          <a:p>
-            <a:r>
-              <a:rPr lang="de-DE" dirty="0"/>
-              <a:t>Das Grundprinzip ist, Informationen bestmöglich zu transportieren. Dazu muss vor allem die Schrift einheitlich und für alle im Raum lesbar sein. </a:t>
-            </a:r>
-          </a:p>
-          <a:p>
-            <a:endParaRPr lang="de-DE" dirty="0"/>
-          </a:p>
-          <a:p>
-            <a:r>
-              <a:rPr lang="de-DE" dirty="0"/>
-              <a:t>Schriftart: Arial</a:t>
-            </a:r>
-          </a:p>
-          <a:p>
-            <a:r>
-              <a:rPr lang="de-DE" dirty="0"/>
-              <a:t>Schriftgrößen: 25 | 18 | 14 | 11</a:t>
-            </a:r>
-          </a:p>
-          <a:p>
-            <a:r>
-              <a:rPr lang="de-DE" dirty="0"/>
-              <a:t>Zeilenabstand: 1,15mm</a:t>
-            </a:r>
-          </a:p>
-          <a:p>
-            <a:endParaRPr lang="de-DE" dirty="0"/>
-          </a:p>
-          <a:p>
-            <a:r>
-              <a:rPr lang="de-DE" dirty="0"/>
-              <a:t>Die Einstellungen sind in den Textfeldern und Textfeldvorlagen dieses </a:t>
-            </a:r>
-            <a:r>
-              <a:rPr lang="de-DE" dirty="0" err="1"/>
-              <a:t>ppt</a:t>
-            </a:r>
-            <a:r>
-              <a:rPr lang="de-DE" dirty="0"/>
-              <a:t>-Masters als Standard eingestellt. Bei Diagrammen und Tabellen muss die Schriftgröße ggf. angepasst werden. Für Auszeichnungen im Fließtext kann auch fett markiert werden. Bei großer Distanz bzw. kleinem Präsentationsmedium kann der Schriftgrad notfalls proportional erhöht werden.</a:t>
-            </a:r>
-          </a:p>
-        </p:txBody>
-      </p:sp>
-      <p:sp>
-        <p:nvSpPr>
-          <p:cNvPr id="3" name="Titel 2"/>
-          <p:cNvSpPr>
-            <a:spLocks noGrp="1"/>
-          </p:cNvSpPr>
-          <p:nvPr>
-            <p:ph type="title"/>
-          </p:nvPr>
-        </p:nvSpPr>
-        <p:spPr/>
-        <p:txBody>
-          <a:bodyPr/>
-          <a:lstStyle/>
-          <a:p>
-            <a:r>
-              <a:rPr lang="de-DE" dirty="0"/>
-              <a:t>Schrift</a:t>
-            </a:r>
-          </a:p>
-        </p:txBody>
-      </p:sp>
-      <p:sp>
-        <p:nvSpPr>
-          <p:cNvPr id="4" name="Foliennummernplatzhalter 3"/>
-          <p:cNvSpPr>
-            <a:spLocks noGrp="1"/>
-          </p:cNvSpPr>
-          <p:nvPr>
-            <p:ph type="sldNum" sz="quarter" idx="11"/>
-          </p:nvPr>
-        </p:nvSpPr>
-        <p:spPr/>
-        <p:txBody>
-          <a:bodyPr/>
-          <a:lstStyle/>
-          <a:p>
-            <a:fld id="{CE58CB1E-F828-4F11-99E0-327109AF9DA4}" type="slidenum">
-              <a:rPr lang="de-DE" smtClean="0"/>
-              <a:pPr/>
-              <a:t>7</a:t>
-            </a:fld>
-            <a:endParaRPr lang="de-DE" dirty="0"/>
-          </a:p>
-        </p:txBody>
-      </p:sp>
-      <p:sp>
-        <p:nvSpPr>
-          <p:cNvPr id="6" name="Fußzeilenplatzhalter 4"/>
-          <p:cNvSpPr>
-            <a:spLocks noGrp="1"/>
-          </p:cNvSpPr>
-          <p:nvPr>
-            <p:ph type="ftr" sz="quarter" idx="12"/>
-          </p:nvPr>
-        </p:nvSpPr>
-        <p:spPr/>
-        <p:txBody>
-          <a:bodyPr/>
-          <a:lstStyle/>
-          <a:p>
-            <a:r>
-              <a:rPr lang="de-DE"/>
-              <a:t>Dr. rer. nat. Erika Mustermann (TUM) | kann beliebig erweitert werden | Infos mit Strich trennen</a:t>
-            </a:r>
-            <a:endParaRPr lang="en-US" dirty="0"/>
-          </a:p>
-        </p:txBody>
-      </p:sp>
-    </p:spTree>
-  </p:cSld>
-  <p:clrMapOvr>
-    <a:masterClrMapping/>
-  </p:clrMapOvr>
-</p:sld>
-</file>
-
-<file path=ppt/slides/slide8.xml><?xml version="1.0" encoding="utf-8"?>
-<p:sld xmlns:a="http://schemas.openxmlformats.org/drawingml/2006/main" xmlns:r="http://schemas.openxmlformats.org/officeDocument/2006/relationships" xmlns:p="http://schemas.openxmlformats.org/presentationml/2006/main">
-  <p:cSld>
-    <p:spTree>
-      <p:nvGrpSpPr>
-        <p:cNvPr id="1" name=""/>
-        <p:cNvGrpSpPr/>
-        <p:nvPr/>
-      </p:nvGrpSpPr>
-      <p:grpSpPr>
-        <a:xfrm>
-          <a:off x="0" y="0"/>
-          <a:ext cx="0" cy="0"/>
-          <a:chOff x="0" y="0"/>
-          <a:chExt cx="0" cy="0"/>
-        </a:xfrm>
-      </p:grpSpPr>
-      <p:sp>
-        <p:nvSpPr>
-          <p:cNvPr id="2" name="Inhaltsplatzhalter 1"/>
-          <p:cNvSpPr>
-            <a:spLocks noGrp="1"/>
-          </p:cNvSpPr>
-          <p:nvPr>
-            <p:ph idx="1"/>
-          </p:nvPr>
-        </p:nvSpPr>
-        <p:spPr/>
-        <p:txBody>
-          <a:bodyPr/>
-          <a:lstStyle/>
-          <a:p>
-            <a:r>
-              <a:rPr lang="de-DE" dirty="0"/>
-              <a:t>Als erstes soll mit schwarz und weiß gearbeitet werden.</a:t>
-            </a:r>
-            <a:br>
-              <a:rPr lang="de-DE" dirty="0"/>
-            </a:br>
-            <a:r>
-              <a:rPr lang="de-DE" dirty="0"/>
-              <a:t>Für Aufwändigere Darstellungen sind Farben mit Bedacht und in möglichst geringem Umfang einzusetzen.</a:t>
-            </a:r>
-            <a:br>
-              <a:rPr lang="de-DE" dirty="0"/>
-            </a:br>
-            <a:r>
-              <a:rPr lang="de-DE" dirty="0"/>
-              <a:t>In diesem Folienmaster ist die Farbpalette festgelegt.</a:t>
-            </a:r>
-          </a:p>
-          <a:p>
-            <a:endParaRPr lang="de-DE" dirty="0"/>
-          </a:p>
-          <a:p>
-            <a:r>
-              <a:rPr lang="de-DE" dirty="0"/>
-              <a:t>Zuerst mit den Primärfarben arbeiten.</a:t>
-            </a:r>
-          </a:p>
-          <a:p>
-            <a:endParaRPr lang="de-DE" dirty="0"/>
-          </a:p>
-          <a:p>
-            <a:endParaRPr lang="de-DE" dirty="0"/>
-          </a:p>
-          <a:p>
-            <a:r>
-              <a:rPr lang="de-DE" dirty="0"/>
-              <a:t>Für z.B. komplexe Diagramme stehen noch Sekundärfarben zur Verfügung.</a:t>
-            </a:r>
-          </a:p>
-          <a:p>
-            <a:endParaRPr lang="de-DE" dirty="0"/>
-          </a:p>
-          <a:p>
-            <a:endParaRPr lang="de-DE" dirty="0"/>
-          </a:p>
-          <a:p>
-            <a:r>
-              <a:rPr lang="de-DE" dirty="0"/>
-              <a:t>Gering im Einsatz sind die Akzentfarben.</a:t>
-            </a:r>
-          </a:p>
-          <a:p>
-            <a:endParaRPr lang="de-DE" dirty="0"/>
-          </a:p>
-        </p:txBody>
-      </p:sp>
-      <p:sp>
-        <p:nvSpPr>
-          <p:cNvPr id="3" name="Titel 2"/>
-          <p:cNvSpPr>
-            <a:spLocks noGrp="1"/>
-          </p:cNvSpPr>
-          <p:nvPr>
-            <p:ph type="title"/>
-          </p:nvPr>
-        </p:nvSpPr>
-        <p:spPr/>
-        <p:txBody>
-          <a:bodyPr/>
-          <a:lstStyle/>
-          <a:p>
-            <a:r>
-              <a:rPr lang="de-DE"/>
-              <a:t>Farben</a:t>
-            </a:r>
-            <a:endParaRPr lang="de-DE" dirty="0"/>
-          </a:p>
-        </p:txBody>
-      </p:sp>
-      <p:sp>
-        <p:nvSpPr>
-          <p:cNvPr id="4" name="Foliennummernplatzhalter 3"/>
-          <p:cNvSpPr>
-            <a:spLocks noGrp="1"/>
-          </p:cNvSpPr>
-          <p:nvPr>
-            <p:ph type="sldNum" sz="quarter" idx="11"/>
-          </p:nvPr>
-        </p:nvSpPr>
-        <p:spPr/>
-        <p:txBody>
-          <a:bodyPr/>
-          <a:lstStyle/>
-          <a:p>
-            <a:fld id="{CE58CB1E-F828-4F11-99E0-327109AF9DA4}" type="slidenum">
-              <a:rPr lang="de-DE" smtClean="0"/>
-              <a:pPr/>
-              <a:t>8</a:t>
-            </a:fld>
-            <a:endParaRPr lang="de-DE" dirty="0"/>
+            <a:endParaRPr lang="en-US" noProof="0" dirty="0"/>
           </a:p>
         </p:txBody>
       </p:sp>
@@ -12314,18 +8208,78 @@
           <a:lstStyle/>
           <a:p>
             <a:r>
-              <a:rPr lang="de-DE" dirty="0"/>
+              <a:rPr lang="en-US" noProof="0" dirty="0"/>
               <a:t>Dr. </a:t>
             </a:r>
             <a:r>
-              <a:rPr lang="de-DE" dirty="0" err="1"/>
+              <a:rPr lang="en-US" noProof="0" dirty="0" err="1"/>
               <a:t>rer</a:t>
             </a:r>
             <a:r>
-              <a:rPr lang="de-DE" dirty="0"/>
-              <a:t>. nat. Erika Mustermann (TUM) | kann beliebig erweitert werden | Infos mit Strich trennen</a:t>
-            </a:r>
-            <a:endParaRPr lang="en-US" dirty="0"/>
+              <a:rPr lang="en-US" noProof="0" dirty="0"/>
+              <a:t>. nat. Erika </a:t>
+            </a:r>
+            <a:r>
+              <a:rPr lang="en-US" noProof="0" dirty="0" err="1"/>
+              <a:t>Mustermann</a:t>
+            </a:r>
+            <a:r>
+              <a:rPr lang="en-US" noProof="0" dirty="0"/>
+              <a:t> (TUM) | </a:t>
+            </a:r>
+            <a:r>
+              <a:rPr lang="en-US" noProof="0" dirty="0" err="1"/>
+              <a:t>kann</a:t>
+            </a:r>
+            <a:r>
+              <a:rPr lang="en-US" noProof="0" dirty="0"/>
+              <a:t> </a:t>
+            </a:r>
+            <a:r>
+              <a:rPr lang="en-US" noProof="0" dirty="0" err="1"/>
+              <a:t>beliebig</a:t>
+            </a:r>
+            <a:r>
+              <a:rPr lang="en-US" noProof="0" dirty="0"/>
+              <a:t> </a:t>
+            </a:r>
+            <a:r>
+              <a:rPr lang="en-US" noProof="0" dirty="0" err="1"/>
+              <a:t>erweitert</a:t>
+            </a:r>
+            <a:r>
+              <a:rPr lang="en-US" noProof="0" dirty="0"/>
+              <a:t> </a:t>
+            </a:r>
+            <a:r>
+              <a:rPr lang="en-US" noProof="0" dirty="0" err="1"/>
+              <a:t>werden</a:t>
+            </a:r>
+            <a:r>
+              <a:rPr lang="en-US" noProof="0" dirty="0"/>
+              <a:t> | </a:t>
+            </a:r>
+            <a:r>
+              <a:rPr lang="en-US" noProof="0" dirty="0" err="1"/>
+              <a:t>Infos</a:t>
+            </a:r>
+            <a:r>
+              <a:rPr lang="en-US" noProof="0" dirty="0"/>
+              <a:t> </a:t>
+            </a:r>
+            <a:r>
+              <a:rPr lang="en-US" noProof="0" dirty="0" err="1"/>
+              <a:t>mit</a:t>
+            </a:r>
+            <a:r>
+              <a:rPr lang="en-US" noProof="0" dirty="0"/>
+              <a:t> Strich </a:t>
+            </a:r>
+            <a:r>
+              <a:rPr lang="en-US" noProof="0" dirty="0" err="1"/>
+              <a:t>trennen</a:t>
+            </a:r>
+            <a:endParaRPr lang="en-US" noProof="0" dirty="0"/>
           </a:p>
         </p:txBody>
       </p:sp>
@@ -12380,7 +8334,7 @@
                 <a:spcPct val="114000"/>
               </a:lnSpc>
             </a:pPr>
-            <a:endParaRPr lang="de-DE" dirty="0">
+            <a:endParaRPr lang="en-US" noProof="0" dirty="0">
               <a:solidFill>
                 <a:schemeClr val="accent1"/>
               </a:solidFill>
@@ -12439,7 +8393,7 @@
                 <a:spcPct val="114000"/>
               </a:lnSpc>
             </a:pPr>
-            <a:endParaRPr lang="de-DE" dirty="0">
+            <a:endParaRPr lang="en-US" noProof="0" dirty="0">
               <a:solidFill>
                 <a:schemeClr val="tx1"/>
               </a:solidFill>
@@ -12504,7 +8458,7 @@
                 <a:spcPct val="114000"/>
               </a:lnSpc>
             </a:pPr>
-            <a:endParaRPr lang="de-DE" dirty="0"/>
+            <a:endParaRPr lang="en-US" noProof="0" dirty="0"/>
           </a:p>
         </p:txBody>
       </p:sp>
@@ -12559,7 +8513,7 @@
                 <a:spcPct val="114000"/>
               </a:lnSpc>
             </a:pPr>
-            <a:endParaRPr lang="de-DE" dirty="0"/>
+            <a:endParaRPr lang="en-US" noProof="0" dirty="0"/>
           </a:p>
         </p:txBody>
       </p:sp>
@@ -12614,7 +8568,7 @@
                 <a:spcPct val="114000"/>
               </a:lnSpc>
             </a:pPr>
-            <a:endParaRPr lang="de-DE" dirty="0"/>
+            <a:endParaRPr lang="en-US" noProof="0" dirty="0"/>
           </a:p>
         </p:txBody>
       </p:sp>
@@ -12669,7 +8623,7 @@
                 <a:spcPct val="114000"/>
               </a:lnSpc>
             </a:pPr>
-            <a:endParaRPr lang="de-DE" dirty="0"/>
+            <a:endParaRPr lang="en-US" noProof="0" dirty="0"/>
           </a:p>
         </p:txBody>
       </p:sp>
@@ -12724,7 +8678,7 @@
                 <a:spcPct val="114000"/>
               </a:lnSpc>
             </a:pPr>
-            <a:endParaRPr lang="de-DE" dirty="0"/>
+            <a:endParaRPr lang="en-US" noProof="0" dirty="0"/>
           </a:p>
         </p:txBody>
       </p:sp>
@@ -12779,7 +8733,7 @@
                 <a:spcPct val="114000"/>
               </a:lnSpc>
             </a:pPr>
-            <a:endParaRPr lang="de-DE" dirty="0"/>
+            <a:endParaRPr lang="en-US" noProof="0" dirty="0"/>
           </a:p>
         </p:txBody>
       </p:sp>
@@ -12834,7 +8788,7 @@
                 <a:spcPct val="114000"/>
               </a:lnSpc>
             </a:pPr>
-            <a:endParaRPr lang="de-DE" dirty="0"/>
+            <a:endParaRPr lang="en-US" noProof="0" dirty="0"/>
           </a:p>
         </p:txBody>
       </p:sp>
@@ -12889,7 +8843,7 @@
                 <a:spcPct val="114000"/>
               </a:lnSpc>
             </a:pPr>
-            <a:endParaRPr lang="de-DE" dirty="0"/>
+            <a:endParaRPr lang="en-US" noProof="0" dirty="0"/>
           </a:p>
         </p:txBody>
       </p:sp>
@@ -12901,7 +8855,149 @@
 </p:sld>
 </file>
 
-<file path=ppt/slides/slide9.xml><?xml version="1.0" encoding="utf-8"?>
+<file path=ppt/slides/slide12.xml><?xml version="1.0" encoding="utf-8"?>
+<p:sld xmlns:a="http://schemas.openxmlformats.org/drawingml/2006/main" xmlns:r="http://schemas.openxmlformats.org/officeDocument/2006/relationships" xmlns:p="http://schemas.openxmlformats.org/presentationml/2006/main">
+  <p:cSld>
+    <p:spTree>
+      <p:nvGrpSpPr>
+        <p:cNvPr id="1" name="">
+          <a:extLst>
+            <a:ext uri="{FF2B5EF4-FFF2-40B4-BE49-F238E27FC236}">
+              <a16:creationId xmlns:a16="http://schemas.microsoft.com/office/drawing/2014/main" id="{A91A8A0D-B43D-1529-9A9B-8C7055BAF685}"/>
+            </a:ext>
+          </a:extLst>
+        </p:cNvPr>
+        <p:cNvGrpSpPr/>
+        <p:nvPr/>
+      </p:nvGrpSpPr>
+      <p:grpSpPr>
+        <a:xfrm>
+          <a:off x="0" y="0"/>
+          <a:ext cx="0" cy="0"/>
+          <a:chOff x="0" y="0"/>
+          <a:chExt cx="0" cy="0"/>
+        </a:xfrm>
+      </p:grpSpPr>
+      <p:sp>
+        <p:nvSpPr>
+          <p:cNvPr id="2" name="Inhaltsplatzhalter 1">
+            <a:extLst>
+              <a:ext uri="{FF2B5EF4-FFF2-40B4-BE49-F238E27FC236}">
+                <a16:creationId xmlns:a16="http://schemas.microsoft.com/office/drawing/2014/main" id="{FC03C78B-85C1-7420-2256-E4BBD56A5DF7}"/>
+              </a:ext>
+            </a:extLst>
+          </p:cNvPr>
+          <p:cNvSpPr>
+            <a:spLocks noGrp="1"/>
+          </p:cNvSpPr>
+          <p:nvPr>
+            <p:ph idx="1"/>
+          </p:nvPr>
+        </p:nvSpPr>
+        <p:spPr>
+          <a:xfrm>
+            <a:off x="319090" y="1220495"/>
+            <a:ext cx="8508999" cy="2998470"/>
+          </a:xfrm>
+        </p:spPr>
+        <p:txBody>
+          <a:bodyPr/>
+          <a:lstStyle/>
+          <a:p>
+            <a:r>
+              <a:rPr lang="en-US" dirty="0"/>
+              <a:t>[1] </a:t>
+            </a:r>
+            <a:r>
+              <a:rPr lang="en-US" dirty="0">
+                <a:hlinkClick r:id="rId2"/>
+              </a:rPr>
+              <a:t>https://developer.nvidia.com/gpugems/gpugems3/part-v-physics-simulation/chapter-31-fast-n-body-simulation-cuda</a:t>
+            </a:r>
+            <a:endParaRPr lang="en-US" dirty="0"/>
+          </a:p>
+          <a:p>
+            <a:endParaRPr lang="en-US" dirty="0"/>
+          </a:p>
+        </p:txBody>
+      </p:sp>
+      <p:sp>
+        <p:nvSpPr>
+          <p:cNvPr id="3" name="Titel 2">
+            <a:extLst>
+              <a:ext uri="{FF2B5EF4-FFF2-40B4-BE49-F238E27FC236}">
+                <a16:creationId xmlns:a16="http://schemas.microsoft.com/office/drawing/2014/main" id="{2B6450CF-BAF3-4381-4DB6-D7395FEB1F04}"/>
+              </a:ext>
+            </a:extLst>
+          </p:cNvPr>
+          <p:cNvSpPr>
+            <a:spLocks noGrp="1"/>
+          </p:cNvSpPr>
+          <p:nvPr>
+            <p:ph type="title"/>
+          </p:nvPr>
+        </p:nvSpPr>
+        <p:spPr>
+          <a:xfrm>
+            <a:off x="319090" y="611537"/>
+            <a:ext cx="8508999" cy="380810"/>
+          </a:xfrm>
+        </p:spPr>
+        <p:txBody>
+          <a:bodyPr/>
+          <a:lstStyle/>
+          <a:p>
+            <a:r>
+              <a:rPr lang="en-US" dirty="0"/>
+              <a:t>References</a:t>
+            </a:r>
+          </a:p>
+        </p:txBody>
+      </p:sp>
+      <p:sp>
+        <p:nvSpPr>
+          <p:cNvPr id="4" name="Foliennummernplatzhalter 3">
+            <a:extLst>
+              <a:ext uri="{FF2B5EF4-FFF2-40B4-BE49-F238E27FC236}">
+                <a16:creationId xmlns:a16="http://schemas.microsoft.com/office/drawing/2014/main" id="{12CEE7E5-79B4-3CD5-DC19-EDBA2AEB11C8}"/>
+              </a:ext>
+            </a:extLst>
+          </p:cNvPr>
+          <p:cNvSpPr>
+            <a:spLocks noGrp="1"/>
+          </p:cNvSpPr>
+          <p:nvPr>
+            <p:ph type="sldNum" sz="quarter" idx="11"/>
+          </p:nvPr>
+        </p:nvSpPr>
+        <p:spPr/>
+        <p:txBody>
+          <a:bodyPr/>
+          <a:lstStyle/>
+          <a:p>
+            <a:fld id="{CE58CB1E-F828-4F11-99E0-327109AF9DA4}" type="slidenum">
+              <a:rPr lang="en-US" noProof="0" smtClean="0"/>
+              <a:pPr/>
+              <a:t>12</a:t>
+            </a:fld>
+            <a:endParaRPr lang="en-US" noProof="0" dirty="0"/>
+          </a:p>
+        </p:txBody>
+      </p:sp>
+    </p:spTree>
+    <p:extLst>
+      <p:ext uri="{BB962C8B-B14F-4D97-AF65-F5344CB8AC3E}">
+        <p14:creationId xmlns:p14="http://schemas.microsoft.com/office/powerpoint/2010/main" val="959273546"/>
+      </p:ext>
+    </p:extLst>
+  </p:cSld>
+  <p:clrMapOvr>
+    <a:masterClrMapping/>
+  </p:clrMapOvr>
+</p:sld>
+</file>
+
+<file path=ppt/slides/slide2.xml><?xml version="1.0" encoding="utf-8"?>
 <p:sld xmlns:a="http://schemas.openxmlformats.org/drawingml/2006/main" xmlns:r="http://schemas.openxmlformats.org/officeDocument/2006/relationships" xmlns:p="http://schemas.openxmlformats.org/presentationml/2006/main">
   <p:cSld>
     <p:spTree>
@@ -12928,266 +9024,120 @@
             <p:ph idx="1"/>
           </p:nvPr>
         </p:nvSpPr>
-        <p:spPr/>
+        <p:spPr>
+          <a:xfrm>
+            <a:off x="319090" y="1220495"/>
+            <a:ext cx="8508999" cy="2998470"/>
+          </a:xfrm>
+        </p:spPr>
         <p:txBody>
           <a:bodyPr/>
           <a:lstStyle/>
           <a:p>
-            <a:r>
-              <a:rPr lang="de-DE" dirty="0"/>
-              <a:t>Kurze und knappe Texte, Fließtexte linksbündig, kein Blocksatz</a:t>
-            </a:r>
-          </a:p>
-          <a:p>
-            <a:endParaRPr lang="de-DE" dirty="0"/>
-          </a:p>
-          <a:p>
-            <a:r>
-              <a:rPr lang="de-DE" dirty="0"/>
-              <a:t>Beispiel:</a:t>
-            </a:r>
-          </a:p>
-          <a:p>
-            <a:r>
-              <a:rPr lang="de-DE" dirty="0" err="1"/>
-              <a:t>Tem</a:t>
-            </a:r>
-            <a:r>
-              <a:rPr lang="de-DE" dirty="0"/>
-              <a:t> </a:t>
-            </a:r>
-            <a:r>
-              <a:rPr lang="de-DE" dirty="0" err="1"/>
-              <a:t>soluptam</a:t>
-            </a:r>
-            <a:r>
-              <a:rPr lang="de-DE" dirty="0"/>
-              <a:t>, </a:t>
-            </a:r>
-            <a:r>
-              <a:rPr lang="de-DE" dirty="0" err="1"/>
-              <a:t>nisi</a:t>
-            </a:r>
-            <a:r>
-              <a:rPr lang="de-DE" dirty="0"/>
-              <a:t> </a:t>
-            </a:r>
-            <a:r>
-              <a:rPr lang="de-DE" dirty="0" err="1"/>
-              <a:t>as</a:t>
-            </a:r>
-            <a:r>
-              <a:rPr lang="de-DE" dirty="0"/>
-              <a:t> </a:t>
-            </a:r>
-            <a:r>
-              <a:rPr lang="de-DE" dirty="0" err="1"/>
-              <a:t>verum</a:t>
-            </a:r>
-            <a:r>
-              <a:rPr lang="de-DE" dirty="0"/>
-              <a:t> </a:t>
-            </a:r>
-            <a:r>
-              <a:rPr lang="de-DE" dirty="0" err="1"/>
-              <a:t>ereprehendam</a:t>
-            </a:r>
-            <a:r>
-              <a:rPr lang="de-DE" dirty="0"/>
-              <a:t> </a:t>
-            </a:r>
-            <a:r>
-              <a:rPr lang="de-DE" dirty="0" err="1"/>
-              <a:t>at</a:t>
-            </a:r>
-            <a:r>
-              <a:rPr lang="de-DE" dirty="0"/>
-              <a:t> </a:t>
-            </a:r>
-            <a:r>
-              <a:rPr lang="de-DE" dirty="0" err="1"/>
-              <a:t>acculpa</a:t>
-            </a:r>
-            <a:r>
-              <a:rPr lang="de-DE" dirty="0"/>
-              <a:t> </a:t>
-            </a:r>
-            <a:r>
-              <a:rPr lang="de-DE" dirty="0" err="1"/>
-              <a:t>quidisq</a:t>
-            </a:r>
-            <a:r>
-              <a:rPr lang="de-DE" dirty="0"/>
-              <a:t> </a:t>
-            </a:r>
-            <a:r>
-              <a:rPr lang="de-DE" dirty="0" err="1"/>
-              <a:t>uissit</a:t>
-            </a:r>
-            <a:r>
-              <a:rPr lang="de-DE" dirty="0"/>
-              <a:t> </a:t>
-            </a:r>
-            <a:r>
-              <a:rPr lang="de-DE" dirty="0" err="1"/>
-              <a:t>volupta</a:t>
-            </a:r>
-            <a:r>
-              <a:rPr lang="de-DE" dirty="0"/>
-              <a:t> </a:t>
-            </a:r>
-            <a:r>
-              <a:rPr lang="de-DE" dirty="0" err="1"/>
-              <a:t>tusdant</a:t>
-            </a:r>
-            <a:r>
-              <a:rPr lang="de-DE" dirty="0"/>
-              <a:t> </a:t>
-            </a:r>
-            <a:r>
-              <a:rPr lang="de-DE" dirty="0" err="1"/>
-              <a:t>utem</a:t>
-            </a:r>
-            <a:r>
-              <a:rPr lang="de-DE" dirty="0"/>
-              <a:t> </a:t>
-            </a:r>
-            <a:r>
-              <a:rPr lang="de-DE" dirty="0" err="1"/>
-              <a:t>as</a:t>
-            </a:r>
-            <a:r>
-              <a:rPr lang="de-DE" dirty="0"/>
-              <a:t> </a:t>
-            </a:r>
-            <a:r>
-              <a:rPr lang="de-DE" dirty="0" err="1"/>
-              <a:t>etur</a:t>
-            </a:r>
-            <a:r>
-              <a:rPr lang="de-DE" dirty="0"/>
-              <a:t>, </a:t>
-            </a:r>
-            <a:r>
-              <a:rPr lang="de-DE" dirty="0" err="1"/>
-              <a:t>odi</a:t>
-            </a:r>
-            <a:r>
-              <a:rPr lang="de-DE" dirty="0"/>
-              <a:t> </a:t>
-            </a:r>
-            <a:r>
-              <a:rPr lang="de-DE" dirty="0" err="1"/>
-              <a:t>odis</a:t>
-            </a:r>
-            <a:r>
-              <a:rPr lang="de-DE" dirty="0"/>
-              <a:t> es </a:t>
-            </a:r>
-            <a:r>
-              <a:rPr lang="de-DE" dirty="0" err="1"/>
-              <a:t>doluptiae</a:t>
-            </a:r>
-            <a:r>
-              <a:rPr lang="de-DE" dirty="0"/>
-              <a:t> dem </a:t>
-            </a:r>
-            <a:r>
-              <a:rPr lang="de-DE" dirty="0" err="1"/>
-              <a:t>nimaion</a:t>
-            </a:r>
-            <a:r>
-              <a:rPr lang="de-DE" dirty="0"/>
-              <a:t> </a:t>
-            </a:r>
-            <a:r>
-              <a:rPr lang="de-DE" dirty="0" err="1"/>
-              <a:t>con</a:t>
-            </a:r>
-            <a:r>
-              <a:rPr lang="de-DE" dirty="0"/>
-              <a:t> </a:t>
-            </a:r>
-            <a:r>
-              <a:rPr lang="de-DE" dirty="0" err="1"/>
-              <a:t>nossinctenis</a:t>
-            </a:r>
-            <a:r>
-              <a:rPr lang="de-DE" dirty="0"/>
-              <a:t> </a:t>
-            </a:r>
-            <a:r>
-              <a:rPr lang="de-DE" dirty="0" err="1"/>
-              <a:t>pora</a:t>
-            </a:r>
-            <a:r>
-              <a:rPr lang="de-DE" dirty="0"/>
-              <a:t> </a:t>
-            </a:r>
-            <a:r>
-              <a:rPr lang="de-DE" dirty="0" err="1"/>
-              <a:t>quam</a:t>
-            </a:r>
-            <a:r>
-              <a:rPr lang="de-DE" dirty="0"/>
-              <a:t> </a:t>
-            </a:r>
-            <a:r>
-              <a:rPr lang="de-DE" dirty="0" err="1"/>
-              <a:t>voloria</a:t>
-            </a:r>
-            <a:r>
-              <a:rPr lang="de-DE" dirty="0"/>
-              <a:t> </a:t>
-            </a:r>
-            <a:r>
-              <a:rPr lang="de-DE" dirty="0" err="1"/>
-              <a:t>consenimus</a:t>
-            </a:r>
-            <a:r>
-              <a:rPr lang="de-DE" dirty="0"/>
-              <a:t> </a:t>
-            </a:r>
-            <a:r>
-              <a:rPr lang="de-DE" dirty="0" err="1"/>
-              <a:t>blabore</a:t>
-            </a:r>
-            <a:r>
-              <a:rPr lang="de-DE" dirty="0"/>
-              <a:t> </a:t>
-            </a:r>
-            <a:r>
-              <a:rPr lang="de-DE" dirty="0" err="1"/>
-              <a:t>everfer</a:t>
-            </a:r>
-            <a:r>
-              <a:rPr lang="de-DE" dirty="0"/>
-              <a:t> </a:t>
-            </a:r>
-            <a:r>
-              <a:rPr lang="de-DE" dirty="0" err="1"/>
-              <a:t>epeliquo</a:t>
-            </a:r>
-            <a:r>
-              <a:rPr lang="de-DE" dirty="0"/>
-              <a:t> </a:t>
-            </a:r>
-            <a:r>
-              <a:rPr lang="de-DE" dirty="0" err="1"/>
-              <a:t>maio</a:t>
-            </a:r>
-            <a:r>
-              <a:rPr lang="de-DE" dirty="0"/>
-              <a:t> </a:t>
-            </a:r>
-            <a:r>
-              <a:rPr lang="de-DE" dirty="0" err="1"/>
-              <a:t>etur</a:t>
-            </a:r>
-            <a:r>
-              <a:rPr lang="de-DE" dirty="0"/>
-              <a:t>.</a:t>
-            </a:r>
+            <a:pPr marL="285750" indent="-285750">
+              <a:buFont typeface="Arial" panose="020B0604020202020204" pitchFamily="34" charset="0"/>
+              <a:buChar char="•"/>
+            </a:pPr>
+            <a:r>
+              <a:rPr lang="en-US" noProof="0" dirty="0"/>
+              <a:t>Introduction to N-Body Problems</a:t>
+            </a:r>
+          </a:p>
+          <a:p>
+            <a:pPr marL="285750" indent="-285750">
+              <a:buFont typeface="Arial" panose="020B0604020202020204" pitchFamily="34" charset="0"/>
+              <a:buChar char="•"/>
+            </a:pPr>
+            <a:r>
+              <a:rPr lang="en-US" dirty="0"/>
+              <a:t>Physics for Stellar Systems</a:t>
+            </a:r>
+          </a:p>
+          <a:p>
+            <a:pPr marL="285750" indent="-285750">
+              <a:buFont typeface="Arial" panose="020B0604020202020204" pitchFamily="34" charset="0"/>
+              <a:buChar char="•"/>
+            </a:pPr>
+            <a:r>
+              <a:rPr lang="en-US" dirty="0"/>
+              <a:t>Interaction Methods</a:t>
+            </a:r>
+          </a:p>
+          <a:p>
+            <a:pPr marL="285750" indent="-285750">
+              <a:buFont typeface="Arial" panose="020B0604020202020204" pitchFamily="34" charset="0"/>
+              <a:buChar char="•"/>
+            </a:pPr>
+            <a:r>
+              <a:rPr lang="en-US" noProof="0" dirty="0"/>
+              <a:t>Position Integration </a:t>
+            </a:r>
+            <a:r>
+              <a:rPr lang="en-US" dirty="0"/>
+              <a:t>Methods</a:t>
+            </a:r>
+            <a:endParaRPr lang="en-US" noProof="0" dirty="0"/>
+          </a:p>
+          <a:p>
+            <a:pPr marL="285750" indent="-285750">
+              <a:buFont typeface="Arial" panose="020B0604020202020204" pitchFamily="34" charset="0"/>
+              <a:buChar char="•"/>
+            </a:pPr>
+            <a:r>
+              <a:rPr lang="en-US" dirty="0"/>
+              <a:t>Nvidia’s N-Body Algorithm</a:t>
+            </a:r>
+          </a:p>
+          <a:p>
+            <a:pPr marL="285750" indent="-285750">
+              <a:buFont typeface="Arial" panose="020B0604020202020204" pitchFamily="34" charset="0"/>
+              <a:buChar char="•"/>
+            </a:pPr>
+            <a:r>
+              <a:rPr lang="en-US" dirty="0"/>
+              <a:t>Code Samples</a:t>
+            </a:r>
+          </a:p>
+          <a:p>
+            <a:pPr marL="285750" indent="-285750">
+              <a:buFont typeface="Arial" panose="020B0604020202020204" pitchFamily="34" charset="0"/>
+              <a:buChar char="•"/>
+            </a:pPr>
+            <a:r>
+              <a:rPr lang="en-US" dirty="0"/>
+              <a:t>Performance</a:t>
+            </a:r>
+          </a:p>
+          <a:p>
+            <a:pPr marL="285750" indent="-285750">
+              <a:buFont typeface="Arial" panose="020B0604020202020204" pitchFamily="34" charset="0"/>
+              <a:buChar char="•"/>
+            </a:pPr>
+            <a:r>
+              <a:rPr lang="en-US" dirty="0"/>
+              <a:t>Visual Examples</a:t>
+            </a:r>
+          </a:p>
+          <a:p>
+            <a:pPr marL="285750" indent="-285750">
+              <a:buFont typeface="Arial" panose="020B0604020202020204" pitchFamily="34" charset="0"/>
+              <a:buChar char="•"/>
+            </a:pPr>
+            <a:endParaRPr lang="en-US" dirty="0"/>
+          </a:p>
+          <a:p>
+            <a:pPr marL="285750" indent="-285750">
+              <a:buFont typeface="Arial" panose="020B0604020202020204" pitchFamily="34" charset="0"/>
+              <a:buChar char="•"/>
+            </a:pPr>
+            <a:endParaRPr lang="en-US" dirty="0"/>
+          </a:p>
+          <a:p>
+            <a:pPr marL="285750" indent="-285750">
+              <a:buFont typeface="Arial" panose="020B0604020202020204" pitchFamily="34" charset="0"/>
+              <a:buChar char="•"/>
+            </a:pPr>
+            <a:endParaRPr lang="en-US" noProof="0" dirty="0"/>
           </a:p>
         </p:txBody>
       </p:sp>
@@ -13201,14 +9151,19 @@
             <p:ph type="title"/>
           </p:nvPr>
         </p:nvSpPr>
-        <p:spPr/>
+        <p:spPr>
+          <a:xfrm>
+            <a:off x="319090" y="611537"/>
+            <a:ext cx="8508999" cy="380810"/>
+          </a:xfrm>
+        </p:spPr>
         <p:txBody>
           <a:bodyPr/>
           <a:lstStyle/>
           <a:p>
             <a:r>
-              <a:rPr lang="de-DE" dirty="0"/>
-              <a:t>Texte</a:t>
+              <a:rPr lang="en-US" noProof="0" dirty="0"/>
+              <a:t>Outline</a:t>
             </a:r>
           </a:p>
         </p:txBody>
@@ -13229,38 +9184,1208 @@
           <a:lstStyle/>
           <a:p>
             <a:fld id="{CE58CB1E-F828-4F11-99E0-327109AF9DA4}" type="slidenum">
-              <a:rPr lang="de-DE" smtClean="0"/>
+              <a:rPr lang="en-US" noProof="0" smtClean="0"/>
               <a:pPr/>
-              <a:t>9</a:t>
+              <a:t>2</a:t>
             </a:fld>
-            <a:endParaRPr lang="de-DE" dirty="0"/>
-          </a:p>
-        </p:txBody>
-      </p:sp>
-      <p:sp>
-        <p:nvSpPr>
-          <p:cNvPr id="6" name="Fußzeilenplatzhalter 4"/>
+            <a:endParaRPr lang="en-US" noProof="0" dirty="0"/>
+          </a:p>
+        </p:txBody>
+      </p:sp>
+    </p:spTree>
+  </p:cSld>
+  <p:clrMapOvr>
+    <a:masterClrMapping/>
+  </p:clrMapOvr>
+</p:sld>
+</file>
+
+<file path=ppt/slides/slide3.xml><?xml version="1.0" encoding="utf-8"?>
+<p:sld xmlns:a="http://schemas.openxmlformats.org/drawingml/2006/main" xmlns:r="http://schemas.openxmlformats.org/officeDocument/2006/relationships" xmlns:p="http://schemas.openxmlformats.org/presentationml/2006/main">
+  <p:cSld>
+    <p:spTree>
+      <p:nvGrpSpPr>
+        <p:cNvPr id="1" name="">
+          <a:extLst>
+            <a:ext uri="{FF2B5EF4-FFF2-40B4-BE49-F238E27FC236}">
+              <a16:creationId xmlns:a16="http://schemas.microsoft.com/office/drawing/2014/main" id="{C9361D5D-6132-3665-1F7B-6872CBFACB8D}"/>
+            </a:ext>
+          </a:extLst>
+        </p:cNvPr>
+        <p:cNvGrpSpPr/>
+        <p:nvPr/>
+      </p:nvGrpSpPr>
+      <p:grpSpPr>
+        <a:xfrm>
+          <a:off x="0" y="0"/>
+          <a:ext cx="0" cy="0"/>
+          <a:chOff x="0" y="0"/>
+          <a:chExt cx="0" cy="0"/>
+        </a:xfrm>
+      </p:grpSpPr>
+      <p:sp>
+        <p:nvSpPr>
+          <p:cNvPr id="2" name="Inhaltsplatzhalter 1">
+            <a:extLst>
+              <a:ext uri="{FF2B5EF4-FFF2-40B4-BE49-F238E27FC236}">
+                <a16:creationId xmlns:a16="http://schemas.microsoft.com/office/drawing/2014/main" id="{1199BC0B-2B66-5E8E-816B-162C53888609}"/>
+              </a:ext>
+            </a:extLst>
+          </p:cNvPr>
           <p:cNvSpPr>
             <a:spLocks noGrp="1"/>
           </p:cNvSpPr>
           <p:nvPr>
-            <p:ph type="ftr" sz="quarter" idx="12"/>
+            <p:ph idx="1"/>
           </p:nvPr>
         </p:nvSpPr>
-        <p:spPr/>
+        <p:spPr>
+          <a:xfrm>
+            <a:off x="319090" y="1220495"/>
+            <a:ext cx="8508999" cy="2998470"/>
+          </a:xfrm>
+        </p:spPr>
         <p:txBody>
           <a:bodyPr/>
           <a:lstStyle/>
           <a:p>
             <a:r>
-              <a:rPr lang="de-DE"/>
-              <a:t>Dr. rer. nat. Erika Mustermann (TUM) | kann beliebig erweitert werden | Infos mit Strich trennen</a:t>
-            </a:r>
+              <a:rPr lang="en-US" noProof="0" dirty="0"/>
+              <a:t>-multiple bodies interacting </a:t>
+            </a:r>
+            <a:r>
+              <a:rPr lang="en-US" dirty="0"/>
+              <a:t>with each other based on some physical law</a:t>
+            </a:r>
+            <a:br>
+              <a:rPr lang="en-US" dirty="0"/>
+            </a:br>
+            <a:r>
+              <a:rPr lang="en-US" dirty="0"/>
+              <a:t>-&gt; forces between each particle</a:t>
+            </a:r>
+          </a:p>
+          <a:p>
+            <a:r>
+              <a:rPr lang="en-US" dirty="0"/>
+              <a:t>-&gt; e.g. gravitation or molecular dynamics (</a:t>
+            </a:r>
+            <a:r>
+              <a:rPr lang="en-US" dirty="0" err="1"/>
+              <a:t>dna</a:t>
+            </a:r>
+            <a:r>
+              <a:rPr lang="en-US" dirty="0"/>
+              <a:t>/protein interactions, protein folding)</a:t>
+            </a:r>
+          </a:p>
+        </p:txBody>
+      </p:sp>
+      <p:sp>
+        <p:nvSpPr>
+          <p:cNvPr id="3" name="Titel 2">
+            <a:extLst>
+              <a:ext uri="{FF2B5EF4-FFF2-40B4-BE49-F238E27FC236}">
+                <a16:creationId xmlns:a16="http://schemas.microsoft.com/office/drawing/2014/main" id="{CF1F882D-CDA3-80B5-E454-5C18A6669702}"/>
+              </a:ext>
+            </a:extLst>
+          </p:cNvPr>
+          <p:cNvSpPr>
+            <a:spLocks noGrp="1"/>
+          </p:cNvSpPr>
+          <p:nvPr>
+            <p:ph type="title"/>
+          </p:nvPr>
+        </p:nvSpPr>
+        <p:spPr>
+          <a:xfrm>
+            <a:off x="319090" y="611537"/>
+            <a:ext cx="8508999" cy="380810"/>
+          </a:xfrm>
+        </p:spPr>
+        <p:txBody>
+          <a:bodyPr/>
+          <a:lstStyle/>
+          <a:p>
+            <a:r>
+              <a:rPr lang="en-US" dirty="0"/>
+              <a:t>Introduction to N-Body Problems</a:t>
+            </a:r>
+          </a:p>
+        </p:txBody>
+      </p:sp>
+      <p:sp>
+        <p:nvSpPr>
+          <p:cNvPr id="4" name="Foliennummernplatzhalter 3">
+            <a:extLst>
+              <a:ext uri="{FF2B5EF4-FFF2-40B4-BE49-F238E27FC236}">
+                <a16:creationId xmlns:a16="http://schemas.microsoft.com/office/drawing/2014/main" id="{C21D1307-233B-BD1A-8E0F-B15C59456695}"/>
+              </a:ext>
+            </a:extLst>
+          </p:cNvPr>
+          <p:cNvSpPr>
+            <a:spLocks noGrp="1"/>
+          </p:cNvSpPr>
+          <p:nvPr>
+            <p:ph type="sldNum" sz="quarter" idx="11"/>
+          </p:nvPr>
+        </p:nvSpPr>
+        <p:spPr/>
+        <p:txBody>
+          <a:bodyPr/>
+          <a:lstStyle/>
+          <a:p>
+            <a:fld id="{CE58CB1E-F828-4F11-99E0-327109AF9DA4}" type="slidenum">
+              <a:rPr lang="en-US" noProof="0" smtClean="0"/>
+              <a:pPr/>
+              <a:t>3</a:t>
+            </a:fld>
+            <a:endParaRPr lang="en-US" noProof="0" dirty="0"/>
+          </a:p>
+        </p:txBody>
+      </p:sp>
+    </p:spTree>
+    <p:extLst>
+      <p:ext uri="{BB962C8B-B14F-4D97-AF65-F5344CB8AC3E}">
+        <p14:creationId xmlns:p14="http://schemas.microsoft.com/office/powerpoint/2010/main" val="2280772207"/>
+      </p:ext>
+    </p:extLst>
+  </p:cSld>
+  <p:clrMapOvr>
+    <a:masterClrMapping/>
+  </p:clrMapOvr>
+</p:sld>
+</file>
+
+<file path=ppt/slides/slide4.xml><?xml version="1.0" encoding="utf-8"?>
+<p:sld xmlns:a="http://schemas.openxmlformats.org/drawingml/2006/main" xmlns:r="http://schemas.openxmlformats.org/officeDocument/2006/relationships" xmlns:p="http://schemas.openxmlformats.org/presentationml/2006/main">
+  <p:cSld>
+    <p:spTree>
+      <p:nvGrpSpPr>
+        <p:cNvPr id="1" name="">
+          <a:extLst>
+            <a:ext uri="{FF2B5EF4-FFF2-40B4-BE49-F238E27FC236}">
+              <a16:creationId xmlns:a16="http://schemas.microsoft.com/office/drawing/2014/main" id="{558AD5D9-A830-CECE-CCC9-133E3C92EE2E}"/>
+            </a:ext>
+          </a:extLst>
+        </p:cNvPr>
+        <p:cNvGrpSpPr/>
+        <p:nvPr/>
+      </p:nvGrpSpPr>
+      <p:grpSpPr>
+        <a:xfrm>
+          <a:off x="0" y="0"/>
+          <a:ext cx="0" cy="0"/>
+          <a:chOff x="0" y="0"/>
+          <a:chExt cx="0" cy="0"/>
+        </a:xfrm>
+      </p:grpSpPr>
+      <p:sp>
+        <p:nvSpPr>
+          <p:cNvPr id="2" name="Inhaltsplatzhalter 1">
+            <a:extLst>
+              <a:ext uri="{FF2B5EF4-FFF2-40B4-BE49-F238E27FC236}">
+                <a16:creationId xmlns:a16="http://schemas.microsoft.com/office/drawing/2014/main" id="{046D9494-318F-ECE8-463B-240DCDA37708}"/>
+              </a:ext>
+            </a:extLst>
+          </p:cNvPr>
+          <p:cNvSpPr>
+            <a:spLocks noGrp="1"/>
+          </p:cNvSpPr>
+          <p:nvPr>
+            <p:ph idx="1"/>
+          </p:nvPr>
+        </p:nvSpPr>
+        <p:spPr>
+          <a:xfrm>
+            <a:off x="319090" y="1220495"/>
+            <a:ext cx="4428367" cy="2998470"/>
+          </a:xfrm>
+        </p:spPr>
+        <p:txBody>
+          <a:bodyPr/>
+          <a:lstStyle/>
+          <a:p>
+            <a:r>
+              <a:rPr lang="en-US" noProof="0" dirty="0"/>
+              <a:t>Explain gravitational interaction (mostly from “</a:t>
+            </a:r>
+            <a:r>
+              <a:rPr lang="de-DE" b="1" dirty="0"/>
+              <a:t>31.2 All-Pairs N-Body Simulation</a:t>
+            </a:r>
+          </a:p>
+          <a:p>
+            <a:r>
+              <a:rPr lang="en-US" dirty="0"/>
+              <a:t>“ Gem3)</a:t>
+            </a:r>
+          </a:p>
+          <a:p>
+            <a:r>
+              <a:rPr lang="en-US" dirty="0"/>
+              <a:t>And explain softening factor</a:t>
+            </a:r>
+          </a:p>
+        </p:txBody>
+      </p:sp>
+      <p:sp>
+        <p:nvSpPr>
+          <p:cNvPr id="3" name="Titel 2">
+            <a:extLst>
+              <a:ext uri="{FF2B5EF4-FFF2-40B4-BE49-F238E27FC236}">
+                <a16:creationId xmlns:a16="http://schemas.microsoft.com/office/drawing/2014/main" id="{9FDEEB3D-6F42-43FC-A610-032D532A8E7E}"/>
+              </a:ext>
+            </a:extLst>
+          </p:cNvPr>
+          <p:cNvSpPr>
+            <a:spLocks noGrp="1"/>
+          </p:cNvSpPr>
+          <p:nvPr>
+            <p:ph type="title"/>
+          </p:nvPr>
+        </p:nvSpPr>
+        <p:spPr>
+          <a:xfrm>
+            <a:off x="319090" y="611537"/>
+            <a:ext cx="8508999" cy="380810"/>
+          </a:xfrm>
+        </p:spPr>
+        <p:txBody>
+          <a:bodyPr/>
+          <a:lstStyle/>
+          <a:p>
+            <a:r>
+              <a:rPr lang="en-US" dirty="0"/>
+              <a:t>Physics for Stellar Systems</a:t>
+            </a:r>
+          </a:p>
+        </p:txBody>
+      </p:sp>
+      <p:sp>
+        <p:nvSpPr>
+          <p:cNvPr id="4" name="Foliennummernplatzhalter 3">
+            <a:extLst>
+              <a:ext uri="{FF2B5EF4-FFF2-40B4-BE49-F238E27FC236}">
+                <a16:creationId xmlns:a16="http://schemas.microsoft.com/office/drawing/2014/main" id="{A136D17C-0B4E-AC54-1A2F-82AACDA53700}"/>
+              </a:ext>
+            </a:extLst>
+          </p:cNvPr>
+          <p:cNvSpPr>
+            <a:spLocks noGrp="1"/>
+          </p:cNvSpPr>
+          <p:nvPr>
+            <p:ph type="sldNum" sz="quarter" idx="11"/>
+          </p:nvPr>
+        </p:nvSpPr>
+        <p:spPr/>
+        <p:txBody>
+          <a:bodyPr/>
+          <a:lstStyle/>
+          <a:p>
+            <a:fld id="{CE58CB1E-F828-4F11-99E0-327109AF9DA4}" type="slidenum">
+              <a:rPr lang="en-US" noProof="0" smtClean="0"/>
+              <a:pPr/>
+              <a:t>4</a:t>
+            </a:fld>
+            <a:endParaRPr lang="en-US" noProof="0" dirty="0"/>
+          </a:p>
+        </p:txBody>
+      </p:sp>
+      <p:pic>
+        <p:nvPicPr>
+          <p:cNvPr id="6" name="Picture 5">
+            <a:extLst>
+              <a:ext uri="{FF2B5EF4-FFF2-40B4-BE49-F238E27FC236}">
+                <a16:creationId xmlns:a16="http://schemas.microsoft.com/office/drawing/2014/main" id="{73D8E496-20FE-27C7-CAB4-53B07ADD5F43}"/>
+              </a:ext>
+            </a:extLst>
+          </p:cNvPr>
+          <p:cNvPicPr>
+            <a:picLocks noChangeAspect="1"/>
+          </p:cNvPicPr>
+          <p:nvPr/>
+        </p:nvPicPr>
+        <p:blipFill>
+          <a:blip r:embed="rId2"/>
+          <a:stretch>
+            <a:fillRect/>
+          </a:stretch>
+        </p:blipFill>
+        <p:spPr>
+          <a:xfrm>
+            <a:off x="5763701" y="950474"/>
+            <a:ext cx="2022465" cy="3242552"/>
+          </a:xfrm>
+          <a:prstGeom prst="rect">
+            <a:avLst/>
+          </a:prstGeom>
+        </p:spPr>
+      </p:pic>
+    </p:spTree>
+    <p:extLst>
+      <p:ext uri="{BB962C8B-B14F-4D97-AF65-F5344CB8AC3E}">
+        <p14:creationId xmlns:p14="http://schemas.microsoft.com/office/powerpoint/2010/main" val="1666189408"/>
+      </p:ext>
+    </p:extLst>
+  </p:cSld>
+  <p:clrMapOvr>
+    <a:masterClrMapping/>
+  </p:clrMapOvr>
+</p:sld>
+</file>
+
+<file path=ppt/slides/slide5.xml><?xml version="1.0" encoding="utf-8"?>
+<p:sld xmlns:a="http://schemas.openxmlformats.org/drawingml/2006/main" xmlns:r="http://schemas.openxmlformats.org/officeDocument/2006/relationships" xmlns:p="http://schemas.openxmlformats.org/presentationml/2006/main">
+  <p:cSld>
+    <p:spTree>
+      <p:nvGrpSpPr>
+        <p:cNvPr id="1" name="">
+          <a:extLst>
+            <a:ext uri="{FF2B5EF4-FFF2-40B4-BE49-F238E27FC236}">
+              <a16:creationId xmlns:a16="http://schemas.microsoft.com/office/drawing/2014/main" id="{C09156DA-0BEC-032B-4580-2389050B5351}"/>
+            </a:ext>
+          </a:extLst>
+        </p:cNvPr>
+        <p:cNvGrpSpPr/>
+        <p:nvPr/>
+      </p:nvGrpSpPr>
+      <p:grpSpPr>
+        <a:xfrm>
+          <a:off x="0" y="0"/>
+          <a:ext cx="0" cy="0"/>
+          <a:chOff x="0" y="0"/>
+          <a:chExt cx="0" cy="0"/>
+        </a:xfrm>
+      </p:grpSpPr>
+      <p:sp>
+        <p:nvSpPr>
+          <p:cNvPr id="2" name="Inhaltsplatzhalter 1">
+            <a:extLst>
+              <a:ext uri="{FF2B5EF4-FFF2-40B4-BE49-F238E27FC236}">
+                <a16:creationId xmlns:a16="http://schemas.microsoft.com/office/drawing/2014/main" id="{5C9A945B-4638-CE87-D28E-77BCD5C988F5}"/>
+              </a:ext>
+            </a:extLst>
+          </p:cNvPr>
+          <p:cNvSpPr>
+            <a:spLocks noGrp="1"/>
+          </p:cNvSpPr>
+          <p:nvPr>
+            <p:ph idx="1"/>
+          </p:nvPr>
+        </p:nvSpPr>
+        <p:spPr>
+          <a:xfrm>
+            <a:off x="319090" y="1220495"/>
+            <a:ext cx="8508999" cy="2998470"/>
+          </a:xfrm>
+        </p:spPr>
+        <p:txBody>
+          <a:bodyPr/>
+          <a:lstStyle/>
+          <a:p>
+            <a:r>
+              <a:rPr lang="en-US" dirty="0"/>
+              <a:t>All-pairs method</a:t>
+            </a:r>
+          </a:p>
+          <a:p>
             <a:endParaRPr lang="en-US" dirty="0"/>
           </a:p>
+          <a:p>
+            <a:r>
+              <a:rPr lang="en-US" dirty="0"/>
+              <a:t>Barent-hut?</a:t>
+            </a:r>
+          </a:p>
+          <a:p>
+            <a:r>
+              <a:rPr lang="en-US" dirty="0"/>
+              <a:t>Other? (see </a:t>
+            </a:r>
+            <a:r>
+              <a:rPr lang="en-US" dirty="0" err="1"/>
+              <a:t>nvida</a:t>
+            </a:r>
+            <a:r>
+              <a:rPr lang="en-US" dirty="0"/>
+              <a:t> gem3 bottom)</a:t>
+            </a:r>
+          </a:p>
+        </p:txBody>
+      </p:sp>
+      <p:sp>
+        <p:nvSpPr>
+          <p:cNvPr id="3" name="Titel 2">
+            <a:extLst>
+              <a:ext uri="{FF2B5EF4-FFF2-40B4-BE49-F238E27FC236}">
+                <a16:creationId xmlns:a16="http://schemas.microsoft.com/office/drawing/2014/main" id="{E2F782E5-8DC2-C5F9-0A01-763CA0CFB384}"/>
+              </a:ext>
+            </a:extLst>
+          </p:cNvPr>
+          <p:cNvSpPr>
+            <a:spLocks noGrp="1"/>
+          </p:cNvSpPr>
+          <p:nvPr>
+            <p:ph type="title"/>
+          </p:nvPr>
+        </p:nvSpPr>
+        <p:spPr>
+          <a:xfrm>
+            <a:off x="319090" y="611537"/>
+            <a:ext cx="8508999" cy="380810"/>
+          </a:xfrm>
+        </p:spPr>
+        <p:txBody>
+          <a:bodyPr/>
+          <a:lstStyle/>
+          <a:p>
+            <a:r>
+              <a:rPr lang="en-US" dirty="0"/>
+              <a:t>Interaction Methods</a:t>
+            </a:r>
+          </a:p>
+        </p:txBody>
+      </p:sp>
+      <p:sp>
+        <p:nvSpPr>
+          <p:cNvPr id="4" name="Foliennummernplatzhalter 3">
+            <a:extLst>
+              <a:ext uri="{FF2B5EF4-FFF2-40B4-BE49-F238E27FC236}">
+                <a16:creationId xmlns:a16="http://schemas.microsoft.com/office/drawing/2014/main" id="{A26E5614-8C90-DB20-E5FC-14E511008B4F}"/>
+              </a:ext>
+            </a:extLst>
+          </p:cNvPr>
+          <p:cNvSpPr>
+            <a:spLocks noGrp="1"/>
+          </p:cNvSpPr>
+          <p:nvPr>
+            <p:ph type="sldNum" sz="quarter" idx="11"/>
+          </p:nvPr>
+        </p:nvSpPr>
+        <p:spPr/>
+        <p:txBody>
+          <a:bodyPr/>
+          <a:lstStyle/>
+          <a:p>
+            <a:fld id="{CE58CB1E-F828-4F11-99E0-327109AF9DA4}" type="slidenum">
+              <a:rPr lang="en-US" noProof="0" smtClean="0"/>
+              <a:pPr/>
+              <a:t>5</a:t>
+            </a:fld>
+            <a:endParaRPr lang="en-US" noProof="0" dirty="0"/>
+          </a:p>
         </p:txBody>
       </p:sp>
     </p:spTree>
+    <p:extLst>
+      <p:ext uri="{BB962C8B-B14F-4D97-AF65-F5344CB8AC3E}">
+        <p14:creationId xmlns:p14="http://schemas.microsoft.com/office/powerpoint/2010/main" val="1495789289"/>
+      </p:ext>
+    </p:extLst>
+  </p:cSld>
+  <p:clrMapOvr>
+    <a:masterClrMapping/>
+  </p:clrMapOvr>
+</p:sld>
+</file>
+
+<file path=ppt/slides/slide6.xml><?xml version="1.0" encoding="utf-8"?>
+<p:sld xmlns:a="http://schemas.openxmlformats.org/drawingml/2006/main" xmlns:r="http://schemas.openxmlformats.org/officeDocument/2006/relationships" xmlns:p="http://schemas.openxmlformats.org/presentationml/2006/main">
+  <p:cSld>
+    <p:spTree>
+      <p:nvGrpSpPr>
+        <p:cNvPr id="1" name="">
+          <a:extLst>
+            <a:ext uri="{FF2B5EF4-FFF2-40B4-BE49-F238E27FC236}">
+              <a16:creationId xmlns:a16="http://schemas.microsoft.com/office/drawing/2014/main" id="{97C804ED-09BF-77C2-2B71-A8382554CC22}"/>
+            </a:ext>
+          </a:extLst>
+        </p:cNvPr>
+        <p:cNvGrpSpPr/>
+        <p:nvPr/>
+      </p:nvGrpSpPr>
+      <p:grpSpPr>
+        <a:xfrm>
+          <a:off x="0" y="0"/>
+          <a:ext cx="0" cy="0"/>
+          <a:chOff x="0" y="0"/>
+          <a:chExt cx="0" cy="0"/>
+        </a:xfrm>
+      </p:grpSpPr>
+      <p:sp>
+        <p:nvSpPr>
+          <p:cNvPr id="2" name="Inhaltsplatzhalter 1">
+            <a:extLst>
+              <a:ext uri="{FF2B5EF4-FFF2-40B4-BE49-F238E27FC236}">
+                <a16:creationId xmlns:a16="http://schemas.microsoft.com/office/drawing/2014/main" id="{8D53C23C-317B-2C5E-EF9A-773D3FDF4C52}"/>
+              </a:ext>
+            </a:extLst>
+          </p:cNvPr>
+          <p:cNvSpPr>
+            <a:spLocks noGrp="1"/>
+          </p:cNvSpPr>
+          <p:nvPr>
+            <p:ph idx="1"/>
+          </p:nvPr>
+        </p:nvSpPr>
+        <p:spPr>
+          <a:xfrm>
+            <a:off x="319090" y="1220495"/>
+            <a:ext cx="8508999" cy="2998470"/>
+          </a:xfrm>
+        </p:spPr>
+        <p:txBody>
+          <a:bodyPr/>
+          <a:lstStyle/>
+          <a:p>
+            <a:pPr marL="285750" indent="-285750">
+              <a:buFontTx/>
+              <a:buChar char="-"/>
+            </a:pPr>
+            <a:r>
+              <a:rPr lang="en-US" dirty="0"/>
+              <a:t>Euler method</a:t>
+            </a:r>
+          </a:p>
+          <a:p>
+            <a:pPr marL="285750" indent="-285750">
+              <a:buFontTx/>
+              <a:buChar char="-"/>
+            </a:pPr>
+            <a:endParaRPr lang="en-US" dirty="0"/>
+          </a:p>
+          <a:p>
+            <a:pPr marL="285750" indent="-285750">
+              <a:buFontTx/>
+              <a:buChar char="-"/>
+            </a:pPr>
+            <a:r>
+              <a:rPr lang="en-US" dirty="0"/>
+              <a:t>Leapfrog</a:t>
+            </a:r>
+          </a:p>
+          <a:p>
+            <a:pPr marL="285750" indent="-285750">
+              <a:buFontTx/>
+              <a:buChar char="-"/>
+            </a:pPr>
+            <a:endParaRPr lang="en-US" dirty="0"/>
+          </a:p>
+          <a:p>
+            <a:pPr marL="285750" indent="-285750">
+              <a:buFontTx/>
+              <a:buChar char="-"/>
+            </a:pPr>
+            <a:r>
+              <a:rPr lang="en-US" dirty="0" err="1"/>
+              <a:t>Verlet</a:t>
+            </a:r>
+            <a:endParaRPr lang="en-US" dirty="0"/>
+          </a:p>
+          <a:p>
+            <a:pPr marL="285750" indent="-285750">
+              <a:buFontTx/>
+              <a:buChar char="-"/>
+            </a:pPr>
+            <a:endParaRPr lang="en-US" dirty="0"/>
+          </a:p>
+          <a:p>
+            <a:r>
+              <a:rPr lang="en-US" dirty="0"/>
+              <a:t>(Leapfrog or </a:t>
+            </a:r>
+            <a:r>
+              <a:rPr lang="en-US" dirty="0" err="1"/>
+              <a:t>Verlet</a:t>
+            </a:r>
+            <a:r>
+              <a:rPr lang="en-US" dirty="0"/>
+              <a:t> first)?</a:t>
+            </a:r>
+          </a:p>
+        </p:txBody>
+      </p:sp>
+      <p:sp>
+        <p:nvSpPr>
+          <p:cNvPr id="3" name="Titel 2">
+            <a:extLst>
+              <a:ext uri="{FF2B5EF4-FFF2-40B4-BE49-F238E27FC236}">
+                <a16:creationId xmlns:a16="http://schemas.microsoft.com/office/drawing/2014/main" id="{8B56812E-2CF1-7503-9DCD-FA61BD4369E6}"/>
+              </a:ext>
+            </a:extLst>
+          </p:cNvPr>
+          <p:cNvSpPr>
+            <a:spLocks noGrp="1"/>
+          </p:cNvSpPr>
+          <p:nvPr>
+            <p:ph type="title"/>
+          </p:nvPr>
+        </p:nvSpPr>
+        <p:spPr>
+          <a:xfrm>
+            <a:off x="319090" y="611537"/>
+            <a:ext cx="8508999" cy="380810"/>
+          </a:xfrm>
+        </p:spPr>
+        <p:txBody>
+          <a:bodyPr/>
+          <a:lstStyle/>
+          <a:p>
+            <a:r>
+              <a:rPr lang="en-US" dirty="0"/>
+              <a:t>Position Integration Methods</a:t>
+            </a:r>
+          </a:p>
+        </p:txBody>
+      </p:sp>
+      <p:sp>
+        <p:nvSpPr>
+          <p:cNvPr id="4" name="Foliennummernplatzhalter 3">
+            <a:extLst>
+              <a:ext uri="{FF2B5EF4-FFF2-40B4-BE49-F238E27FC236}">
+                <a16:creationId xmlns:a16="http://schemas.microsoft.com/office/drawing/2014/main" id="{27A5638C-ADFB-8752-B1EC-7F8C880890C8}"/>
+              </a:ext>
+            </a:extLst>
+          </p:cNvPr>
+          <p:cNvSpPr>
+            <a:spLocks noGrp="1"/>
+          </p:cNvSpPr>
+          <p:nvPr>
+            <p:ph type="sldNum" sz="quarter" idx="11"/>
+          </p:nvPr>
+        </p:nvSpPr>
+        <p:spPr/>
+        <p:txBody>
+          <a:bodyPr/>
+          <a:lstStyle/>
+          <a:p>
+            <a:fld id="{CE58CB1E-F828-4F11-99E0-327109AF9DA4}" type="slidenum">
+              <a:rPr lang="en-US" noProof="0" smtClean="0"/>
+              <a:pPr/>
+              <a:t>6</a:t>
+            </a:fld>
+            <a:endParaRPr lang="en-US" noProof="0" dirty="0"/>
+          </a:p>
+        </p:txBody>
+      </p:sp>
+    </p:spTree>
+    <p:extLst>
+      <p:ext uri="{BB962C8B-B14F-4D97-AF65-F5344CB8AC3E}">
+        <p14:creationId xmlns:p14="http://schemas.microsoft.com/office/powerpoint/2010/main" val="216992878"/>
+      </p:ext>
+    </p:extLst>
+  </p:cSld>
+  <p:clrMapOvr>
+    <a:masterClrMapping/>
+  </p:clrMapOvr>
+</p:sld>
+</file>
+
+<file path=ppt/slides/slide7.xml><?xml version="1.0" encoding="utf-8"?>
+<p:sld xmlns:a="http://schemas.openxmlformats.org/drawingml/2006/main" xmlns:r="http://schemas.openxmlformats.org/officeDocument/2006/relationships" xmlns:p="http://schemas.openxmlformats.org/presentationml/2006/main">
+  <p:cSld>
+    <p:spTree>
+      <p:nvGrpSpPr>
+        <p:cNvPr id="1" name="">
+          <a:extLst>
+            <a:ext uri="{FF2B5EF4-FFF2-40B4-BE49-F238E27FC236}">
+              <a16:creationId xmlns:a16="http://schemas.microsoft.com/office/drawing/2014/main" id="{40FD2689-7695-8CA3-57C1-78E4A01AB2B4}"/>
+            </a:ext>
+          </a:extLst>
+        </p:cNvPr>
+        <p:cNvGrpSpPr/>
+        <p:nvPr/>
+      </p:nvGrpSpPr>
+      <p:grpSpPr>
+        <a:xfrm>
+          <a:off x="0" y="0"/>
+          <a:ext cx="0" cy="0"/>
+          <a:chOff x="0" y="0"/>
+          <a:chExt cx="0" cy="0"/>
+        </a:xfrm>
+      </p:grpSpPr>
+      <p:sp>
+        <p:nvSpPr>
+          <p:cNvPr id="2" name="Inhaltsplatzhalter 1">
+            <a:extLst>
+              <a:ext uri="{FF2B5EF4-FFF2-40B4-BE49-F238E27FC236}">
+                <a16:creationId xmlns:a16="http://schemas.microsoft.com/office/drawing/2014/main" id="{FC601A7A-A11A-0FB2-F280-EE1F0D4DFAD2}"/>
+              </a:ext>
+            </a:extLst>
+          </p:cNvPr>
+          <p:cNvSpPr>
+            <a:spLocks noGrp="1"/>
+          </p:cNvSpPr>
+          <p:nvPr>
+            <p:ph idx="1"/>
+          </p:nvPr>
+        </p:nvSpPr>
+        <p:spPr>
+          <a:xfrm>
+            <a:off x="319090" y="1220495"/>
+            <a:ext cx="8508999" cy="2998470"/>
+          </a:xfrm>
+        </p:spPr>
+        <p:txBody>
+          <a:bodyPr/>
+          <a:lstStyle/>
+          <a:p>
+            <a:r>
+              <a:rPr lang="en-US" dirty="0"/>
+              <a:t>Explain </a:t>
+            </a:r>
+            <a:r>
+              <a:rPr lang="en-US" dirty="0" err="1"/>
+              <a:t>NxN</a:t>
+            </a:r>
+            <a:r>
+              <a:rPr lang="en-US" dirty="0"/>
+              <a:t> matrix and tiling of said matrix</a:t>
+            </a:r>
+            <a:br>
+              <a:rPr lang="en-US" dirty="0"/>
+            </a:br>
+            <a:r>
+              <a:rPr lang="en-US" dirty="0"/>
+              <a:t>in general just explaining </a:t>
+            </a:r>
+            <a:r>
+              <a:rPr lang="en-US" dirty="0" err="1"/>
+              <a:t>nvidias</a:t>
+            </a:r>
+            <a:r>
+              <a:rPr lang="en-US" dirty="0"/>
+              <a:t> gem3</a:t>
+            </a:r>
+          </a:p>
+        </p:txBody>
+      </p:sp>
+      <p:sp>
+        <p:nvSpPr>
+          <p:cNvPr id="3" name="Titel 2">
+            <a:extLst>
+              <a:ext uri="{FF2B5EF4-FFF2-40B4-BE49-F238E27FC236}">
+                <a16:creationId xmlns:a16="http://schemas.microsoft.com/office/drawing/2014/main" id="{352D6679-4B4E-8DFB-07AA-C9EEA82052BB}"/>
+              </a:ext>
+            </a:extLst>
+          </p:cNvPr>
+          <p:cNvSpPr>
+            <a:spLocks noGrp="1"/>
+          </p:cNvSpPr>
+          <p:nvPr>
+            <p:ph type="title"/>
+          </p:nvPr>
+        </p:nvSpPr>
+        <p:spPr>
+          <a:xfrm>
+            <a:off x="319090" y="611537"/>
+            <a:ext cx="8508999" cy="380810"/>
+          </a:xfrm>
+        </p:spPr>
+        <p:txBody>
+          <a:bodyPr/>
+          <a:lstStyle/>
+          <a:p>
+            <a:r>
+              <a:rPr lang="en-US" dirty="0"/>
+              <a:t>Nvidia’s N-Body Algorithm</a:t>
+            </a:r>
+          </a:p>
+        </p:txBody>
+      </p:sp>
+      <p:sp>
+        <p:nvSpPr>
+          <p:cNvPr id="4" name="Foliennummernplatzhalter 3">
+            <a:extLst>
+              <a:ext uri="{FF2B5EF4-FFF2-40B4-BE49-F238E27FC236}">
+                <a16:creationId xmlns:a16="http://schemas.microsoft.com/office/drawing/2014/main" id="{0996393D-135F-699D-621D-1D23B7CBD090}"/>
+              </a:ext>
+            </a:extLst>
+          </p:cNvPr>
+          <p:cNvSpPr>
+            <a:spLocks noGrp="1"/>
+          </p:cNvSpPr>
+          <p:nvPr>
+            <p:ph type="sldNum" sz="quarter" idx="11"/>
+          </p:nvPr>
+        </p:nvSpPr>
+        <p:spPr/>
+        <p:txBody>
+          <a:bodyPr/>
+          <a:lstStyle/>
+          <a:p>
+            <a:fld id="{CE58CB1E-F828-4F11-99E0-327109AF9DA4}" type="slidenum">
+              <a:rPr lang="en-US" noProof="0" smtClean="0"/>
+              <a:pPr/>
+              <a:t>7</a:t>
+            </a:fld>
+            <a:endParaRPr lang="en-US" noProof="0" dirty="0"/>
+          </a:p>
+        </p:txBody>
+      </p:sp>
+    </p:spTree>
+    <p:extLst>
+      <p:ext uri="{BB962C8B-B14F-4D97-AF65-F5344CB8AC3E}">
+        <p14:creationId xmlns:p14="http://schemas.microsoft.com/office/powerpoint/2010/main" val="310962697"/>
+      </p:ext>
+    </p:extLst>
+  </p:cSld>
+  <p:clrMapOvr>
+    <a:masterClrMapping/>
+  </p:clrMapOvr>
+</p:sld>
+</file>
+
+<file path=ppt/slides/slide8.xml><?xml version="1.0" encoding="utf-8"?>
+<p:sld xmlns:a="http://schemas.openxmlformats.org/drawingml/2006/main" xmlns:r="http://schemas.openxmlformats.org/officeDocument/2006/relationships" xmlns:p="http://schemas.openxmlformats.org/presentationml/2006/main">
+  <p:cSld>
+    <p:spTree>
+      <p:nvGrpSpPr>
+        <p:cNvPr id="1" name="">
+          <a:extLst>
+            <a:ext uri="{FF2B5EF4-FFF2-40B4-BE49-F238E27FC236}">
+              <a16:creationId xmlns:a16="http://schemas.microsoft.com/office/drawing/2014/main" id="{6A41EA7A-518A-7052-45D3-7EFD380E61CD}"/>
+            </a:ext>
+          </a:extLst>
+        </p:cNvPr>
+        <p:cNvGrpSpPr/>
+        <p:nvPr/>
+      </p:nvGrpSpPr>
+      <p:grpSpPr>
+        <a:xfrm>
+          <a:off x="0" y="0"/>
+          <a:ext cx="0" cy="0"/>
+          <a:chOff x="0" y="0"/>
+          <a:chExt cx="0" cy="0"/>
+        </a:xfrm>
+      </p:grpSpPr>
+      <p:sp>
+        <p:nvSpPr>
+          <p:cNvPr id="2" name="Inhaltsplatzhalter 1">
+            <a:extLst>
+              <a:ext uri="{FF2B5EF4-FFF2-40B4-BE49-F238E27FC236}">
+                <a16:creationId xmlns:a16="http://schemas.microsoft.com/office/drawing/2014/main" id="{44313B66-4A02-4E93-397E-C9A864EC4463}"/>
+              </a:ext>
+            </a:extLst>
+          </p:cNvPr>
+          <p:cNvSpPr>
+            <a:spLocks noGrp="1"/>
+          </p:cNvSpPr>
+          <p:nvPr>
+            <p:ph idx="1"/>
+          </p:nvPr>
+        </p:nvSpPr>
+        <p:spPr>
+          <a:xfrm>
+            <a:off x="319090" y="1220495"/>
+            <a:ext cx="8508999" cy="2998470"/>
+          </a:xfrm>
+        </p:spPr>
+        <p:txBody>
+          <a:bodyPr/>
+          <a:lstStyle/>
+          <a:p>
+            <a:pPr marL="285750" indent="-285750">
+              <a:buFontTx/>
+              <a:buChar char="-"/>
+            </a:pPr>
+            <a:r>
+              <a:rPr lang="en-US" dirty="0"/>
+              <a:t>Pics of </a:t>
+            </a:r>
+            <a:r>
+              <a:rPr lang="en-US" dirty="0" err="1"/>
+              <a:t>nvidas</a:t>
+            </a:r>
+            <a:r>
+              <a:rPr lang="en-US" dirty="0"/>
+              <a:t> kernel and device functions</a:t>
+            </a:r>
+            <a:br>
+              <a:rPr lang="en-US" dirty="0"/>
+            </a:br>
+            <a:r>
+              <a:rPr lang="en-US" dirty="0"/>
+              <a:t>some explanations</a:t>
+            </a:r>
+          </a:p>
+          <a:p>
+            <a:pPr marL="285750" indent="-285750">
+              <a:buFontTx/>
+              <a:buChar char="-"/>
+            </a:pPr>
+            <a:endParaRPr lang="en-US" dirty="0"/>
+          </a:p>
+          <a:p>
+            <a:pPr marL="285750" indent="-285750">
+              <a:buFontTx/>
+              <a:buChar char="-"/>
+            </a:pPr>
+            <a:r>
+              <a:rPr lang="en-US" dirty="0"/>
+              <a:t>Some information on self written code, how these functions where implemented in own code</a:t>
+            </a:r>
+          </a:p>
+        </p:txBody>
+      </p:sp>
+      <p:sp>
+        <p:nvSpPr>
+          <p:cNvPr id="3" name="Titel 2">
+            <a:extLst>
+              <a:ext uri="{FF2B5EF4-FFF2-40B4-BE49-F238E27FC236}">
+                <a16:creationId xmlns:a16="http://schemas.microsoft.com/office/drawing/2014/main" id="{641AD8C9-CA79-8209-1D96-7BC0B771282F}"/>
+              </a:ext>
+            </a:extLst>
+          </p:cNvPr>
+          <p:cNvSpPr>
+            <a:spLocks noGrp="1"/>
+          </p:cNvSpPr>
+          <p:nvPr>
+            <p:ph type="title"/>
+          </p:nvPr>
+        </p:nvSpPr>
+        <p:spPr>
+          <a:xfrm>
+            <a:off x="319090" y="611537"/>
+            <a:ext cx="8508999" cy="380810"/>
+          </a:xfrm>
+        </p:spPr>
+        <p:txBody>
+          <a:bodyPr/>
+          <a:lstStyle/>
+          <a:p>
+            <a:r>
+              <a:rPr lang="en-US" dirty="0"/>
+              <a:t>Code Samples</a:t>
+            </a:r>
+          </a:p>
+        </p:txBody>
+      </p:sp>
+      <p:sp>
+        <p:nvSpPr>
+          <p:cNvPr id="4" name="Foliennummernplatzhalter 3">
+            <a:extLst>
+              <a:ext uri="{FF2B5EF4-FFF2-40B4-BE49-F238E27FC236}">
+                <a16:creationId xmlns:a16="http://schemas.microsoft.com/office/drawing/2014/main" id="{3D44C134-12B2-0C59-8A55-6B2C9CEDDECF}"/>
+              </a:ext>
+            </a:extLst>
+          </p:cNvPr>
+          <p:cNvSpPr>
+            <a:spLocks noGrp="1"/>
+          </p:cNvSpPr>
+          <p:nvPr>
+            <p:ph type="sldNum" sz="quarter" idx="11"/>
+          </p:nvPr>
+        </p:nvSpPr>
+        <p:spPr/>
+        <p:txBody>
+          <a:bodyPr/>
+          <a:lstStyle/>
+          <a:p>
+            <a:fld id="{CE58CB1E-F828-4F11-99E0-327109AF9DA4}" type="slidenum">
+              <a:rPr lang="en-US" noProof="0" smtClean="0"/>
+              <a:pPr/>
+              <a:t>8</a:t>
+            </a:fld>
+            <a:endParaRPr lang="en-US" noProof="0" dirty="0"/>
+          </a:p>
+        </p:txBody>
+      </p:sp>
+    </p:spTree>
+    <p:extLst>
+      <p:ext uri="{BB962C8B-B14F-4D97-AF65-F5344CB8AC3E}">
+        <p14:creationId xmlns:p14="http://schemas.microsoft.com/office/powerpoint/2010/main" val="1561325814"/>
+      </p:ext>
+    </p:extLst>
+  </p:cSld>
+  <p:clrMapOvr>
+    <a:masterClrMapping/>
+  </p:clrMapOvr>
+</p:sld>
+</file>
+
+<file path=ppt/slides/slide9.xml><?xml version="1.0" encoding="utf-8"?>
+<p:sld xmlns:a="http://schemas.openxmlformats.org/drawingml/2006/main" xmlns:r="http://schemas.openxmlformats.org/officeDocument/2006/relationships" xmlns:p="http://schemas.openxmlformats.org/presentationml/2006/main">
+  <p:cSld>
+    <p:spTree>
+      <p:nvGrpSpPr>
+        <p:cNvPr id="1" name="">
+          <a:extLst>
+            <a:ext uri="{FF2B5EF4-FFF2-40B4-BE49-F238E27FC236}">
+              <a16:creationId xmlns:a16="http://schemas.microsoft.com/office/drawing/2014/main" id="{4C8F35ED-9CC6-F5DB-9B2F-439DAD169082}"/>
+            </a:ext>
+          </a:extLst>
+        </p:cNvPr>
+        <p:cNvGrpSpPr/>
+        <p:nvPr/>
+      </p:nvGrpSpPr>
+      <p:grpSpPr>
+        <a:xfrm>
+          <a:off x="0" y="0"/>
+          <a:ext cx="0" cy="0"/>
+          <a:chOff x="0" y="0"/>
+          <a:chExt cx="0" cy="0"/>
+        </a:xfrm>
+      </p:grpSpPr>
+      <p:sp>
+        <p:nvSpPr>
+          <p:cNvPr id="2" name="Inhaltsplatzhalter 1">
+            <a:extLst>
+              <a:ext uri="{FF2B5EF4-FFF2-40B4-BE49-F238E27FC236}">
+                <a16:creationId xmlns:a16="http://schemas.microsoft.com/office/drawing/2014/main" id="{2F1ADF8F-EADC-2600-2346-C533F6D8BC57}"/>
+              </a:ext>
+            </a:extLst>
+          </p:cNvPr>
+          <p:cNvSpPr>
+            <a:spLocks noGrp="1"/>
+          </p:cNvSpPr>
+          <p:nvPr>
+            <p:ph idx="1"/>
+          </p:nvPr>
+        </p:nvSpPr>
+        <p:spPr>
+          <a:xfrm>
+            <a:off x="319090" y="1220495"/>
+            <a:ext cx="8508999" cy="2998470"/>
+          </a:xfrm>
+        </p:spPr>
+        <p:txBody>
+          <a:bodyPr/>
+          <a:lstStyle/>
+          <a:p>
+            <a:pPr marL="285750" indent="-285750">
+              <a:buFontTx/>
+              <a:buChar char="-"/>
+            </a:pPr>
+            <a:r>
+              <a:rPr lang="en-US" dirty="0"/>
+              <a:t>Performance/Plots on how simulation parameters where chosen</a:t>
+            </a:r>
+          </a:p>
+          <a:p>
+            <a:pPr marL="285750" indent="-285750">
+              <a:buFontTx/>
+              <a:buChar char="-"/>
+            </a:pPr>
+            <a:r>
+              <a:rPr lang="en-US" dirty="0"/>
+              <a:t>Performance </a:t>
+            </a:r>
+            <a:r>
+              <a:rPr lang="en-US" dirty="0" err="1"/>
+              <a:t>compairision</a:t>
+            </a:r>
+            <a:r>
+              <a:rPr lang="en-US" dirty="0"/>
+              <a:t> between </a:t>
+            </a:r>
+            <a:r>
+              <a:rPr lang="en-US" dirty="0" err="1"/>
+              <a:t>gpus</a:t>
+            </a:r>
+            <a:endParaRPr lang="en-US" dirty="0"/>
+          </a:p>
+          <a:p>
+            <a:pPr marL="285750" indent="-285750">
+              <a:buFontTx/>
+              <a:buChar char="-"/>
+            </a:pPr>
+            <a:r>
+              <a:rPr lang="en-US" dirty="0"/>
+              <a:t>Performance </a:t>
+            </a:r>
+            <a:r>
+              <a:rPr lang="en-US" dirty="0" err="1"/>
+              <a:t>compairision</a:t>
+            </a:r>
+            <a:r>
+              <a:rPr lang="en-US" dirty="0"/>
+              <a:t> between self written code and </a:t>
+            </a:r>
+            <a:r>
+              <a:rPr lang="en-US" dirty="0" err="1"/>
+              <a:t>nvidia</a:t>
+            </a:r>
+            <a:r>
+              <a:rPr lang="en-US" dirty="0"/>
+              <a:t> sample</a:t>
+            </a:r>
+          </a:p>
+          <a:p>
+            <a:endParaRPr lang="en-US" dirty="0"/>
+          </a:p>
+        </p:txBody>
+      </p:sp>
+      <p:sp>
+        <p:nvSpPr>
+          <p:cNvPr id="3" name="Titel 2">
+            <a:extLst>
+              <a:ext uri="{FF2B5EF4-FFF2-40B4-BE49-F238E27FC236}">
+                <a16:creationId xmlns:a16="http://schemas.microsoft.com/office/drawing/2014/main" id="{F35CCF58-208E-C800-52E9-8712B83533B6}"/>
+              </a:ext>
+            </a:extLst>
+          </p:cNvPr>
+          <p:cNvSpPr>
+            <a:spLocks noGrp="1"/>
+          </p:cNvSpPr>
+          <p:nvPr>
+            <p:ph type="title"/>
+          </p:nvPr>
+        </p:nvSpPr>
+        <p:spPr>
+          <a:xfrm>
+            <a:off x="319090" y="611537"/>
+            <a:ext cx="8508999" cy="380810"/>
+          </a:xfrm>
+        </p:spPr>
+        <p:txBody>
+          <a:bodyPr/>
+          <a:lstStyle/>
+          <a:p>
+            <a:r>
+              <a:rPr lang="en-US" dirty="0"/>
+              <a:t>Performance</a:t>
+            </a:r>
+          </a:p>
+        </p:txBody>
+      </p:sp>
+      <p:sp>
+        <p:nvSpPr>
+          <p:cNvPr id="4" name="Foliennummernplatzhalter 3">
+            <a:extLst>
+              <a:ext uri="{FF2B5EF4-FFF2-40B4-BE49-F238E27FC236}">
+                <a16:creationId xmlns:a16="http://schemas.microsoft.com/office/drawing/2014/main" id="{DD446764-0C0B-573A-F698-B7F4C0B68DA1}"/>
+              </a:ext>
+            </a:extLst>
+          </p:cNvPr>
+          <p:cNvSpPr>
+            <a:spLocks noGrp="1"/>
+          </p:cNvSpPr>
+          <p:nvPr>
+            <p:ph type="sldNum" sz="quarter" idx="11"/>
+          </p:nvPr>
+        </p:nvSpPr>
+        <p:spPr/>
+        <p:txBody>
+          <a:bodyPr/>
+          <a:lstStyle/>
+          <a:p>
+            <a:fld id="{CE58CB1E-F828-4F11-99E0-327109AF9DA4}" type="slidenum">
+              <a:rPr lang="en-US" noProof="0" smtClean="0"/>
+              <a:pPr/>
+              <a:t>9</a:t>
+            </a:fld>
+            <a:endParaRPr lang="en-US" noProof="0" dirty="0"/>
+          </a:p>
+        </p:txBody>
+      </p:sp>
+    </p:spTree>
+    <p:extLst>
+      <p:ext uri="{BB962C8B-B14F-4D97-AF65-F5344CB8AC3E}">
+        <p14:creationId xmlns:p14="http://schemas.microsoft.com/office/powerpoint/2010/main" val="1374394236"/>
+      </p:ext>
+    </p:extLst>
   </p:cSld>
   <p:clrMapOvr>
     <a:masterClrMapping/>

--- a/presentation/nbody - Presentation.pptx
+++ b/presentation/nbody - Presentation.pptx
@@ -10,10 +10,10 @@
     <p:sldMasterId id="2147483697" r:id="rId6"/>
   </p:sldMasterIdLst>
   <p:notesMasterIdLst>
-    <p:notesMasterId r:id="rId19"/>
+    <p:notesMasterId r:id="rId26"/>
   </p:notesMasterIdLst>
   <p:handoutMasterIdLst>
-    <p:handoutMasterId r:id="rId20"/>
+    <p:handoutMasterId r:id="rId27"/>
   </p:handoutMasterIdLst>
   <p:sldIdLst>
     <p:sldId id="355" r:id="rId7"/>
@@ -24,10 +24,17 @@
     <p:sldId id="397" r:id="rId12"/>
     <p:sldId id="398" r:id="rId13"/>
     <p:sldId id="399" r:id="rId14"/>
-    <p:sldId id="400" r:id="rId15"/>
-    <p:sldId id="401" r:id="rId16"/>
-    <p:sldId id="372" r:id="rId17"/>
-    <p:sldId id="395" r:id="rId18"/>
+    <p:sldId id="406" r:id="rId15"/>
+    <p:sldId id="408" r:id="rId16"/>
+    <p:sldId id="407" r:id="rId17"/>
+    <p:sldId id="400" r:id="rId18"/>
+    <p:sldId id="405" r:id="rId19"/>
+    <p:sldId id="402" r:id="rId20"/>
+    <p:sldId id="403" r:id="rId21"/>
+    <p:sldId id="404" r:id="rId22"/>
+    <p:sldId id="401" r:id="rId23"/>
+    <p:sldId id="372" r:id="rId24"/>
+    <p:sldId id="395" r:id="rId25"/>
   </p:sldIdLst>
   <p:sldSz cx="9144000" cy="5143500" type="screen16x9"/>
   <p:notesSz cx="9925050" cy="6665913"/>
@@ -303,7 +310,7 @@
               <a:pPr>
                 <a:defRPr/>
               </a:pPr>
-              <a:t>29/06/2025</a:t>
+              <a:t>01/07/2025</a:t>
             </a:fld>
             <a:endParaRPr lang="en-GB" dirty="0"/>
           </a:p>
@@ -522,7 +529,7 @@
               <a:pPr>
                 <a:defRPr/>
               </a:pPr>
-              <a:t>29/06/2025</a:t>
+              <a:t>01/07/2025</a:t>
             </a:fld>
             <a:endParaRPr lang="en-GB"/>
           </a:p>
@@ -7636,7 +7643,7 @@
         <p:cNvPr id="1" name="">
           <a:extLst>
             <a:ext uri="{FF2B5EF4-FFF2-40B4-BE49-F238E27FC236}">
-              <a16:creationId xmlns:a16="http://schemas.microsoft.com/office/drawing/2014/main" id="{53EB414E-706E-7EE1-D00F-03536DC1B248}"/>
+              <a16:creationId xmlns:a16="http://schemas.microsoft.com/office/drawing/2014/main" id="{55923521-0D22-3C2B-92DE-073DBE572B57}"/>
             </a:ext>
           </a:extLst>
         </p:cNvPr>
@@ -7653,10 +7660,10 @@
       </p:grpSpPr>
       <p:sp>
         <p:nvSpPr>
-          <p:cNvPr id="2" name="Inhaltsplatzhalter 1">
+          <p:cNvPr id="3" name="Titel 2">
             <a:extLst>
               <a:ext uri="{FF2B5EF4-FFF2-40B4-BE49-F238E27FC236}">
-                <a16:creationId xmlns:a16="http://schemas.microsoft.com/office/drawing/2014/main" id="{FCF8124D-81C7-AF1D-AED8-0BC2457A3DF0}"/>
+                <a16:creationId xmlns:a16="http://schemas.microsoft.com/office/drawing/2014/main" id="{D769D5B2-F344-6222-A5F2-B0819D1BD047}"/>
               </a:ext>
             </a:extLst>
           </p:cNvPr>
@@ -7664,13 +7671,13 @@
             <a:spLocks noGrp="1"/>
           </p:cNvSpPr>
           <p:nvPr>
-            <p:ph idx="1"/>
+            <p:ph type="title"/>
           </p:nvPr>
         </p:nvSpPr>
         <p:spPr>
           <a:xfrm>
-            <a:off x="319090" y="1220495"/>
-            <a:ext cx="8508999" cy="2998470"/>
+            <a:off x="319090" y="611537"/>
+            <a:ext cx="8508999" cy="380810"/>
           </a:xfrm>
         </p:spPr>
         <p:txBody>
@@ -7678,31 +7685,22 @@
           <a:lstStyle/>
           <a:p>
             <a:r>
+              <a:rPr lang="de-DE" dirty="0"/>
+              <a:t>H</a:t>
+            </a:r>
+            <a:r>
               <a:rPr lang="en-US" dirty="0"/>
-              <a:t>Some videos of </a:t>
-            </a:r>
-            <a:r>
-              <a:rPr lang="en-US" dirty="0" err="1"/>
-              <a:t>nvidia</a:t>
-            </a:r>
-            <a:r>
-              <a:rPr lang="en-US" dirty="0"/>
-              <a:t> visualization how it could </a:t>
-            </a:r>
-            <a:r>
-              <a:rPr lang="en-US"/>
-              <a:t>look like</a:t>
-            </a:r>
-            <a:endParaRPr lang="en-US" dirty="0"/>
-          </a:p>
-        </p:txBody>
-      </p:sp>
-      <p:sp>
-        <p:nvSpPr>
-          <p:cNvPr id="3" name="Titel 2">
+              <a:t>ow does the NVIDIA code works? </a:t>
+            </a:r>
+          </a:p>
+        </p:txBody>
+      </p:sp>
+      <p:sp>
+        <p:nvSpPr>
+          <p:cNvPr id="4" name="Foliennummernplatzhalter 3">
             <a:extLst>
               <a:ext uri="{FF2B5EF4-FFF2-40B4-BE49-F238E27FC236}">
-                <a16:creationId xmlns:a16="http://schemas.microsoft.com/office/drawing/2014/main" id="{72898025-B16E-D629-B1F7-206598C4315A}"/>
+                <a16:creationId xmlns:a16="http://schemas.microsoft.com/office/drawing/2014/main" id="{E75D5509-D6B7-7454-CDFC-6C1CDBDFF229}"/>
               </a:ext>
             </a:extLst>
           </p:cNvPr>
@@ -7710,39 +7708,6 @@
             <a:spLocks noGrp="1"/>
           </p:cNvSpPr>
           <p:nvPr>
-            <p:ph type="title"/>
-          </p:nvPr>
-        </p:nvSpPr>
-        <p:spPr>
-          <a:xfrm>
-            <a:off x="319090" y="611537"/>
-            <a:ext cx="8508999" cy="380810"/>
-          </a:xfrm>
-        </p:spPr>
-        <p:txBody>
-          <a:bodyPr/>
-          <a:lstStyle/>
-          <a:p>
-            <a:r>
-              <a:rPr lang="en-US" dirty="0"/>
-              <a:t>Visual Examples</a:t>
-            </a:r>
-          </a:p>
-        </p:txBody>
-      </p:sp>
-      <p:sp>
-        <p:nvSpPr>
-          <p:cNvPr id="4" name="Foliennummernplatzhalter 3">
-            <a:extLst>
-              <a:ext uri="{FF2B5EF4-FFF2-40B4-BE49-F238E27FC236}">
-                <a16:creationId xmlns:a16="http://schemas.microsoft.com/office/drawing/2014/main" id="{BA6642E1-B495-6706-4D40-2F244D4B86B6}"/>
-              </a:ext>
-            </a:extLst>
-          </p:cNvPr>
-          <p:cNvSpPr>
-            <a:spLocks noGrp="1"/>
-          </p:cNvSpPr>
-          <p:nvPr>
             <p:ph type="sldNum" sz="quarter" idx="11"/>
           </p:nvPr>
         </p:nvSpPr>
@@ -7760,10 +7725,159 @@
           </a:p>
         </p:txBody>
       </p:sp>
+      <p:sp>
+        <p:nvSpPr>
+          <p:cNvPr id="15" name="TextBox 14">
+            <a:extLst>
+              <a:ext uri="{FF2B5EF4-FFF2-40B4-BE49-F238E27FC236}">
+                <a16:creationId xmlns:a16="http://schemas.microsoft.com/office/drawing/2014/main" id="{86623655-C05E-3F77-B8AC-95D2C03859E8}"/>
+              </a:ext>
+            </a:extLst>
+          </p:cNvPr>
+          <p:cNvSpPr txBox="1"/>
+          <p:nvPr/>
+        </p:nvSpPr>
+        <p:spPr>
+          <a:xfrm>
+            <a:off x="319090" y="1351128"/>
+            <a:ext cx="3946593" cy="257250"/>
+          </a:xfrm>
+          <a:prstGeom prst="rect">
+            <a:avLst/>
+          </a:prstGeom>
+          <a:noFill/>
+        </p:spPr>
+        <p:txBody>
+          <a:bodyPr wrap="none" lIns="0" tIns="0" rIns="0" bIns="0" rtlCol="0">
+            <a:spAutoFit/>
+          </a:bodyPr>
+          <a:lstStyle/>
+          <a:p>
+            <a:pPr>
+              <a:lnSpc>
+                <a:spcPct val="114000"/>
+              </a:lnSpc>
+            </a:pPr>
+            <a:r>
+              <a:rPr lang="de-DE" sz="1600" dirty="0">
+                <a:latin typeface="+mn-lt"/>
+              </a:rPr>
+              <a:t>First </a:t>
+            </a:r>
+            <a:r>
+              <a:rPr lang="de-DE" sz="1600" dirty="0" err="1">
+                <a:latin typeface="+mn-lt"/>
+              </a:rPr>
+              <a:t>we</a:t>
+            </a:r>
+            <a:r>
+              <a:rPr lang="de-DE" sz="1600" dirty="0">
+                <a:latin typeface="+mn-lt"/>
+              </a:rPr>
+              <a:t> </a:t>
+            </a:r>
+            <a:r>
+              <a:rPr lang="de-DE" sz="1600" dirty="0" err="1">
+                <a:latin typeface="+mn-lt"/>
+              </a:rPr>
+              <a:t>need</a:t>
+            </a:r>
+            <a:r>
+              <a:rPr lang="de-DE" sz="1600" dirty="0">
+                <a:latin typeface="+mn-lt"/>
+              </a:rPr>
+              <a:t> </a:t>
+            </a:r>
+            <a:r>
+              <a:rPr lang="de-DE" sz="1600" dirty="0" err="1">
+                <a:latin typeface="+mn-lt"/>
+              </a:rPr>
+              <a:t>to</a:t>
+            </a:r>
+            <a:r>
+              <a:rPr lang="de-DE" sz="1600" dirty="0">
+                <a:latin typeface="+mn-lt"/>
+              </a:rPr>
+              <a:t> </a:t>
+            </a:r>
+            <a:r>
+              <a:rPr lang="de-DE" sz="1600" dirty="0" err="1">
+                <a:latin typeface="+mn-lt"/>
+              </a:rPr>
+              <a:t>calculate</a:t>
+            </a:r>
+            <a:r>
+              <a:rPr lang="de-DE" sz="1600" dirty="0">
+                <a:latin typeface="+mn-lt"/>
+              </a:rPr>
+              <a:t> </a:t>
+            </a:r>
+            <a:r>
+              <a:rPr lang="de-DE" sz="1600" dirty="0" err="1">
+                <a:latin typeface="+mn-lt"/>
+              </a:rPr>
+              <a:t>the</a:t>
+            </a:r>
+            <a:r>
+              <a:rPr lang="de-DE" sz="1600" dirty="0">
+                <a:latin typeface="+mn-lt"/>
+              </a:rPr>
+              <a:t> </a:t>
+            </a:r>
+            <a:r>
+              <a:rPr lang="de-DE" sz="1600" dirty="0" err="1">
+                <a:latin typeface="+mn-lt"/>
+              </a:rPr>
+              <a:t>acceleration</a:t>
+            </a:r>
+            <a:r>
+              <a:rPr lang="de-DE" sz="1600" dirty="0">
+                <a:latin typeface="+mn-lt"/>
+              </a:rPr>
+              <a:t> :</a:t>
+            </a:r>
+            <a:endParaRPr lang="en-US" sz="1600" dirty="0" err="1">
+              <a:latin typeface="+mn-lt"/>
+            </a:endParaRPr>
+          </a:p>
+        </p:txBody>
+      </p:sp>
+      <p:pic>
+        <p:nvPicPr>
+          <p:cNvPr id="6" name="Content Placeholder 5">
+            <a:extLst>
+              <a:ext uri="{FF2B5EF4-FFF2-40B4-BE49-F238E27FC236}">
+                <a16:creationId xmlns:a16="http://schemas.microsoft.com/office/drawing/2014/main" id="{7A623754-32C1-8512-FC75-04A5408EF771}"/>
+              </a:ext>
+            </a:extLst>
+          </p:cNvPr>
+          <p:cNvPicPr>
+            <a:picLocks noGrp="1" noChangeAspect="1"/>
+          </p:cNvPicPr>
+          <p:nvPr>
+            <p:ph idx="1"/>
+          </p:nvPr>
+        </p:nvPicPr>
+        <p:blipFill>
+          <a:blip r:embed="rId2"/>
+          <a:stretch>
+            <a:fillRect/>
+          </a:stretch>
+        </p:blipFill>
+        <p:spPr>
+          <a:xfrm>
+            <a:off x="0" y="1278797"/>
+            <a:ext cx="5400290" cy="4074696"/>
+          </a:xfrm>
+          <a:prstGeom prst="rect">
+            <a:avLst/>
+          </a:prstGeom>
+        </p:spPr>
+      </p:pic>
     </p:spTree>
     <p:extLst>
       <p:ext uri="{BB962C8B-B14F-4D97-AF65-F5344CB8AC3E}">
-        <p14:creationId xmlns:p14="http://schemas.microsoft.com/office/powerpoint/2010/main" val="3388287925"/>
+        <p14:creationId xmlns:p14="http://schemas.microsoft.com/office/powerpoint/2010/main" val="2201470941"/>
       </p:ext>
     </p:extLst>
   </p:cSld>
@@ -7792,6 +7906,1052 @@
       </p:grpSpPr>
       <p:sp>
         <p:nvSpPr>
+          <p:cNvPr id="2" name="Content Placeholder 1">
+            <a:extLst>
+              <a:ext uri="{FF2B5EF4-FFF2-40B4-BE49-F238E27FC236}">
+                <a16:creationId xmlns:a16="http://schemas.microsoft.com/office/drawing/2014/main" id="{21E53B70-354B-0563-7946-F43FCA13276E}"/>
+              </a:ext>
+            </a:extLst>
+          </p:cNvPr>
+          <p:cNvSpPr>
+            <a:spLocks noGrp="1"/>
+          </p:cNvSpPr>
+          <p:nvPr>
+            <p:ph idx="1"/>
+          </p:nvPr>
+        </p:nvSpPr>
+        <p:spPr/>
+        <p:txBody>
+          <a:bodyPr/>
+          <a:lstStyle/>
+          <a:p>
+            <a:endParaRPr lang="en-US" dirty="0"/>
+          </a:p>
+        </p:txBody>
+      </p:sp>
+      <p:sp>
+        <p:nvSpPr>
+          <p:cNvPr id="3" name="Title 2">
+            <a:extLst>
+              <a:ext uri="{FF2B5EF4-FFF2-40B4-BE49-F238E27FC236}">
+                <a16:creationId xmlns:a16="http://schemas.microsoft.com/office/drawing/2014/main" id="{B5135F31-3166-3D2F-5916-CB262E533336}"/>
+              </a:ext>
+            </a:extLst>
+          </p:cNvPr>
+          <p:cNvSpPr>
+            <a:spLocks noGrp="1"/>
+          </p:cNvSpPr>
+          <p:nvPr>
+            <p:ph type="title"/>
+          </p:nvPr>
+        </p:nvSpPr>
+        <p:spPr/>
+        <p:txBody>
+          <a:bodyPr/>
+          <a:lstStyle/>
+          <a:p>
+            <a:endParaRPr lang="en-US"/>
+          </a:p>
+        </p:txBody>
+      </p:sp>
+      <p:sp>
+        <p:nvSpPr>
+          <p:cNvPr id="4" name="Slide Number Placeholder 3">
+            <a:extLst>
+              <a:ext uri="{FF2B5EF4-FFF2-40B4-BE49-F238E27FC236}">
+                <a16:creationId xmlns:a16="http://schemas.microsoft.com/office/drawing/2014/main" id="{387648EA-EE92-DE44-3DA1-09AA4446EA78}"/>
+              </a:ext>
+            </a:extLst>
+          </p:cNvPr>
+          <p:cNvSpPr>
+            <a:spLocks noGrp="1"/>
+          </p:cNvSpPr>
+          <p:nvPr>
+            <p:ph type="sldNum" sz="quarter" idx="11"/>
+          </p:nvPr>
+        </p:nvSpPr>
+        <p:spPr/>
+        <p:txBody>
+          <a:bodyPr/>
+          <a:lstStyle/>
+          <a:p>
+            <a:fld id="{CE58CB1E-F828-4F11-99E0-327109AF9DA4}" type="slidenum">
+              <a:rPr lang="de-DE" smtClean="0"/>
+              <a:pPr/>
+              <a:t>11</a:t>
+            </a:fld>
+            <a:endParaRPr lang="de-DE" dirty="0"/>
+          </a:p>
+        </p:txBody>
+      </p:sp>
+      <p:sp>
+        <p:nvSpPr>
+          <p:cNvPr id="5" name="Footer Placeholder 4">
+            <a:extLst>
+              <a:ext uri="{FF2B5EF4-FFF2-40B4-BE49-F238E27FC236}">
+                <a16:creationId xmlns:a16="http://schemas.microsoft.com/office/drawing/2014/main" id="{FB50555D-5B58-6CB0-A9E7-54B0F66D83CA}"/>
+              </a:ext>
+            </a:extLst>
+          </p:cNvPr>
+          <p:cNvSpPr>
+            <a:spLocks noGrp="1"/>
+          </p:cNvSpPr>
+          <p:nvPr>
+            <p:ph type="ftr" sz="quarter" idx="12"/>
+          </p:nvPr>
+        </p:nvSpPr>
+        <p:spPr/>
+        <p:txBody>
+          <a:bodyPr/>
+          <a:lstStyle/>
+          <a:p>
+            <a:r>
+              <a:rPr lang="de-DE"/>
+              <a:t>Dr. rer. nat. Erika Mustermann (TUM) | kann beliebig erweitert werden | Infos mit Strich trennen</a:t>
+            </a:r>
+            <a:endParaRPr lang="en-US" dirty="0"/>
+          </a:p>
+        </p:txBody>
+      </p:sp>
+    </p:spTree>
+    <p:extLst>
+      <p:ext uri="{BB962C8B-B14F-4D97-AF65-F5344CB8AC3E}">
+        <p14:creationId xmlns:p14="http://schemas.microsoft.com/office/powerpoint/2010/main" val="2170226125"/>
+      </p:ext>
+    </p:extLst>
+  </p:cSld>
+  <p:clrMapOvr>
+    <a:masterClrMapping/>
+  </p:clrMapOvr>
+</p:sld>
+</file>
+
+<file path=ppt/slides/slide12.xml><?xml version="1.0" encoding="utf-8"?>
+<p:sld xmlns:a="http://schemas.openxmlformats.org/drawingml/2006/main" xmlns:r="http://schemas.openxmlformats.org/officeDocument/2006/relationships" xmlns:p="http://schemas.openxmlformats.org/presentationml/2006/main">
+  <p:cSld>
+    <p:spTree>
+      <p:nvGrpSpPr>
+        <p:cNvPr id="1" name="">
+          <a:extLst>
+            <a:ext uri="{FF2B5EF4-FFF2-40B4-BE49-F238E27FC236}">
+              <a16:creationId xmlns:a16="http://schemas.microsoft.com/office/drawing/2014/main" id="{4C8F35ED-9CC6-F5DB-9B2F-439DAD169082}"/>
+            </a:ext>
+          </a:extLst>
+        </p:cNvPr>
+        <p:cNvGrpSpPr/>
+        <p:nvPr/>
+      </p:nvGrpSpPr>
+      <p:grpSpPr>
+        <a:xfrm>
+          <a:off x="0" y="0"/>
+          <a:ext cx="0" cy="0"/>
+          <a:chOff x="0" y="0"/>
+          <a:chExt cx="0" cy="0"/>
+        </a:xfrm>
+      </p:grpSpPr>
+      <p:sp>
+        <p:nvSpPr>
+          <p:cNvPr id="2" name="Inhaltsplatzhalter 1">
+            <a:extLst>
+              <a:ext uri="{FF2B5EF4-FFF2-40B4-BE49-F238E27FC236}">
+                <a16:creationId xmlns:a16="http://schemas.microsoft.com/office/drawing/2014/main" id="{2F1ADF8F-EADC-2600-2346-C533F6D8BC57}"/>
+              </a:ext>
+            </a:extLst>
+          </p:cNvPr>
+          <p:cNvSpPr>
+            <a:spLocks noGrp="1"/>
+          </p:cNvSpPr>
+          <p:nvPr>
+            <p:ph idx="1"/>
+          </p:nvPr>
+        </p:nvSpPr>
+        <p:spPr>
+          <a:xfrm>
+            <a:off x="319090" y="1220495"/>
+            <a:ext cx="8508999" cy="2998470"/>
+          </a:xfrm>
+        </p:spPr>
+        <p:txBody>
+          <a:bodyPr/>
+          <a:lstStyle/>
+          <a:p>
+            <a:endParaRPr lang="en-US" dirty="0"/>
+          </a:p>
+          <a:p>
+            <a:r>
+              <a:rPr lang="en-US" dirty="0"/>
+              <a:t>Nvidia provides a code to measure the performance of the n-body simulation</a:t>
+            </a:r>
+          </a:p>
+          <a:p>
+            <a:endParaRPr lang="en-US" dirty="0"/>
+          </a:p>
+          <a:p>
+            <a:r>
+              <a:rPr lang="en-US" dirty="0"/>
+              <a:t>There are two parameters:</a:t>
+            </a:r>
+          </a:p>
+          <a:p>
+            <a:endParaRPr lang="en-US" dirty="0"/>
+          </a:p>
+          <a:p>
+            <a:pPr marL="285750" indent="-285750">
+              <a:buFontTx/>
+              <a:buChar char="-"/>
+            </a:pPr>
+            <a:r>
+              <a:rPr lang="en-US" dirty="0"/>
+              <a:t>Time for 10 interactions </a:t>
+            </a:r>
+          </a:p>
+          <a:p>
+            <a:pPr marL="285750" indent="-285750">
+              <a:buFontTx/>
+              <a:buChar char="-"/>
+            </a:pPr>
+            <a:r>
+              <a:rPr lang="en-US" dirty="0"/>
+              <a:t>GFLOPs per second (Each interaction has 20 Flops)</a:t>
+            </a:r>
+          </a:p>
+          <a:p>
+            <a:endParaRPr lang="en-US" dirty="0"/>
+          </a:p>
+          <a:p>
+            <a:endParaRPr lang="en-US" dirty="0"/>
+          </a:p>
+        </p:txBody>
+      </p:sp>
+      <p:sp>
+        <p:nvSpPr>
+          <p:cNvPr id="3" name="Titel 2">
+            <a:extLst>
+              <a:ext uri="{FF2B5EF4-FFF2-40B4-BE49-F238E27FC236}">
+                <a16:creationId xmlns:a16="http://schemas.microsoft.com/office/drawing/2014/main" id="{F35CCF58-208E-C800-52E9-8712B83533B6}"/>
+              </a:ext>
+            </a:extLst>
+          </p:cNvPr>
+          <p:cNvSpPr>
+            <a:spLocks noGrp="1"/>
+          </p:cNvSpPr>
+          <p:nvPr>
+            <p:ph type="title"/>
+          </p:nvPr>
+        </p:nvSpPr>
+        <p:spPr>
+          <a:xfrm>
+            <a:off x="319090" y="611537"/>
+            <a:ext cx="8508999" cy="380810"/>
+          </a:xfrm>
+        </p:spPr>
+        <p:txBody>
+          <a:bodyPr/>
+          <a:lstStyle/>
+          <a:p>
+            <a:r>
+              <a:rPr lang="en-US" dirty="0"/>
+              <a:t>Performance</a:t>
+            </a:r>
+          </a:p>
+        </p:txBody>
+      </p:sp>
+      <p:sp>
+        <p:nvSpPr>
+          <p:cNvPr id="4" name="Foliennummernplatzhalter 3">
+            <a:extLst>
+              <a:ext uri="{FF2B5EF4-FFF2-40B4-BE49-F238E27FC236}">
+                <a16:creationId xmlns:a16="http://schemas.microsoft.com/office/drawing/2014/main" id="{DD446764-0C0B-573A-F698-B7F4C0B68DA1}"/>
+              </a:ext>
+            </a:extLst>
+          </p:cNvPr>
+          <p:cNvSpPr>
+            <a:spLocks noGrp="1"/>
+          </p:cNvSpPr>
+          <p:nvPr>
+            <p:ph type="sldNum" sz="quarter" idx="11"/>
+          </p:nvPr>
+        </p:nvSpPr>
+        <p:spPr/>
+        <p:txBody>
+          <a:bodyPr/>
+          <a:lstStyle/>
+          <a:p>
+            <a:fld id="{CE58CB1E-F828-4F11-99E0-327109AF9DA4}" type="slidenum">
+              <a:rPr lang="en-US" noProof="0" smtClean="0"/>
+              <a:pPr/>
+              <a:t>12</a:t>
+            </a:fld>
+            <a:endParaRPr lang="en-US" noProof="0" dirty="0"/>
+          </a:p>
+        </p:txBody>
+      </p:sp>
+    </p:spTree>
+    <p:extLst>
+      <p:ext uri="{BB962C8B-B14F-4D97-AF65-F5344CB8AC3E}">
+        <p14:creationId xmlns:p14="http://schemas.microsoft.com/office/powerpoint/2010/main" val="1374394236"/>
+      </p:ext>
+    </p:extLst>
+  </p:cSld>
+  <p:clrMapOvr>
+    <a:masterClrMapping/>
+  </p:clrMapOvr>
+</p:sld>
+</file>
+
+<file path=ppt/slides/slide13.xml><?xml version="1.0" encoding="utf-8"?>
+<p:sld xmlns:a="http://schemas.openxmlformats.org/drawingml/2006/main" xmlns:r="http://schemas.openxmlformats.org/officeDocument/2006/relationships" xmlns:p="http://schemas.openxmlformats.org/presentationml/2006/main">
+  <p:cSld>
+    <p:spTree>
+      <p:nvGrpSpPr>
+        <p:cNvPr id="1" name="">
+          <a:extLst>
+            <a:ext uri="{FF2B5EF4-FFF2-40B4-BE49-F238E27FC236}">
+              <a16:creationId xmlns:a16="http://schemas.microsoft.com/office/drawing/2014/main" id="{6925F746-23B7-8E28-66A6-38BC39C91A76}"/>
+            </a:ext>
+          </a:extLst>
+        </p:cNvPr>
+        <p:cNvGrpSpPr/>
+        <p:nvPr/>
+      </p:nvGrpSpPr>
+      <p:grpSpPr>
+        <a:xfrm>
+          <a:off x="0" y="0"/>
+          <a:ext cx="0" cy="0"/>
+          <a:chOff x="0" y="0"/>
+          <a:chExt cx="0" cy="0"/>
+        </a:xfrm>
+      </p:grpSpPr>
+      <p:sp>
+        <p:nvSpPr>
+          <p:cNvPr id="2" name="Inhaltsplatzhalter 1">
+            <a:extLst>
+              <a:ext uri="{FF2B5EF4-FFF2-40B4-BE49-F238E27FC236}">
+                <a16:creationId xmlns:a16="http://schemas.microsoft.com/office/drawing/2014/main" id="{10314787-61BD-7199-612A-CD0AFD3318D2}"/>
+              </a:ext>
+            </a:extLst>
+          </p:cNvPr>
+          <p:cNvSpPr>
+            <a:spLocks noGrp="1"/>
+          </p:cNvSpPr>
+          <p:nvPr>
+            <p:ph idx="1"/>
+          </p:nvPr>
+        </p:nvSpPr>
+        <p:spPr>
+          <a:xfrm>
+            <a:off x="319090" y="1220495"/>
+            <a:ext cx="8508999" cy="2998470"/>
+          </a:xfrm>
+        </p:spPr>
+        <p:txBody>
+          <a:bodyPr/>
+          <a:lstStyle/>
+          <a:p>
+            <a:endParaRPr lang="en-US" dirty="0"/>
+          </a:p>
+          <a:p>
+            <a:r>
+              <a:rPr lang="en-US" dirty="0"/>
+              <a:t>A Flop is a funny Name for an operation, for example: a multiplication, a sum, a root squared</a:t>
+            </a:r>
+          </a:p>
+          <a:p>
+            <a:endParaRPr lang="en-US" dirty="0"/>
+          </a:p>
+        </p:txBody>
+      </p:sp>
+      <p:sp>
+        <p:nvSpPr>
+          <p:cNvPr id="3" name="Titel 2">
+            <a:extLst>
+              <a:ext uri="{FF2B5EF4-FFF2-40B4-BE49-F238E27FC236}">
+                <a16:creationId xmlns:a16="http://schemas.microsoft.com/office/drawing/2014/main" id="{D272F2AE-E62E-C6E8-3ECF-6EE711D441C3}"/>
+              </a:ext>
+            </a:extLst>
+          </p:cNvPr>
+          <p:cNvSpPr>
+            <a:spLocks noGrp="1"/>
+          </p:cNvSpPr>
+          <p:nvPr>
+            <p:ph type="title"/>
+          </p:nvPr>
+        </p:nvSpPr>
+        <p:spPr>
+          <a:xfrm>
+            <a:off x="319090" y="611537"/>
+            <a:ext cx="8508999" cy="380810"/>
+          </a:xfrm>
+        </p:spPr>
+        <p:txBody>
+          <a:bodyPr/>
+          <a:lstStyle/>
+          <a:p>
+            <a:r>
+              <a:rPr lang="de-DE" dirty="0"/>
+              <a:t>W</a:t>
+            </a:r>
+            <a:r>
+              <a:rPr lang="en-US" dirty="0"/>
+              <a:t>TF is a FLOP ? </a:t>
+            </a:r>
+          </a:p>
+        </p:txBody>
+      </p:sp>
+      <p:sp>
+        <p:nvSpPr>
+          <p:cNvPr id="4" name="Foliennummernplatzhalter 3">
+            <a:extLst>
+              <a:ext uri="{FF2B5EF4-FFF2-40B4-BE49-F238E27FC236}">
+                <a16:creationId xmlns:a16="http://schemas.microsoft.com/office/drawing/2014/main" id="{B83E9359-D9AD-BE9C-20BE-56E49C11E285}"/>
+              </a:ext>
+            </a:extLst>
+          </p:cNvPr>
+          <p:cNvSpPr>
+            <a:spLocks noGrp="1"/>
+          </p:cNvSpPr>
+          <p:nvPr>
+            <p:ph type="sldNum" sz="quarter" idx="11"/>
+          </p:nvPr>
+        </p:nvSpPr>
+        <p:spPr/>
+        <p:txBody>
+          <a:bodyPr/>
+          <a:lstStyle/>
+          <a:p>
+            <a:fld id="{CE58CB1E-F828-4F11-99E0-327109AF9DA4}" type="slidenum">
+              <a:rPr lang="en-US" noProof="0" smtClean="0"/>
+              <a:pPr/>
+              <a:t>13</a:t>
+            </a:fld>
+            <a:endParaRPr lang="en-US" noProof="0" dirty="0"/>
+          </a:p>
+        </p:txBody>
+      </p:sp>
+      <p:pic>
+        <p:nvPicPr>
+          <p:cNvPr id="11" name="Picture 10" descr="A computer code with text&#10;&#10;AI-generated content may be incorrect.">
+            <a:extLst>
+              <a:ext uri="{FF2B5EF4-FFF2-40B4-BE49-F238E27FC236}">
+                <a16:creationId xmlns:a16="http://schemas.microsoft.com/office/drawing/2014/main" id="{03C4AF08-9582-2712-8449-3D1C7FA8BFB5}"/>
+              </a:ext>
+            </a:extLst>
+          </p:cNvPr>
+          <p:cNvPicPr>
+            <a:picLocks noChangeAspect="1"/>
+          </p:cNvPicPr>
+          <p:nvPr/>
+        </p:nvPicPr>
+        <p:blipFill>
+          <a:blip r:embed="rId2"/>
+          <a:stretch>
+            <a:fillRect/>
+          </a:stretch>
+        </p:blipFill>
+        <p:spPr>
+          <a:xfrm>
+            <a:off x="450376" y="1746126"/>
+            <a:ext cx="8243248" cy="3171509"/>
+          </a:xfrm>
+          <a:prstGeom prst="rect">
+            <a:avLst/>
+          </a:prstGeom>
+        </p:spPr>
+      </p:pic>
+    </p:spTree>
+    <p:extLst>
+      <p:ext uri="{BB962C8B-B14F-4D97-AF65-F5344CB8AC3E}">
+        <p14:creationId xmlns:p14="http://schemas.microsoft.com/office/powerpoint/2010/main" val="861938066"/>
+      </p:ext>
+    </p:extLst>
+  </p:cSld>
+  <p:clrMapOvr>
+    <a:masterClrMapping/>
+  </p:clrMapOvr>
+</p:sld>
+</file>
+
+<file path=ppt/slides/slide14.xml><?xml version="1.0" encoding="utf-8"?>
+<p:sld xmlns:a="http://schemas.openxmlformats.org/drawingml/2006/main" xmlns:r="http://schemas.openxmlformats.org/officeDocument/2006/relationships" xmlns:p="http://schemas.openxmlformats.org/presentationml/2006/main">
+  <p:cSld>
+    <p:spTree>
+      <p:nvGrpSpPr>
+        <p:cNvPr id="1" name="">
+          <a:extLst>
+            <a:ext uri="{FF2B5EF4-FFF2-40B4-BE49-F238E27FC236}">
+              <a16:creationId xmlns:a16="http://schemas.microsoft.com/office/drawing/2014/main" id="{5455427A-A3B5-AD0E-A71D-2875490D109B}"/>
+            </a:ext>
+          </a:extLst>
+        </p:cNvPr>
+        <p:cNvGrpSpPr/>
+        <p:nvPr/>
+      </p:nvGrpSpPr>
+      <p:grpSpPr>
+        <a:xfrm>
+          <a:off x="0" y="0"/>
+          <a:ext cx="0" cy="0"/>
+          <a:chOff x="0" y="0"/>
+          <a:chExt cx="0" cy="0"/>
+        </a:xfrm>
+      </p:grpSpPr>
+      <p:sp>
+        <p:nvSpPr>
+          <p:cNvPr id="3" name="Titel 2">
+            <a:extLst>
+              <a:ext uri="{FF2B5EF4-FFF2-40B4-BE49-F238E27FC236}">
+                <a16:creationId xmlns:a16="http://schemas.microsoft.com/office/drawing/2014/main" id="{59750A44-4117-7B74-200A-835E9A000009}"/>
+              </a:ext>
+            </a:extLst>
+          </p:cNvPr>
+          <p:cNvSpPr>
+            <a:spLocks noGrp="1"/>
+          </p:cNvSpPr>
+          <p:nvPr>
+            <p:ph type="title"/>
+          </p:nvPr>
+        </p:nvSpPr>
+        <p:spPr>
+          <a:xfrm>
+            <a:off x="319090" y="611537"/>
+            <a:ext cx="8508999" cy="380810"/>
+          </a:xfrm>
+        </p:spPr>
+        <p:txBody>
+          <a:bodyPr/>
+          <a:lstStyle/>
+          <a:p>
+            <a:r>
+              <a:rPr lang="en-US" dirty="0"/>
+              <a:t>Performance comparison between GPUs</a:t>
+            </a:r>
+          </a:p>
+        </p:txBody>
+      </p:sp>
+      <p:sp>
+        <p:nvSpPr>
+          <p:cNvPr id="4" name="Foliennummernplatzhalter 3">
+            <a:extLst>
+              <a:ext uri="{FF2B5EF4-FFF2-40B4-BE49-F238E27FC236}">
+                <a16:creationId xmlns:a16="http://schemas.microsoft.com/office/drawing/2014/main" id="{09AD63FD-A563-6097-205F-A0CB1DAA1D87}"/>
+              </a:ext>
+            </a:extLst>
+          </p:cNvPr>
+          <p:cNvSpPr>
+            <a:spLocks noGrp="1"/>
+          </p:cNvSpPr>
+          <p:nvPr>
+            <p:ph type="sldNum" sz="quarter" idx="11"/>
+          </p:nvPr>
+        </p:nvSpPr>
+        <p:spPr/>
+        <p:txBody>
+          <a:bodyPr/>
+          <a:lstStyle/>
+          <a:p>
+            <a:fld id="{CE58CB1E-F828-4F11-99E0-327109AF9DA4}" type="slidenum">
+              <a:rPr lang="en-US" noProof="0" smtClean="0"/>
+              <a:pPr/>
+              <a:t>14</a:t>
+            </a:fld>
+            <a:endParaRPr lang="en-US" noProof="0" dirty="0"/>
+          </a:p>
+        </p:txBody>
+      </p:sp>
+      <p:pic>
+        <p:nvPicPr>
+          <p:cNvPr id="6" name="Picture 5">
+            <a:extLst>
+              <a:ext uri="{FF2B5EF4-FFF2-40B4-BE49-F238E27FC236}">
+                <a16:creationId xmlns:a16="http://schemas.microsoft.com/office/drawing/2014/main" id="{7C7805CD-EAC6-CE00-8B0A-E9F0CECFE5B1}"/>
+              </a:ext>
+            </a:extLst>
+          </p:cNvPr>
+          <p:cNvPicPr>
+            <a:picLocks noChangeAspect="1"/>
+          </p:cNvPicPr>
+          <p:nvPr/>
+        </p:nvPicPr>
+        <p:blipFill>
+          <a:blip r:embed="rId2"/>
+          <a:stretch>
+            <a:fillRect/>
+          </a:stretch>
+        </p:blipFill>
+        <p:spPr>
+          <a:xfrm>
+            <a:off x="1284169" y="1089683"/>
+            <a:ext cx="6269867" cy="3902224"/>
+          </a:xfrm>
+          <a:prstGeom prst="rect">
+            <a:avLst/>
+          </a:prstGeom>
+        </p:spPr>
+      </p:pic>
+    </p:spTree>
+    <p:extLst>
+      <p:ext uri="{BB962C8B-B14F-4D97-AF65-F5344CB8AC3E}">
+        <p14:creationId xmlns:p14="http://schemas.microsoft.com/office/powerpoint/2010/main" val="1770807551"/>
+      </p:ext>
+    </p:extLst>
+  </p:cSld>
+  <p:clrMapOvr>
+    <a:masterClrMapping/>
+  </p:clrMapOvr>
+</p:sld>
+</file>
+
+<file path=ppt/slides/slide15.xml><?xml version="1.0" encoding="utf-8"?>
+<p:sld xmlns:a="http://schemas.openxmlformats.org/drawingml/2006/main" xmlns:r="http://schemas.openxmlformats.org/officeDocument/2006/relationships" xmlns:p="http://schemas.openxmlformats.org/presentationml/2006/main">
+  <p:cSld>
+    <p:spTree>
+      <p:nvGrpSpPr>
+        <p:cNvPr id="1" name="">
+          <a:extLst>
+            <a:ext uri="{FF2B5EF4-FFF2-40B4-BE49-F238E27FC236}">
+              <a16:creationId xmlns:a16="http://schemas.microsoft.com/office/drawing/2014/main" id="{B50422C4-24BC-9AED-2F92-7786E9825FCF}"/>
+            </a:ext>
+          </a:extLst>
+        </p:cNvPr>
+        <p:cNvGrpSpPr/>
+        <p:nvPr/>
+      </p:nvGrpSpPr>
+      <p:grpSpPr>
+        <a:xfrm>
+          <a:off x="0" y="0"/>
+          <a:ext cx="0" cy="0"/>
+          <a:chOff x="0" y="0"/>
+          <a:chExt cx="0" cy="0"/>
+        </a:xfrm>
+      </p:grpSpPr>
+      <p:sp>
+        <p:nvSpPr>
+          <p:cNvPr id="3" name="Titel 2">
+            <a:extLst>
+              <a:ext uri="{FF2B5EF4-FFF2-40B4-BE49-F238E27FC236}">
+                <a16:creationId xmlns:a16="http://schemas.microsoft.com/office/drawing/2014/main" id="{61A8F970-EE91-0ADB-5A1F-ECBC594F5C05}"/>
+              </a:ext>
+            </a:extLst>
+          </p:cNvPr>
+          <p:cNvSpPr>
+            <a:spLocks noGrp="1"/>
+          </p:cNvSpPr>
+          <p:nvPr>
+            <p:ph type="title"/>
+          </p:nvPr>
+        </p:nvSpPr>
+        <p:spPr>
+          <a:xfrm>
+            <a:off x="319090" y="611537"/>
+            <a:ext cx="8508999" cy="380810"/>
+          </a:xfrm>
+        </p:spPr>
+        <p:txBody>
+          <a:bodyPr/>
+          <a:lstStyle/>
+          <a:p>
+            <a:r>
+              <a:rPr lang="en-US" dirty="0"/>
+              <a:t>Performance comparison between GPU and CPU 5090</a:t>
+            </a:r>
+          </a:p>
+        </p:txBody>
+      </p:sp>
+      <p:sp>
+        <p:nvSpPr>
+          <p:cNvPr id="4" name="Foliennummernplatzhalter 3">
+            <a:extLst>
+              <a:ext uri="{FF2B5EF4-FFF2-40B4-BE49-F238E27FC236}">
+                <a16:creationId xmlns:a16="http://schemas.microsoft.com/office/drawing/2014/main" id="{F30B6CAB-261F-3D5B-6F7C-E1D15B5D7AFD}"/>
+              </a:ext>
+            </a:extLst>
+          </p:cNvPr>
+          <p:cNvSpPr>
+            <a:spLocks noGrp="1"/>
+          </p:cNvSpPr>
+          <p:nvPr>
+            <p:ph type="sldNum" sz="quarter" idx="11"/>
+          </p:nvPr>
+        </p:nvSpPr>
+        <p:spPr/>
+        <p:txBody>
+          <a:bodyPr/>
+          <a:lstStyle/>
+          <a:p>
+            <a:fld id="{CE58CB1E-F828-4F11-99E0-327109AF9DA4}" type="slidenum">
+              <a:rPr lang="en-US" noProof="0" smtClean="0"/>
+              <a:pPr/>
+              <a:t>15</a:t>
+            </a:fld>
+            <a:endParaRPr lang="en-US" noProof="0" dirty="0"/>
+          </a:p>
+        </p:txBody>
+      </p:sp>
+      <p:pic>
+        <p:nvPicPr>
+          <p:cNvPr id="8" name="Picture 7">
+            <a:extLst>
+              <a:ext uri="{FF2B5EF4-FFF2-40B4-BE49-F238E27FC236}">
+                <a16:creationId xmlns:a16="http://schemas.microsoft.com/office/drawing/2014/main" id="{88EB92F9-845C-7224-9419-92DA78DC3421}"/>
+              </a:ext>
+            </a:extLst>
+          </p:cNvPr>
+          <p:cNvPicPr>
+            <a:picLocks noChangeAspect="1"/>
+          </p:cNvPicPr>
+          <p:nvPr/>
+        </p:nvPicPr>
+        <p:blipFill>
+          <a:blip r:embed="rId2"/>
+          <a:stretch>
+            <a:fillRect/>
+          </a:stretch>
+        </p:blipFill>
+        <p:spPr>
+          <a:xfrm>
+            <a:off x="1338760" y="1168279"/>
+            <a:ext cx="6017297" cy="3745031"/>
+          </a:xfrm>
+          <a:prstGeom prst="rect">
+            <a:avLst/>
+          </a:prstGeom>
+        </p:spPr>
+      </p:pic>
+    </p:spTree>
+    <p:extLst>
+      <p:ext uri="{BB962C8B-B14F-4D97-AF65-F5344CB8AC3E}">
+        <p14:creationId xmlns:p14="http://schemas.microsoft.com/office/powerpoint/2010/main" val="4082523543"/>
+      </p:ext>
+    </p:extLst>
+  </p:cSld>
+  <p:clrMapOvr>
+    <a:masterClrMapping/>
+  </p:clrMapOvr>
+</p:sld>
+</file>
+
+<file path=ppt/slides/slide16.xml><?xml version="1.0" encoding="utf-8"?>
+<p:sld xmlns:a="http://schemas.openxmlformats.org/drawingml/2006/main" xmlns:r="http://schemas.openxmlformats.org/officeDocument/2006/relationships" xmlns:p="http://schemas.openxmlformats.org/presentationml/2006/main">
+  <p:cSld>
+    <p:spTree>
+      <p:nvGrpSpPr>
+        <p:cNvPr id="1" name="">
+          <a:extLst>
+            <a:ext uri="{FF2B5EF4-FFF2-40B4-BE49-F238E27FC236}">
+              <a16:creationId xmlns:a16="http://schemas.microsoft.com/office/drawing/2014/main" id="{BD71D797-3FB4-BA08-A12F-93BE4444F390}"/>
+            </a:ext>
+          </a:extLst>
+        </p:cNvPr>
+        <p:cNvGrpSpPr/>
+        <p:nvPr/>
+      </p:nvGrpSpPr>
+      <p:grpSpPr>
+        <a:xfrm>
+          <a:off x="0" y="0"/>
+          <a:ext cx="0" cy="0"/>
+          <a:chOff x="0" y="0"/>
+          <a:chExt cx="0" cy="0"/>
+        </a:xfrm>
+      </p:grpSpPr>
+      <p:sp>
+        <p:nvSpPr>
+          <p:cNvPr id="3" name="Titel 2">
+            <a:extLst>
+              <a:ext uri="{FF2B5EF4-FFF2-40B4-BE49-F238E27FC236}">
+                <a16:creationId xmlns:a16="http://schemas.microsoft.com/office/drawing/2014/main" id="{A95288FE-5273-1592-7B6D-FF50962FC1B5}"/>
+              </a:ext>
+            </a:extLst>
+          </p:cNvPr>
+          <p:cNvSpPr>
+            <a:spLocks noGrp="1"/>
+          </p:cNvSpPr>
+          <p:nvPr>
+            <p:ph type="title"/>
+          </p:nvPr>
+        </p:nvSpPr>
+        <p:spPr>
+          <a:xfrm>
+            <a:off x="319090" y="611537"/>
+            <a:ext cx="8508999" cy="380810"/>
+          </a:xfrm>
+        </p:spPr>
+        <p:txBody>
+          <a:bodyPr/>
+          <a:lstStyle/>
+          <a:p>
+            <a:r>
+              <a:rPr lang="en-US" dirty="0"/>
+              <a:t>Performance comparison between GPUs in GFLOPs</a:t>
+            </a:r>
+          </a:p>
+        </p:txBody>
+      </p:sp>
+      <p:sp>
+        <p:nvSpPr>
+          <p:cNvPr id="4" name="Foliennummernplatzhalter 3">
+            <a:extLst>
+              <a:ext uri="{FF2B5EF4-FFF2-40B4-BE49-F238E27FC236}">
+                <a16:creationId xmlns:a16="http://schemas.microsoft.com/office/drawing/2014/main" id="{070D3797-4E6C-8B8F-9766-6A3A7F9C0515}"/>
+              </a:ext>
+            </a:extLst>
+          </p:cNvPr>
+          <p:cNvSpPr>
+            <a:spLocks noGrp="1"/>
+          </p:cNvSpPr>
+          <p:nvPr>
+            <p:ph type="sldNum" sz="quarter" idx="11"/>
+          </p:nvPr>
+        </p:nvSpPr>
+        <p:spPr/>
+        <p:txBody>
+          <a:bodyPr/>
+          <a:lstStyle/>
+          <a:p>
+            <a:fld id="{CE58CB1E-F828-4F11-99E0-327109AF9DA4}" type="slidenum">
+              <a:rPr lang="en-US" noProof="0" smtClean="0"/>
+              <a:pPr/>
+              <a:t>16</a:t>
+            </a:fld>
+            <a:endParaRPr lang="en-US" noProof="0" dirty="0"/>
+          </a:p>
+        </p:txBody>
+      </p:sp>
+      <p:pic>
+        <p:nvPicPr>
+          <p:cNvPr id="8" name="Picture 7">
+            <a:extLst>
+              <a:ext uri="{FF2B5EF4-FFF2-40B4-BE49-F238E27FC236}">
+                <a16:creationId xmlns:a16="http://schemas.microsoft.com/office/drawing/2014/main" id="{A092AC6C-AE30-3752-00EB-205BD5CCDA1B}"/>
+              </a:ext>
+            </a:extLst>
+          </p:cNvPr>
+          <p:cNvPicPr>
+            <a:picLocks noChangeAspect="1"/>
+          </p:cNvPicPr>
+          <p:nvPr/>
+        </p:nvPicPr>
+        <p:blipFill>
+          <a:blip r:embed="rId2"/>
+          <a:stretch>
+            <a:fillRect/>
+          </a:stretch>
+        </p:blipFill>
+        <p:spPr>
+          <a:xfrm>
+            <a:off x="1338760" y="1168279"/>
+            <a:ext cx="6017297" cy="3745031"/>
+          </a:xfrm>
+          <a:prstGeom prst="rect">
+            <a:avLst/>
+          </a:prstGeom>
+        </p:spPr>
+      </p:pic>
+      <p:pic>
+        <p:nvPicPr>
+          <p:cNvPr id="7" name="Picture 6">
+            <a:extLst>
+              <a:ext uri="{FF2B5EF4-FFF2-40B4-BE49-F238E27FC236}">
+                <a16:creationId xmlns:a16="http://schemas.microsoft.com/office/drawing/2014/main" id="{F90C1794-0895-0E5C-25A4-CD0FFA5D7F3C}"/>
+              </a:ext>
+            </a:extLst>
+          </p:cNvPr>
+          <p:cNvPicPr>
+            <a:picLocks noChangeAspect="1"/>
+          </p:cNvPicPr>
+          <p:nvPr/>
+        </p:nvPicPr>
+        <p:blipFill>
+          <a:blip r:embed="rId3"/>
+          <a:stretch>
+            <a:fillRect/>
+          </a:stretch>
+        </p:blipFill>
+        <p:spPr>
+          <a:xfrm>
+            <a:off x="927549" y="1168279"/>
+            <a:ext cx="6379647" cy="3884529"/>
+          </a:xfrm>
+          <a:prstGeom prst="rect">
+            <a:avLst/>
+          </a:prstGeom>
+        </p:spPr>
+      </p:pic>
+    </p:spTree>
+    <p:extLst>
+      <p:ext uri="{BB962C8B-B14F-4D97-AF65-F5344CB8AC3E}">
+        <p14:creationId xmlns:p14="http://schemas.microsoft.com/office/powerpoint/2010/main" val="2157700008"/>
+      </p:ext>
+    </p:extLst>
+  </p:cSld>
+  <p:clrMapOvr>
+    <a:masterClrMapping/>
+  </p:clrMapOvr>
+</p:sld>
+</file>
+
+<file path=ppt/slides/slide17.xml><?xml version="1.0" encoding="utf-8"?>
+<p:sld xmlns:a="http://schemas.openxmlformats.org/drawingml/2006/main" xmlns:r="http://schemas.openxmlformats.org/officeDocument/2006/relationships" xmlns:p="http://schemas.openxmlformats.org/presentationml/2006/main">
+  <p:cSld>
+    <p:spTree>
+      <p:nvGrpSpPr>
+        <p:cNvPr id="1" name="">
+          <a:extLst>
+            <a:ext uri="{FF2B5EF4-FFF2-40B4-BE49-F238E27FC236}">
+              <a16:creationId xmlns:a16="http://schemas.microsoft.com/office/drawing/2014/main" id="{53EB414E-706E-7EE1-D00F-03536DC1B248}"/>
+            </a:ext>
+          </a:extLst>
+        </p:cNvPr>
+        <p:cNvGrpSpPr/>
+        <p:nvPr/>
+      </p:nvGrpSpPr>
+      <p:grpSpPr>
+        <a:xfrm>
+          <a:off x="0" y="0"/>
+          <a:ext cx="0" cy="0"/>
+          <a:chOff x="0" y="0"/>
+          <a:chExt cx="0" cy="0"/>
+        </a:xfrm>
+      </p:grpSpPr>
+      <p:sp>
+        <p:nvSpPr>
+          <p:cNvPr id="2" name="Inhaltsplatzhalter 1">
+            <a:extLst>
+              <a:ext uri="{FF2B5EF4-FFF2-40B4-BE49-F238E27FC236}">
+                <a16:creationId xmlns:a16="http://schemas.microsoft.com/office/drawing/2014/main" id="{FCF8124D-81C7-AF1D-AED8-0BC2457A3DF0}"/>
+              </a:ext>
+            </a:extLst>
+          </p:cNvPr>
+          <p:cNvSpPr>
+            <a:spLocks noGrp="1"/>
+          </p:cNvSpPr>
+          <p:nvPr>
+            <p:ph idx="1"/>
+          </p:nvPr>
+        </p:nvSpPr>
+        <p:spPr>
+          <a:xfrm>
+            <a:off x="319090" y="1220495"/>
+            <a:ext cx="8508999" cy="2998470"/>
+          </a:xfrm>
+        </p:spPr>
+        <p:txBody>
+          <a:bodyPr/>
+          <a:lstStyle/>
+          <a:p>
+            <a:r>
+              <a:rPr lang="en-US" dirty="0"/>
+              <a:t>Some videos of </a:t>
+            </a:r>
+            <a:r>
+              <a:rPr lang="en-US" dirty="0" err="1"/>
+              <a:t>nvidia</a:t>
+            </a:r>
+            <a:r>
+              <a:rPr lang="en-US" dirty="0"/>
+              <a:t> visualization how it could </a:t>
+            </a:r>
+            <a:r>
+              <a:rPr lang="en-US"/>
+              <a:t>look like</a:t>
+            </a:r>
+            <a:endParaRPr lang="en-US" dirty="0"/>
+          </a:p>
+        </p:txBody>
+      </p:sp>
+      <p:sp>
+        <p:nvSpPr>
+          <p:cNvPr id="3" name="Titel 2">
+            <a:extLst>
+              <a:ext uri="{FF2B5EF4-FFF2-40B4-BE49-F238E27FC236}">
+                <a16:creationId xmlns:a16="http://schemas.microsoft.com/office/drawing/2014/main" id="{72898025-B16E-D629-B1F7-206598C4315A}"/>
+              </a:ext>
+            </a:extLst>
+          </p:cNvPr>
+          <p:cNvSpPr>
+            <a:spLocks noGrp="1"/>
+          </p:cNvSpPr>
+          <p:nvPr>
+            <p:ph type="title"/>
+          </p:nvPr>
+        </p:nvSpPr>
+        <p:spPr>
+          <a:xfrm>
+            <a:off x="319090" y="611537"/>
+            <a:ext cx="8508999" cy="380810"/>
+          </a:xfrm>
+        </p:spPr>
+        <p:txBody>
+          <a:bodyPr/>
+          <a:lstStyle/>
+          <a:p>
+            <a:r>
+              <a:rPr lang="en-US" dirty="0"/>
+              <a:t>Visual Examples</a:t>
+            </a:r>
+          </a:p>
+        </p:txBody>
+      </p:sp>
+      <p:sp>
+        <p:nvSpPr>
+          <p:cNvPr id="4" name="Foliennummernplatzhalter 3">
+            <a:extLst>
+              <a:ext uri="{FF2B5EF4-FFF2-40B4-BE49-F238E27FC236}">
+                <a16:creationId xmlns:a16="http://schemas.microsoft.com/office/drawing/2014/main" id="{BA6642E1-B495-6706-4D40-2F244D4B86B6}"/>
+              </a:ext>
+            </a:extLst>
+          </p:cNvPr>
+          <p:cNvSpPr>
+            <a:spLocks noGrp="1"/>
+          </p:cNvSpPr>
+          <p:nvPr>
+            <p:ph type="sldNum" sz="quarter" idx="11"/>
+          </p:nvPr>
+        </p:nvSpPr>
+        <p:spPr/>
+        <p:txBody>
+          <a:bodyPr/>
+          <a:lstStyle/>
+          <a:p>
+            <a:fld id="{CE58CB1E-F828-4F11-99E0-327109AF9DA4}" type="slidenum">
+              <a:rPr lang="en-US" noProof="0" smtClean="0"/>
+              <a:pPr/>
+              <a:t>17</a:t>
+            </a:fld>
+            <a:endParaRPr lang="en-US" noProof="0" dirty="0"/>
+          </a:p>
+        </p:txBody>
+      </p:sp>
+    </p:spTree>
+    <p:extLst>
+      <p:ext uri="{BB962C8B-B14F-4D97-AF65-F5344CB8AC3E}">
+        <p14:creationId xmlns:p14="http://schemas.microsoft.com/office/powerpoint/2010/main" val="3388287925"/>
+      </p:ext>
+    </p:extLst>
+  </p:cSld>
+  <p:clrMapOvr>
+    <a:masterClrMapping/>
+  </p:clrMapOvr>
+</p:sld>
+</file>
+
+<file path=ppt/slides/slide18.xml><?xml version="1.0" encoding="utf-8"?>
+<p:sld xmlns:a="http://schemas.openxmlformats.org/drawingml/2006/main" xmlns:r="http://schemas.openxmlformats.org/officeDocument/2006/relationships" xmlns:p="http://schemas.openxmlformats.org/presentationml/2006/main">
+  <p:cSld>
+    <p:spTree>
+      <p:nvGrpSpPr>
+        <p:cNvPr id="1" name=""/>
+        <p:cNvGrpSpPr/>
+        <p:nvPr/>
+      </p:nvGrpSpPr>
+      <p:grpSpPr>
+        <a:xfrm>
+          <a:off x="0" y="0"/>
+          <a:ext cx="0" cy="0"/>
+          <a:chOff x="0" y="0"/>
+          <a:chExt cx="0" cy="0"/>
+        </a:xfrm>
+      </p:grpSpPr>
+      <p:sp>
+        <p:nvSpPr>
           <p:cNvPr id="2" name="Inhaltsplatzhalter 1"/>
           <p:cNvSpPr>
             <a:spLocks noGrp="1"/>
@@ -8186,7 +9346,7 @@
             <a:fld id="{CE58CB1E-F828-4F11-99E0-327109AF9DA4}" type="slidenum">
               <a:rPr lang="en-US" noProof="0" smtClean="0"/>
               <a:pPr/>
-              <a:t>11</a:t>
+              <a:t>18</a:t>
             </a:fld>
             <a:endParaRPr lang="en-US" noProof="0" dirty="0"/>
           </a:p>
@@ -8855,7 +10015,7 @@
 </p:sld>
 </file>
 
-<file path=ppt/slides/slide12.xml><?xml version="1.0" encoding="utf-8"?>
+<file path=ppt/slides/slide19.xml><?xml version="1.0" encoding="utf-8"?>
 <p:sld xmlns:a="http://schemas.openxmlformats.org/drawingml/2006/main" xmlns:r="http://schemas.openxmlformats.org/officeDocument/2006/relationships" xmlns:p="http://schemas.openxmlformats.org/presentationml/2006/main">
   <p:cSld>
     <p:spTree>
@@ -8978,7 +10138,7 @@
             <a:fld id="{CE58CB1E-F828-4F11-99E0-327109AF9DA4}" type="slidenum">
               <a:rPr lang="en-US" noProof="0" smtClean="0"/>
               <a:pPr/>
-              <a:t>12</a:t>
+              <a:t>19</a:t>
             </a:fld>
             <a:endParaRPr lang="en-US" noProof="0" dirty="0"/>
           </a:p>
@@ -10213,7 +11373,7 @@
         <p:cNvPr id="1" name="">
           <a:extLst>
             <a:ext uri="{FF2B5EF4-FFF2-40B4-BE49-F238E27FC236}">
-              <a16:creationId xmlns:a16="http://schemas.microsoft.com/office/drawing/2014/main" id="{4C8F35ED-9CC6-F5DB-9B2F-439DAD169082}"/>
+              <a16:creationId xmlns:a16="http://schemas.microsoft.com/office/drawing/2014/main" id="{0A5C669C-02D0-D79E-D17A-39D8C250DC62}"/>
             </a:ext>
           </a:extLst>
         </p:cNvPr>
@@ -10230,10 +11390,10 @@
       </p:grpSpPr>
       <p:sp>
         <p:nvSpPr>
-          <p:cNvPr id="2" name="Inhaltsplatzhalter 1">
+          <p:cNvPr id="3" name="Titel 2">
             <a:extLst>
               <a:ext uri="{FF2B5EF4-FFF2-40B4-BE49-F238E27FC236}">
-                <a16:creationId xmlns:a16="http://schemas.microsoft.com/office/drawing/2014/main" id="{2F1ADF8F-EADC-2600-2346-C533F6D8BC57}"/>
+                <a16:creationId xmlns:a16="http://schemas.microsoft.com/office/drawing/2014/main" id="{DF19DE50-B3DD-DD6E-01F6-B73F00EFBE33}"/>
               </a:ext>
             </a:extLst>
           </p:cNvPr>
@@ -10241,88 +11401,36 @@
             <a:spLocks noGrp="1"/>
           </p:cNvSpPr>
           <p:nvPr>
-            <p:ph idx="1"/>
+            <p:ph type="title"/>
           </p:nvPr>
         </p:nvSpPr>
         <p:spPr>
           <a:xfrm>
-            <a:off x="319090" y="1220495"/>
-            <a:ext cx="8508999" cy="2998470"/>
+            <a:off x="319090" y="611537"/>
+            <a:ext cx="8508999" cy="380810"/>
           </a:xfrm>
         </p:spPr>
         <p:txBody>
           <a:bodyPr/>
           <a:lstStyle/>
           <a:p>
-            <a:pPr marL="285750" indent="-285750">
-              <a:buFontTx/>
-              <a:buChar char="-"/>
-            </a:pPr>
+            <a:r>
+              <a:rPr lang="de-DE" dirty="0"/>
+              <a:t>H</a:t>
+            </a:r>
             <a:r>
               <a:rPr lang="en-US" dirty="0"/>
-              <a:t>Performance/Plots on how simulation parameters where chosen</a:t>
-            </a:r>
-          </a:p>
-          <a:p>
-            <a:pPr marL="285750" indent="-285750">
-              <a:buFontTx/>
-              <a:buChar char="-"/>
-            </a:pPr>
-            <a:r>
-              <a:rPr lang="en-US" dirty="0"/>
-              <a:t>Performance </a:t>
-            </a:r>
-            <a:r>
-              <a:rPr lang="en-US" dirty="0" err="1"/>
-              <a:t>compairision</a:t>
-            </a:r>
-            <a:r>
-              <a:rPr lang="en-US" dirty="0"/>
-              <a:t> between </a:t>
-            </a:r>
-            <a:r>
-              <a:rPr lang="en-US" dirty="0" err="1"/>
-              <a:t>gpus</a:t>
-            </a:r>
-            <a:endParaRPr lang="en-US" dirty="0"/>
-          </a:p>
-          <a:p>
-            <a:pPr marL="285750" indent="-285750">
-              <a:buFontTx/>
-              <a:buChar char="-"/>
-            </a:pPr>
-            <a:r>
-              <a:rPr lang="en-US" dirty="0"/>
-              <a:t>Performance </a:t>
-            </a:r>
-            <a:r>
-              <a:rPr lang="en-US" dirty="0" err="1"/>
-              <a:t>compairision</a:t>
-            </a:r>
-            <a:r>
-              <a:rPr lang="en-US" dirty="0"/>
-              <a:t> between self written code and </a:t>
-            </a:r>
-            <a:r>
-              <a:rPr lang="en-US" dirty="0" err="1"/>
-              <a:t>nvidia</a:t>
-            </a:r>
-            <a:r>
-              <a:rPr lang="en-US" dirty="0"/>
-              <a:t> sample</a:t>
-            </a:r>
-          </a:p>
-          <a:p>
-            <a:endParaRPr lang="en-US" dirty="0"/>
-          </a:p>
-        </p:txBody>
-      </p:sp>
-      <p:sp>
-        <p:nvSpPr>
-          <p:cNvPr id="3" name="Titel 2">
+              <a:t>ow does the NVIDIA code works? </a:t>
+            </a:r>
+          </a:p>
+        </p:txBody>
+      </p:sp>
+      <p:sp>
+        <p:nvSpPr>
+          <p:cNvPr id="4" name="Foliennummernplatzhalter 3">
             <a:extLst>
               <a:ext uri="{FF2B5EF4-FFF2-40B4-BE49-F238E27FC236}">
-                <a16:creationId xmlns:a16="http://schemas.microsoft.com/office/drawing/2014/main" id="{F35CCF58-208E-C800-52E9-8712B83533B6}"/>
+                <a16:creationId xmlns:a16="http://schemas.microsoft.com/office/drawing/2014/main" id="{7A23D22B-49FB-4113-AD6A-CBBD00F0BC47}"/>
               </a:ext>
             </a:extLst>
           </p:cNvPr>
@@ -10330,39 +11438,6 @@
             <a:spLocks noGrp="1"/>
           </p:cNvSpPr>
           <p:nvPr>
-            <p:ph type="title"/>
-          </p:nvPr>
-        </p:nvSpPr>
-        <p:spPr>
-          <a:xfrm>
-            <a:off x="319090" y="611537"/>
-            <a:ext cx="8508999" cy="380810"/>
-          </a:xfrm>
-        </p:spPr>
-        <p:txBody>
-          <a:bodyPr/>
-          <a:lstStyle/>
-          <a:p>
-            <a:r>
-              <a:rPr lang="en-US" dirty="0"/>
-              <a:t>Performance</a:t>
-            </a:r>
-          </a:p>
-        </p:txBody>
-      </p:sp>
-      <p:sp>
-        <p:nvSpPr>
-          <p:cNvPr id="4" name="Foliennummernplatzhalter 3">
-            <a:extLst>
-              <a:ext uri="{FF2B5EF4-FFF2-40B4-BE49-F238E27FC236}">
-                <a16:creationId xmlns:a16="http://schemas.microsoft.com/office/drawing/2014/main" id="{DD446764-0C0B-573A-F698-B7F4C0B68DA1}"/>
-              </a:ext>
-            </a:extLst>
-          </p:cNvPr>
-          <p:cNvSpPr>
-            <a:spLocks noGrp="1"/>
-          </p:cNvSpPr>
-          <p:nvPr>
             <p:ph type="sldNum" sz="quarter" idx="11"/>
           </p:nvPr>
         </p:nvSpPr>
@@ -10380,10 +11455,156 @@
           </a:p>
         </p:txBody>
       </p:sp>
+      <p:sp>
+        <p:nvSpPr>
+          <p:cNvPr id="15" name="TextBox 14">
+            <a:extLst>
+              <a:ext uri="{FF2B5EF4-FFF2-40B4-BE49-F238E27FC236}">
+                <a16:creationId xmlns:a16="http://schemas.microsoft.com/office/drawing/2014/main" id="{30EEC164-8957-564A-AEB4-ACA7DBE433EB}"/>
+              </a:ext>
+            </a:extLst>
+          </p:cNvPr>
+          <p:cNvSpPr txBox="1"/>
+          <p:nvPr/>
+        </p:nvSpPr>
+        <p:spPr>
+          <a:xfrm>
+            <a:off x="319090" y="1351128"/>
+            <a:ext cx="3946593" cy="257250"/>
+          </a:xfrm>
+          <a:prstGeom prst="rect">
+            <a:avLst/>
+          </a:prstGeom>
+          <a:noFill/>
+        </p:spPr>
+        <p:txBody>
+          <a:bodyPr wrap="none" lIns="0" tIns="0" rIns="0" bIns="0" rtlCol="0">
+            <a:spAutoFit/>
+          </a:bodyPr>
+          <a:lstStyle/>
+          <a:p>
+            <a:pPr>
+              <a:lnSpc>
+                <a:spcPct val="114000"/>
+              </a:lnSpc>
+            </a:pPr>
+            <a:r>
+              <a:rPr lang="de-DE" sz="1600" dirty="0">
+                <a:latin typeface="+mn-lt"/>
+              </a:rPr>
+              <a:t>First </a:t>
+            </a:r>
+            <a:r>
+              <a:rPr lang="de-DE" sz="1600" dirty="0" err="1">
+                <a:latin typeface="+mn-lt"/>
+              </a:rPr>
+              <a:t>we</a:t>
+            </a:r>
+            <a:r>
+              <a:rPr lang="de-DE" sz="1600" dirty="0">
+                <a:latin typeface="+mn-lt"/>
+              </a:rPr>
+              <a:t> </a:t>
+            </a:r>
+            <a:r>
+              <a:rPr lang="de-DE" sz="1600" dirty="0" err="1">
+                <a:latin typeface="+mn-lt"/>
+              </a:rPr>
+              <a:t>need</a:t>
+            </a:r>
+            <a:r>
+              <a:rPr lang="de-DE" sz="1600" dirty="0">
+                <a:latin typeface="+mn-lt"/>
+              </a:rPr>
+              <a:t> </a:t>
+            </a:r>
+            <a:r>
+              <a:rPr lang="de-DE" sz="1600" dirty="0" err="1">
+                <a:latin typeface="+mn-lt"/>
+              </a:rPr>
+              <a:t>to</a:t>
+            </a:r>
+            <a:r>
+              <a:rPr lang="de-DE" sz="1600" dirty="0">
+                <a:latin typeface="+mn-lt"/>
+              </a:rPr>
+              <a:t> </a:t>
+            </a:r>
+            <a:r>
+              <a:rPr lang="de-DE" sz="1600" dirty="0" err="1">
+                <a:latin typeface="+mn-lt"/>
+              </a:rPr>
+              <a:t>calculate</a:t>
+            </a:r>
+            <a:r>
+              <a:rPr lang="de-DE" sz="1600" dirty="0">
+                <a:latin typeface="+mn-lt"/>
+              </a:rPr>
+              <a:t> </a:t>
+            </a:r>
+            <a:r>
+              <a:rPr lang="de-DE" sz="1600" dirty="0" err="1">
+                <a:latin typeface="+mn-lt"/>
+              </a:rPr>
+              <a:t>the</a:t>
+            </a:r>
+            <a:r>
+              <a:rPr lang="de-DE" sz="1600" dirty="0">
+                <a:latin typeface="+mn-lt"/>
+              </a:rPr>
+              <a:t> </a:t>
+            </a:r>
+            <a:r>
+              <a:rPr lang="de-DE" sz="1600" dirty="0" err="1">
+                <a:latin typeface="+mn-lt"/>
+              </a:rPr>
+              <a:t>acceleration</a:t>
+            </a:r>
+            <a:r>
+              <a:rPr lang="de-DE" sz="1600" dirty="0">
+                <a:latin typeface="+mn-lt"/>
+              </a:rPr>
+              <a:t> :</a:t>
+            </a:r>
+            <a:endParaRPr lang="en-US" sz="1600" dirty="0" err="1">
+              <a:latin typeface="+mn-lt"/>
+            </a:endParaRPr>
+          </a:p>
+        </p:txBody>
+      </p:sp>
+      <p:pic>
+        <p:nvPicPr>
+          <p:cNvPr id="19" name="Content Placeholder 18" descr="A screen shot of a computer code&#10;&#10;AI-generated content may be incorrect.">
+            <a:extLst>
+              <a:ext uri="{FF2B5EF4-FFF2-40B4-BE49-F238E27FC236}">
+                <a16:creationId xmlns:a16="http://schemas.microsoft.com/office/drawing/2014/main" id="{AF33B994-587E-EAC6-B2DC-56901CFBA475}"/>
+              </a:ext>
+            </a:extLst>
+          </p:cNvPr>
+          <p:cNvPicPr>
+            <a:picLocks noGrp="1" noChangeAspect="1"/>
+          </p:cNvPicPr>
+          <p:nvPr>
+            <p:ph idx="1"/>
+          </p:nvPr>
+        </p:nvPicPr>
+        <p:blipFill>
+          <a:blip r:embed="rId2"/>
+          <a:stretch>
+            <a:fillRect/>
+          </a:stretch>
+        </p:blipFill>
+        <p:spPr>
+          <a:xfrm>
+            <a:off x="788601" y="1600200"/>
+            <a:ext cx="7569973" cy="3095625"/>
+          </a:xfrm>
+        </p:spPr>
+      </p:pic>
     </p:spTree>
     <p:extLst>
       <p:ext uri="{BB962C8B-B14F-4D97-AF65-F5344CB8AC3E}">
-        <p14:creationId xmlns:p14="http://schemas.microsoft.com/office/powerpoint/2010/main" val="1374394236"/>
+        <p14:creationId xmlns:p14="http://schemas.microsoft.com/office/powerpoint/2010/main" val="2584337851"/>
       </p:ext>
     </p:extLst>
   </p:cSld>
